--- a/Documents/Soutenance/Présentation.pptx
+++ b/Documents/Soutenance/Présentation.pptx
@@ -11,8 +11,8 @@
     <p:sldId id="256" r:id="rId2"/>
     <p:sldId id="257" r:id="rId3"/>
     <p:sldId id="258" r:id="rId4"/>
-    <p:sldId id="259" r:id="rId5"/>
-    <p:sldId id="260" r:id="rId6"/>
+    <p:sldId id="272" r:id="rId5"/>
+    <p:sldId id="259" r:id="rId6"/>
     <p:sldId id="261" r:id="rId7"/>
     <p:sldId id="262" r:id="rId8"/>
     <p:sldId id="263" r:id="rId9"/>
@@ -1106,43 +1106,6 @@
         </a:p>
       </dgm:t>
     </dgm:pt>
-    <dgm:pt modelId="{4A9BBDBB-28D0-DE45-AE83-2B005E063E73}">
-      <dgm:prSet phldrT="[Texte]"/>
-      <dgm:spPr/>
-      <dgm:t>
-        <a:bodyPr/>
-        <a:lstStyle/>
-        <a:p>
-          <a:r>
-            <a:rPr lang="fr-FR" dirty="0" smtClean="0"/>
-            <a:t>Bilan</a:t>
-          </a:r>
-          <a:endParaRPr lang="fr-FR" dirty="0"/>
-        </a:p>
-      </dgm:t>
-    </dgm:pt>
-    <dgm:pt modelId="{75BE2D87-F3C3-D04B-AA55-D80B689F8CFA}" type="parTrans" cxnId="{90C94B38-C472-0B47-8C4C-F57302AE788A}">
-      <dgm:prSet/>
-      <dgm:spPr/>
-      <dgm:t>
-        <a:bodyPr/>
-        <a:lstStyle/>
-        <a:p>
-          <a:endParaRPr lang="fr-FR"/>
-        </a:p>
-      </dgm:t>
-    </dgm:pt>
-    <dgm:pt modelId="{FECE400E-216C-654E-92ED-AF2DD17C3276}" type="sibTrans" cxnId="{90C94B38-C472-0B47-8C4C-F57302AE788A}">
-      <dgm:prSet/>
-      <dgm:spPr/>
-      <dgm:t>
-        <a:bodyPr/>
-        <a:lstStyle/>
-        <a:p>
-          <a:endParaRPr lang="fr-FR"/>
-        </a:p>
-      </dgm:t>
-    </dgm:pt>
     <dgm:pt modelId="{84CABE4D-9613-5548-88AF-939C4B1F3295}">
       <dgm:prSet phldrT="[Texte]"/>
       <dgm:spPr/>
@@ -1180,6 +1143,42 @@
         </a:p>
       </dgm:t>
     </dgm:pt>
+    <dgm:pt modelId="{4A9BBDBB-28D0-DE45-AE83-2B005E063E73}">
+      <dgm:prSet phldrT="[Texte]"/>
+      <dgm:spPr/>
+      <dgm:t>
+        <a:bodyPr/>
+        <a:lstStyle/>
+        <a:p>
+          <a:r>
+            <a:rPr lang="fr-FR" dirty="0" smtClean="0"/>
+            <a:t>Améliorations</a:t>
+          </a:r>
+        </a:p>
+      </dgm:t>
+    </dgm:pt>
+    <dgm:pt modelId="{FECE400E-216C-654E-92ED-AF2DD17C3276}" type="sibTrans" cxnId="{90C94B38-C472-0B47-8C4C-F57302AE788A}">
+      <dgm:prSet/>
+      <dgm:spPr/>
+      <dgm:t>
+        <a:bodyPr/>
+        <a:lstStyle/>
+        <a:p>
+          <a:endParaRPr lang="fr-FR"/>
+        </a:p>
+      </dgm:t>
+    </dgm:pt>
+    <dgm:pt modelId="{75BE2D87-F3C3-D04B-AA55-D80B689F8CFA}" type="parTrans" cxnId="{90C94B38-C472-0B47-8C4C-F57302AE788A}">
+      <dgm:prSet/>
+      <dgm:spPr/>
+      <dgm:t>
+        <a:bodyPr/>
+        <a:lstStyle/>
+        <a:p>
+          <a:endParaRPr lang="fr-FR"/>
+        </a:p>
+      </dgm:t>
+    </dgm:pt>
     <dgm:pt modelId="{B223D510-F924-1E42-91D2-21E980E72907}" type="pres">
       <dgm:prSet presAssocID="{D0B8AC5C-BC6D-E242-B1EC-DED062DCE11F}" presName="compositeShape" presStyleCnt="0">
         <dgm:presLayoutVars>
@@ -1204,6 +1203,13 @@
         </dgm:presLayoutVars>
       </dgm:prSet>
       <dgm:spPr/>
+      <dgm:t>
+        <a:bodyPr/>
+        <a:lstStyle/>
+        <a:p>
+          <a:endParaRPr lang="fr-FR"/>
+        </a:p>
+      </dgm:t>
     </dgm:pt>
     <dgm:pt modelId="{BF7B8715-1C8D-DD40-8CED-21C77C5B27AD}" type="pres">
       <dgm:prSet presAssocID="{2B034E29-0FF9-DD46-B664-1AE9BD20751A}" presName="aSpace" presStyleCnt="0"/>
@@ -1216,6 +1222,13 @@
         </dgm:presLayoutVars>
       </dgm:prSet>
       <dgm:spPr/>
+      <dgm:t>
+        <a:bodyPr/>
+        <a:lstStyle/>
+        <a:p>
+          <a:endParaRPr lang="fr-FR"/>
+        </a:p>
+      </dgm:t>
     </dgm:pt>
     <dgm:pt modelId="{18377B52-7778-5C43-AC34-F49BF9A3502E}" type="pres">
       <dgm:prSet presAssocID="{1C4463BB-56B4-9B49-B04F-CECBF57E4F70}" presName="aSpace" presStyleCnt="0"/>
@@ -1228,6 +1241,13 @@
         </dgm:presLayoutVars>
       </dgm:prSet>
       <dgm:spPr/>
+      <dgm:t>
+        <a:bodyPr/>
+        <a:lstStyle/>
+        <a:p>
+          <a:endParaRPr lang="fr-FR"/>
+        </a:p>
+      </dgm:t>
     </dgm:pt>
     <dgm:pt modelId="{673482A6-1903-F649-83F2-E67985048F72}" type="pres">
       <dgm:prSet presAssocID="{26F7E409-8DEF-954C-84DA-6C2B4B85E859}" presName="aSpace" presStyleCnt="0"/>
@@ -1240,6 +1260,13 @@
         </dgm:presLayoutVars>
       </dgm:prSet>
       <dgm:spPr/>
+      <dgm:t>
+        <a:bodyPr/>
+        <a:lstStyle/>
+        <a:p>
+          <a:endParaRPr lang="fr-FR"/>
+        </a:p>
+      </dgm:t>
     </dgm:pt>
     <dgm:pt modelId="{6BA298A4-E413-DD4D-8181-5F7597E04723}" type="pres">
       <dgm:prSet presAssocID="{4A9BBDBB-28D0-DE45-AE83-2B005E063E73}" presName="aSpace" presStyleCnt="0"/>
@@ -1252,6 +1279,13 @@
         </dgm:presLayoutVars>
       </dgm:prSet>
       <dgm:spPr/>
+      <dgm:t>
+        <a:bodyPr/>
+        <a:lstStyle/>
+        <a:p>
+          <a:endParaRPr lang="fr-FR"/>
+        </a:p>
+      </dgm:t>
     </dgm:pt>
     <dgm:pt modelId="{19D982AA-1AD4-8C46-B0CE-9E0E9D912368}" type="pres">
       <dgm:prSet presAssocID="{84CABE4D-9613-5548-88AF-939C4B1F3295}" presName="aSpace" presStyleCnt="0"/>
@@ -1259,17 +1293,17 @@
     </dgm:pt>
   </dgm:ptLst>
   <dgm:cxnLst>
-    <dgm:cxn modelId="{2E899D87-D104-8045-B59C-5C63071FA832}" srcId="{D0B8AC5C-BC6D-E242-B1EC-DED062DCE11F}" destId="{2B034E29-0FF9-DD46-B664-1AE9BD20751A}" srcOrd="0" destOrd="0" parTransId="{D6EF4FF5-1502-4749-8D19-BD9C7D2A44C5}" sibTransId="{377F3144-ACD9-834F-A297-CC7713FBF5AF}"/>
+    <dgm:cxn modelId="{03A6D84F-12CE-0847-B675-247E00F6D29C}" type="presOf" srcId="{84CABE4D-9613-5548-88AF-939C4B1F3295}" destId="{1775089A-1D47-3548-B613-021687518071}" srcOrd="0" destOrd="0" presId="urn:microsoft.com/office/officeart/2005/8/layout/pyramid2"/>
+    <dgm:cxn modelId="{B2360FB9-F30F-FF4F-B659-4C21E2A8FE26}" type="presOf" srcId="{4A9BBDBB-28D0-DE45-AE83-2B005E063E73}" destId="{7FE1312C-BD7E-E941-A8BD-E2B57B12A551}" srcOrd="0" destOrd="0" presId="urn:microsoft.com/office/officeart/2005/8/layout/pyramid2"/>
     <dgm:cxn modelId="{8335A914-3DA8-9A4B-BB66-FB5B22329AF3}" type="presOf" srcId="{D0B8AC5C-BC6D-E242-B1EC-DED062DCE11F}" destId="{B223D510-F924-1E42-91D2-21E980E72907}" srcOrd="0" destOrd="0" presId="urn:microsoft.com/office/officeart/2005/8/layout/pyramid2"/>
     <dgm:cxn modelId="{6D97439C-1372-8D43-A2ED-DBE507B83601}" type="presOf" srcId="{26F7E409-8DEF-954C-84DA-6C2B4B85E859}" destId="{71E2EB4A-1E63-F043-9AF7-CB0E0DE3B25D}" srcOrd="0" destOrd="0" presId="urn:microsoft.com/office/officeart/2005/8/layout/pyramid2"/>
+    <dgm:cxn modelId="{42E155A3-08FA-4B43-BF5E-AB96D7751542}" srcId="{D0B8AC5C-BC6D-E242-B1EC-DED062DCE11F}" destId="{26F7E409-8DEF-954C-84DA-6C2B4B85E859}" srcOrd="2" destOrd="0" parTransId="{FCBCE93D-FF1C-BB47-9B08-DDA4385B8066}" sibTransId="{9C2ABEA1-11C6-FC46-A6D5-C6D55273964C}"/>
+    <dgm:cxn modelId="{399B697D-03A8-674F-BD75-F365E8966DBA}" srcId="{D0B8AC5C-BC6D-E242-B1EC-DED062DCE11F}" destId="{1C4463BB-56B4-9B49-B04F-CECBF57E4F70}" srcOrd="1" destOrd="0" parTransId="{BDB51BA6-AEF3-4D48-8794-DF6697E6C633}" sibTransId="{124E76E7-4146-3B43-9F8B-E5D048F2BE10}"/>
+    <dgm:cxn modelId="{3DBAA291-42D5-794B-B90D-75CAC7012C27}" srcId="{D0B8AC5C-BC6D-E242-B1EC-DED062DCE11F}" destId="{84CABE4D-9613-5548-88AF-939C4B1F3295}" srcOrd="4" destOrd="0" parTransId="{0B34AA1D-5879-6649-9A38-6AF7B2069287}" sibTransId="{9E6144E2-C2C9-B04A-9C24-42D03C57B844}"/>
+    <dgm:cxn modelId="{AE56D828-16C4-5E4E-8D48-B9BA63C49D2C}" type="presOf" srcId="{2B034E29-0FF9-DD46-B664-1AE9BD20751A}" destId="{E456196B-8F13-EC4A-95FB-EE338D6E0713}" srcOrd="0" destOrd="0" presId="urn:microsoft.com/office/officeart/2005/8/layout/pyramid2"/>
     <dgm:cxn modelId="{125D9BBC-4D98-8945-8EC6-0D5A06CD1DAB}" type="presOf" srcId="{1C4463BB-56B4-9B49-B04F-CECBF57E4F70}" destId="{F0D5D60B-32ED-AB4B-9641-7795B2868A16}" srcOrd="0" destOrd="0" presId="urn:microsoft.com/office/officeart/2005/8/layout/pyramid2"/>
-    <dgm:cxn modelId="{42E155A3-08FA-4B43-BF5E-AB96D7751542}" srcId="{D0B8AC5C-BC6D-E242-B1EC-DED062DCE11F}" destId="{26F7E409-8DEF-954C-84DA-6C2B4B85E859}" srcOrd="2" destOrd="0" parTransId="{FCBCE93D-FF1C-BB47-9B08-DDA4385B8066}" sibTransId="{9C2ABEA1-11C6-FC46-A6D5-C6D55273964C}"/>
-    <dgm:cxn modelId="{AE56D828-16C4-5E4E-8D48-B9BA63C49D2C}" type="presOf" srcId="{2B034E29-0FF9-DD46-B664-1AE9BD20751A}" destId="{E456196B-8F13-EC4A-95FB-EE338D6E0713}" srcOrd="0" destOrd="0" presId="urn:microsoft.com/office/officeart/2005/8/layout/pyramid2"/>
-    <dgm:cxn modelId="{B2360FB9-F30F-FF4F-B659-4C21E2A8FE26}" type="presOf" srcId="{4A9BBDBB-28D0-DE45-AE83-2B005E063E73}" destId="{7FE1312C-BD7E-E941-A8BD-E2B57B12A551}" srcOrd="0" destOrd="0" presId="urn:microsoft.com/office/officeart/2005/8/layout/pyramid2"/>
-    <dgm:cxn modelId="{03A6D84F-12CE-0847-B675-247E00F6D29C}" type="presOf" srcId="{84CABE4D-9613-5548-88AF-939C4B1F3295}" destId="{1775089A-1D47-3548-B613-021687518071}" srcOrd="0" destOrd="0" presId="urn:microsoft.com/office/officeart/2005/8/layout/pyramid2"/>
     <dgm:cxn modelId="{90C94B38-C472-0B47-8C4C-F57302AE788A}" srcId="{D0B8AC5C-BC6D-E242-B1EC-DED062DCE11F}" destId="{4A9BBDBB-28D0-DE45-AE83-2B005E063E73}" srcOrd="3" destOrd="0" parTransId="{75BE2D87-F3C3-D04B-AA55-D80B689F8CFA}" sibTransId="{FECE400E-216C-654E-92ED-AF2DD17C3276}"/>
-    <dgm:cxn modelId="{3DBAA291-42D5-794B-B90D-75CAC7012C27}" srcId="{D0B8AC5C-BC6D-E242-B1EC-DED062DCE11F}" destId="{84CABE4D-9613-5548-88AF-939C4B1F3295}" srcOrd="4" destOrd="0" parTransId="{0B34AA1D-5879-6649-9A38-6AF7B2069287}" sibTransId="{9E6144E2-C2C9-B04A-9C24-42D03C57B844}"/>
-    <dgm:cxn modelId="{399B697D-03A8-674F-BD75-F365E8966DBA}" srcId="{D0B8AC5C-BC6D-E242-B1EC-DED062DCE11F}" destId="{1C4463BB-56B4-9B49-B04F-CECBF57E4F70}" srcOrd="1" destOrd="0" parTransId="{BDB51BA6-AEF3-4D48-8794-DF6697E6C633}" sibTransId="{124E76E7-4146-3B43-9F8B-E5D048F2BE10}"/>
+    <dgm:cxn modelId="{2E899D87-D104-8045-B59C-5C63071FA832}" srcId="{D0B8AC5C-BC6D-E242-B1EC-DED062DCE11F}" destId="{2B034E29-0FF9-DD46-B664-1AE9BD20751A}" srcOrd="0" destOrd="0" parTransId="{D6EF4FF5-1502-4749-8D19-BD9C7D2A44C5}" sibTransId="{377F3144-ACD9-834F-A297-CC7713FBF5AF}"/>
     <dgm:cxn modelId="{B14D7352-1437-304E-AB67-AB8758B6F5FF}" type="presParOf" srcId="{B223D510-F924-1E42-91D2-21E980E72907}" destId="{EF36A565-BD42-6546-B95D-E9107856CFEE}" srcOrd="0" destOrd="0" presId="urn:microsoft.com/office/officeart/2005/8/layout/pyramid2"/>
     <dgm:cxn modelId="{5C7FB9E6-DD52-C746-8D2E-549714482696}" type="presParOf" srcId="{B223D510-F924-1E42-91D2-21E980E72907}" destId="{8EA0391D-A28E-D345-9AA7-503273AD9BFC}" srcOrd="1" destOrd="0" presId="urn:microsoft.com/office/officeart/2005/8/layout/pyramid2"/>
     <dgm:cxn modelId="{4E161BF8-8F5E-4347-B045-C7D38358E96E}" type="presParOf" srcId="{8EA0391D-A28E-D345-9AA7-503273AD9BFC}" destId="{E456196B-8F13-EC4A-95FB-EE338D6E0713}" srcOrd="0" destOrd="0" presId="urn:microsoft.com/office/officeart/2005/8/layout/pyramid2"/>
@@ -1661,9 +1695,8 @@
           </a:pPr>
           <a:r>
             <a:rPr lang="fr-FR" sz="2400" kern="1200" dirty="0" smtClean="0"/>
-            <a:t>Bilan</a:t>
+            <a:t>Améliorations</a:t>
           </a:r>
-          <a:endParaRPr lang="fr-FR" sz="2400" kern="1200" dirty="0"/>
         </a:p>
       </dsp:txBody>
       <dsp:txXfrm>
@@ -3598,8 +3631,8 @@
         </p:nvSpPr>
         <p:spPr>
           <a:xfrm>
-            <a:off x="992187" y="768350"/>
-            <a:ext cx="5115000" cy="3837000"/>
+            <a:off x="992188" y="768350"/>
+            <a:ext cx="5114925" cy="3836988"/>
           </a:xfrm>
           <a:custGeom>
             <a:avLst/>
@@ -3747,8 +3780,8 @@
         </p:nvSpPr>
         <p:spPr>
           <a:xfrm>
-            <a:off x="992187" y="768350"/>
-            <a:ext cx="5115000" cy="3837000"/>
+            <a:off x="992188" y="768350"/>
+            <a:ext cx="5114925" cy="3836988"/>
           </a:xfrm>
           <a:custGeom>
             <a:avLst/>
@@ -3896,8 +3929,8 @@
         </p:nvSpPr>
         <p:spPr>
           <a:xfrm>
-            <a:off x="992187" y="768350"/>
-            <a:ext cx="5115000" cy="3837000"/>
+            <a:off x="992188" y="768350"/>
+            <a:ext cx="5114925" cy="3836988"/>
           </a:xfrm>
           <a:custGeom>
             <a:avLst/>
@@ -4045,8 +4078,8 @@
         </p:nvSpPr>
         <p:spPr>
           <a:xfrm>
-            <a:off x="992187" y="768350"/>
-            <a:ext cx="5115000" cy="3837000"/>
+            <a:off x="992188" y="768350"/>
+            <a:ext cx="5114925" cy="3836988"/>
           </a:xfrm>
           <a:custGeom>
             <a:avLst/>
@@ -4194,8 +4227,8 @@
         </p:nvSpPr>
         <p:spPr>
           <a:xfrm>
-            <a:off x="992187" y="768350"/>
-            <a:ext cx="5115000" cy="3837000"/>
+            <a:off x="992188" y="768350"/>
+            <a:ext cx="5114925" cy="3836988"/>
           </a:xfrm>
           <a:custGeom>
             <a:avLst/>
@@ -4742,8 +4775,8 @@
         </p:nvSpPr>
         <p:spPr>
           <a:xfrm>
-            <a:off x="992187" y="768350"/>
-            <a:ext cx="5114925" cy="3836987"/>
+            <a:off x="992188" y="768350"/>
+            <a:ext cx="5114925" cy="3836988"/>
           </a:xfrm>
           <a:custGeom>
             <a:avLst/>
@@ -4867,7 +4900,7 @@
   <p:cSld>
     <p:spTree>
       <p:nvGrpSpPr>
-        <p:cNvPr id="1" name="Shape 121"/>
+        <p:cNvPr id="1" name="Shape 105"/>
         <p:cNvGrpSpPr/>
         <p:nvPr/>
       </p:nvGrpSpPr>
@@ -4881,7 +4914,7 @@
       </p:grpSpPr>
       <p:sp>
         <p:nvSpPr>
-          <p:cNvPr id="122" name="Shape 122"/>
+          <p:cNvPr id="106" name="Shape 106"/>
           <p:cNvSpPr>
             <a:spLocks noGrp="1" noRot="1" noChangeAspect="1"/>
           </p:cNvSpPr>
@@ -4932,7 +4965,7 @@
       </p:sp>
       <p:sp>
         <p:nvSpPr>
-          <p:cNvPr id="123" name="Shape 123"/>
+          <p:cNvPr id="107" name="Shape 107"/>
           <p:cNvSpPr txBox="1">
             <a:spLocks noGrp="1"/>
           </p:cNvSpPr>
@@ -4965,7 +4998,7 @@
       </p:sp>
       <p:sp>
         <p:nvSpPr>
-          <p:cNvPr id="124" name="Shape 124"/>
+          <p:cNvPr id="108" name="Shape 108"/>
           <p:cNvSpPr txBox="1">
             <a:spLocks noGrp="1"/>
           </p:cNvSpPr>
@@ -5016,7 +5049,7 @@
   <p:cSld>
     <p:spTree>
       <p:nvGrpSpPr>
-        <p:cNvPr id="1" name="Shape 130"/>
+        <p:cNvPr id="1" name="Shape 121"/>
         <p:cNvGrpSpPr/>
         <p:nvPr/>
       </p:nvGrpSpPr>
@@ -5030,7 +5063,7 @@
       </p:grpSpPr>
       <p:sp>
         <p:nvSpPr>
-          <p:cNvPr id="131" name="Shape 131"/>
+          <p:cNvPr id="122" name="Shape 122"/>
           <p:cNvSpPr>
             <a:spLocks noGrp="1" noRot="1" noChangeAspect="1"/>
           </p:cNvSpPr>
@@ -5040,8 +5073,8 @@
         </p:nvSpPr>
         <p:spPr>
           <a:xfrm>
-            <a:off x="992187" y="768350"/>
-            <a:ext cx="5115000" cy="3837000"/>
+            <a:off x="992188" y="768350"/>
+            <a:ext cx="5114925" cy="3836988"/>
           </a:xfrm>
           <a:custGeom>
             <a:avLst/>
@@ -5081,7 +5114,7 @@
       </p:sp>
       <p:sp>
         <p:nvSpPr>
-          <p:cNvPr id="132" name="Shape 132"/>
+          <p:cNvPr id="123" name="Shape 123"/>
           <p:cNvSpPr txBox="1">
             <a:spLocks noGrp="1"/>
           </p:cNvSpPr>
@@ -5092,7 +5125,7 @@
         <p:spPr>
           <a:xfrm>
             <a:off x="709612" y="4860925"/>
-            <a:ext cx="5680199" cy="4605299"/>
+            <a:ext cx="5680075" cy="4605337"/>
           </a:xfrm>
           <a:prstGeom prst="rect">
             <a:avLst/>
@@ -5108,13 +5141,17 @@
           </a:bodyPr>
           <a:lstStyle/>
           <a:p>
-            <a:endParaRPr/>
+            <a:r>
+              <a:rPr lang="fr-FR" dirty="0" smtClean="0"/>
+              <a:t>OPTIMISATION</a:t>
+            </a:r>
+            <a:endParaRPr dirty="0"/>
           </a:p>
         </p:txBody>
       </p:sp>
       <p:sp>
         <p:nvSpPr>
-          <p:cNvPr id="133" name="Shape 133"/>
+          <p:cNvPr id="124" name="Shape 124"/>
           <p:cNvSpPr txBox="1">
             <a:spLocks noGrp="1"/>
           </p:cNvSpPr>
@@ -5125,7 +5162,7 @@
         <p:spPr>
           <a:xfrm>
             <a:off x="4021137" y="9721850"/>
-            <a:ext cx="3076500" cy="511199"/>
+            <a:ext cx="3076574" cy="511174"/>
           </a:xfrm>
           <a:prstGeom prst="rect">
             <a:avLst/>
@@ -5257,7 +5294,24 @@
           </a:bodyPr>
           <a:lstStyle/>
           <a:p>
-            <a:endParaRPr/>
+            <a:r>
+              <a:rPr lang="fr-FR" dirty="0" smtClean="0"/>
+              <a:t>SECURITE</a:t>
+            </a:r>
+            <a:r>
+              <a:rPr lang="fr-FR" baseline="0" dirty="0" smtClean="0"/>
+              <a:t> – CRYPTAGE MD5</a:t>
+            </a:r>
+          </a:p>
+          <a:p>
+            <a:endParaRPr lang="fr-FR" baseline="0" dirty="0" smtClean="0"/>
+          </a:p>
+          <a:p>
+            <a:r>
+              <a:rPr lang="fr-FR" baseline="0" dirty="0" smtClean="0"/>
+              <a:t>INSPIRATION i</a:t>
+            </a:r>
+            <a:endParaRPr dirty="0"/>
           </a:p>
         </p:txBody>
       </p:sp>
@@ -5338,8 +5392,8 @@
         </p:nvSpPr>
         <p:spPr>
           <a:xfrm>
-            <a:off x="992187" y="768350"/>
-            <a:ext cx="5115000" cy="3837000"/>
+            <a:off x="992188" y="768350"/>
+            <a:ext cx="5114925" cy="3836988"/>
           </a:xfrm>
           <a:custGeom>
             <a:avLst/>
@@ -5487,8 +5541,8 @@
         </p:nvSpPr>
         <p:spPr>
           <a:xfrm>
-            <a:off x="992187" y="768350"/>
-            <a:ext cx="5115000" cy="3837000"/>
+            <a:off x="992188" y="768350"/>
+            <a:ext cx="5114925" cy="3836988"/>
           </a:xfrm>
           <a:custGeom>
             <a:avLst/>
@@ -5636,8 +5690,8 @@
         </p:nvSpPr>
         <p:spPr>
           <a:xfrm>
-            <a:off x="992187" y="768350"/>
-            <a:ext cx="5115000" cy="3837000"/>
+            <a:off x="992188" y="768350"/>
+            <a:ext cx="5114925" cy="3836988"/>
           </a:xfrm>
           <a:custGeom>
             <a:avLst/>
@@ -5704,7 +5758,11 @@
           </a:bodyPr>
           <a:lstStyle/>
           <a:p>
-            <a:endParaRPr/>
+            <a:r>
+              <a:rPr lang="fr-FR" dirty="0" smtClean="0"/>
+              <a:t>EXPORT DES DONNEES IDEM TABLETTE</a:t>
+            </a:r>
+            <a:endParaRPr dirty="0"/>
           </a:p>
         </p:txBody>
       </p:sp>
@@ -13987,9 +14045,10 @@
               <a:buNone/>
             </a:pPr>
             <a:r>
-              <a:rPr lang="fr-FR"/>
-              <a:t>Site</a:t>
+              <a:rPr lang="fr-FR" dirty="0" smtClean="0"/>
+              <a:t>Site web</a:t>
             </a:r>
+            <a:endParaRPr lang="fr-FR" dirty="0"/>
           </a:p>
         </p:txBody>
       </p:sp>
@@ -14083,7 +14142,7 @@
         </p:nvSpPr>
         <p:spPr>
           <a:xfrm>
-            <a:off x="899591" y="1700808"/>
+            <a:off x="899591" y="1598748"/>
             <a:ext cx="6552600" cy="400199"/>
           </a:xfrm>
           <a:prstGeom prst="rect">
@@ -14145,7 +14204,7 @@
         </p:nvSpPr>
         <p:spPr>
           <a:xfrm>
-            <a:off x="1475655" y="2246307"/>
+            <a:off x="1475655" y="2087547"/>
             <a:ext cx="5976600" cy="400199"/>
           </a:xfrm>
           <a:prstGeom prst="rect">
@@ -14207,7 +14266,7 @@
         </p:nvSpPr>
         <p:spPr>
           <a:xfrm>
-            <a:off x="1475655" y="2708919"/>
+            <a:off x="1486995" y="2540716"/>
             <a:ext cx="5976600" cy="400199"/>
           </a:xfrm>
           <a:prstGeom prst="rect">
@@ -14269,7 +14328,7 @@
         </p:nvSpPr>
         <p:spPr>
           <a:xfrm>
-            <a:off x="6191875" y="3446723"/>
+            <a:off x="0" y="3174936"/>
             <a:ext cx="9143999" cy="3022652"/>
           </a:xfrm>
           <a:prstGeom prst="rect">
@@ -14294,6 +14353,13 @@
   <p:transition xmlns:p14="http://schemas.microsoft.com/office/powerpoint/2010/main" spd="slow">
     <p:cut/>
   </p:transition>
+  <p:timing>
+    <p:tnLst>
+      <p:par>
+        <p:cTn xmlns:p14="http://schemas.microsoft.com/office/powerpoint/2010/main" id="1" dur="indefinite" restart="never" nodeType="tmRoot"/>
+      </p:par>
+    </p:tnLst>
+  </p:timing>
 </p:sld>
 </file>
 
@@ -14354,9 +14420,10 @@
               <a:buNone/>
             </a:pPr>
             <a:r>
-              <a:rPr lang="fr-FR"/>
-              <a:t>Site</a:t>
+              <a:rPr lang="fr-FR" dirty="0" smtClean="0"/>
+              <a:t>Site web</a:t>
             </a:r>
+            <a:endParaRPr lang="fr-FR" dirty="0"/>
           </a:p>
         </p:txBody>
       </p:sp>
@@ -14578,7 +14645,7 @@
         </p:nvSpPr>
         <p:spPr>
           <a:xfrm>
-            <a:off x="899591" y="3371685"/>
+            <a:off x="899591" y="2971486"/>
             <a:ext cx="6552600" cy="400199"/>
           </a:xfrm>
           <a:prstGeom prst="rect">
@@ -14640,7 +14707,7 @@
         </p:nvSpPr>
         <p:spPr>
           <a:xfrm>
-            <a:off x="1475655" y="3778314"/>
+            <a:off x="1475655" y="3448175"/>
             <a:ext cx="6840899" cy="400199"/>
           </a:xfrm>
           <a:prstGeom prst="rect">
@@ -14700,47 +14767,23 @@
       </p:sp>
       <p:sp>
         <p:nvSpPr>
-          <p:cNvPr id="217" name="Shape 217"/>
-          <p:cNvSpPr/>
-          <p:nvPr/>
-        </p:nvSpPr>
-        <p:spPr>
-          <a:xfrm>
-            <a:off x="-4276725" y="1523132"/>
-            <a:ext cx="4810125" cy="2771775"/>
-          </a:xfrm>
-          <a:prstGeom prst="rect">
-            <a:avLst/>
-          </a:prstGeom>
-          <a:blipFill>
-            <a:blip r:embed="rId3"/>
-            <a:stretch>
-              <a:fillRect/>
-            </a:stretch>
-          </a:blipFill>
-          <a:ln>
-            <a:noFill/>
-          </a:ln>
-        </p:spPr>
-      </p:sp>
-      <p:sp>
-        <p:nvSpPr>
           <p:cNvPr id="218" name="Shape 218"/>
           <p:cNvSpPr/>
           <p:nvPr/>
         </p:nvSpPr>
         <p:spPr>
           <a:xfrm>
-            <a:off x="1740662" y="4662650"/>
-            <a:ext cx="4391025" cy="1771650"/>
+            <a:off x="2757486" y="4176453"/>
+            <a:ext cx="4391025" cy="1788506"/>
           </a:xfrm>
           <a:prstGeom prst="rect">
             <a:avLst/>
           </a:prstGeom>
           <a:blipFill>
-            <a:blip r:embed="rId4"/>
+            <a:blip r:embed="rId3"/>
+            <a:srcRect/>
             <a:stretch>
-              <a:fillRect/>
+              <a:fillRect b="942"/>
             </a:stretch>
           </a:blipFill>
           <a:ln>
@@ -14784,16 +14827,17 @@
         </p:nvSpPr>
         <p:spPr>
           <a:xfrm>
-            <a:off x="-228600" y="1969802"/>
-            <a:ext cx="2122889" cy="2132511"/>
+            <a:off x="7452255" y="1629989"/>
+            <a:ext cx="960782" cy="1232635"/>
           </a:xfrm>
           <a:prstGeom prst="rect">
             <a:avLst/>
           </a:prstGeom>
           <a:blipFill>
             <a:blip r:embed="rId3"/>
+            <a:srcRect/>
             <a:stretch>
-              <a:fillRect/>
+              <a:fillRect l="-60576" t="-39110" r="-60379" b="-33895"/>
             </a:stretch>
           </a:blipFill>
           <a:ln>
@@ -14841,9 +14885,10 @@
               <a:buNone/>
             </a:pPr>
             <a:r>
-              <a:rPr lang="fr-FR"/>
-              <a:t>Librairie</a:t>
+              <a:rPr lang="fr-FR" dirty="0" smtClean="0"/>
+              <a:t>Librairies</a:t>
             </a:r>
+            <a:endParaRPr lang="fr-FR" dirty="0"/>
           </a:p>
         </p:txBody>
       </p:sp>
@@ -14969,7 +15014,7 @@
               <a:buChar char="•"/>
             </a:pPr>
             <a:r>
-              <a:rPr lang="fr-FR" sz="1800" b="0" i="0" u="none" strike="noStrike" cap="none" baseline="0">
+              <a:rPr lang="fr-FR" sz="1800" b="0" i="0" u="none" strike="noStrike" cap="none" baseline="0" dirty="0">
                 <a:solidFill>
                   <a:schemeClr val="dk1"/>
                 </a:solidFill>
@@ -14981,12 +15026,28 @@
               <a:t>  </a:t>
             </a:r>
             <a:r>
-              <a:rPr lang="fr-FR" sz="2000">
+              <a:rPr lang="fr-FR" sz="2000" dirty="0">
                 <a:solidFill>
                   <a:schemeClr val="dk1"/>
                 </a:solidFill>
               </a:rPr>
-              <a:t>Rend un vite plus dynamique</a:t>
+              <a:t>Rend un </a:t>
+            </a:r>
+            <a:r>
+              <a:rPr lang="fr-FR" sz="2000" dirty="0" smtClean="0">
+                <a:solidFill>
+                  <a:schemeClr val="dk1"/>
+                </a:solidFill>
+              </a:rPr>
+              <a:t>site </a:t>
+            </a:r>
+            <a:r>
+              <a:rPr lang="fr-FR" sz="2000" dirty="0">
+                <a:solidFill>
+                  <a:schemeClr val="dk1"/>
+                </a:solidFill>
+              </a:rPr>
+              <a:t>plus dynamique</a:t>
             </a:r>
           </a:p>
         </p:txBody>
@@ -15124,7 +15185,7 @@
         <p:spPr>
           <a:xfrm>
             <a:off x="1475655" y="4838594"/>
-            <a:ext cx="5976600" cy="400199"/>
+            <a:ext cx="2234954" cy="400199"/>
           </a:xfrm>
           <a:prstGeom prst="rect">
             <a:avLst/>
@@ -15185,7 +15246,7 @@
         </p:nvSpPr>
         <p:spPr>
           <a:xfrm>
-            <a:off x="1475655" y="5405153"/>
+            <a:off x="1475655" y="5412679"/>
             <a:ext cx="6768899" cy="400199"/>
           </a:xfrm>
           <a:prstGeom prst="rect">
@@ -15371,8 +15432,8 @@
         </p:nvSpPr>
         <p:spPr>
           <a:xfrm>
-            <a:off x="4953000" y="2163480"/>
-            <a:ext cx="3443972" cy="2531039"/>
+            <a:off x="4829429" y="2646506"/>
+            <a:ext cx="2192131" cy="1609168"/>
           </a:xfrm>
           <a:prstGeom prst="rect">
             <a:avLst/>
@@ -15512,6 +15573,78 @@
           </a:p>
         </p:txBody>
       </p:sp>
+      <p:pic>
+        <p:nvPicPr>
+          <p:cNvPr id="2" name="Image 1"/>
+          <p:cNvPicPr>
+            <a:picLocks noChangeAspect="1"/>
+          </p:cNvPicPr>
+          <p:nvPr/>
+        </p:nvPicPr>
+        <p:blipFill>
+          <a:blip r:embed="rId5"/>
+          <a:stretch>
+            <a:fillRect/>
+          </a:stretch>
+        </p:blipFill>
+        <p:spPr>
+          <a:xfrm rot="20504317">
+            <a:off x="6493565" y="4197812"/>
+            <a:ext cx="2456274" cy="528099"/>
+          </a:xfrm>
+          <a:prstGeom prst="rect">
+            <a:avLst/>
+          </a:prstGeom>
+        </p:spPr>
+      </p:pic>
+      <p:pic>
+        <p:nvPicPr>
+          <p:cNvPr id="3" name="Image 2"/>
+          <p:cNvPicPr>
+            <a:picLocks noChangeAspect="1"/>
+          </p:cNvPicPr>
+          <p:nvPr/>
+        </p:nvPicPr>
+        <p:blipFill>
+          <a:blip r:embed="rId6"/>
+          <a:stretch>
+            <a:fillRect/>
+          </a:stretch>
+        </p:blipFill>
+        <p:spPr>
+          <a:xfrm>
+            <a:off x="7452255" y="5068752"/>
+            <a:ext cx="1270000" cy="1270000"/>
+          </a:xfrm>
+          <a:prstGeom prst="rect">
+            <a:avLst/>
+          </a:prstGeom>
+        </p:spPr>
+      </p:pic>
+      <p:pic>
+        <p:nvPicPr>
+          <p:cNvPr id="4" name="Image 3"/>
+          <p:cNvPicPr>
+            <a:picLocks noChangeAspect="1"/>
+          </p:cNvPicPr>
+          <p:nvPr/>
+        </p:nvPicPr>
+        <p:blipFill>
+          <a:blip r:embed="rId7"/>
+          <a:stretch>
+            <a:fillRect/>
+          </a:stretch>
+        </p:blipFill>
+        <p:spPr>
+          <a:xfrm>
+            <a:off x="4735443" y="4461418"/>
+            <a:ext cx="2180682" cy="2180682"/>
+          </a:xfrm>
+          <a:prstGeom prst="rect">
+            <a:avLst/>
+          </a:prstGeom>
+        </p:spPr>
+      </p:pic>
     </p:spTree>
   </p:cSld>
   <p:clrMapOvr>
@@ -15520,6 +15653,13 @@
   <p:transition xmlns:p14="http://schemas.microsoft.com/office/powerpoint/2010/main" spd="slow">
     <p:cut/>
   </p:transition>
+  <p:timing>
+    <p:tnLst>
+      <p:par>
+        <p:cTn xmlns:p14="http://schemas.microsoft.com/office/powerpoint/2010/main" id="1" dur="indefinite" restart="never" nodeType="tmRoot"/>
+      </p:par>
+    </p:tnLst>
+  </p:timing>
 </p:sld>
 </file>
 
@@ -15580,9 +15720,52 @@
               <a:buNone/>
             </a:pPr>
             <a:r>
-              <a:rPr lang="fr-FR"/>
+              <a:rPr lang="fr-FR" dirty="0"/>
               <a:t>Librairie</a:t>
             </a:r>
+          </a:p>
+        </p:txBody>
+      </p:sp>
+      <p:sp>
+        <p:nvSpPr>
+          <p:cNvPr id="10" name="Rectangle 9"/>
+          <p:cNvSpPr/>
+          <p:nvPr/>
+        </p:nvSpPr>
+        <p:spPr>
+          <a:xfrm>
+            <a:off x="0" y="28600"/>
+            <a:ext cx="9144000" cy="6858000"/>
+          </a:xfrm>
+          <a:prstGeom prst="rect">
+            <a:avLst/>
+          </a:prstGeom>
+          <a:solidFill>
+            <a:srgbClr val="333333">
+              <a:alpha val="83137"/>
+            </a:srgbClr>
+          </a:solidFill>
+        </p:spPr>
+        <p:style>
+          <a:lnRef idx="1">
+            <a:schemeClr val="dk1"/>
+          </a:lnRef>
+          <a:fillRef idx="2">
+            <a:schemeClr val="dk1"/>
+          </a:fillRef>
+          <a:effectRef idx="1">
+            <a:schemeClr val="dk1"/>
+          </a:effectRef>
+          <a:fontRef idx="minor">
+            <a:schemeClr val="dk1"/>
+          </a:fontRef>
+        </p:style>
+        <p:txBody>
+          <a:bodyPr rtlCol="0" anchor="ctr"/>
+          <a:lstStyle/>
+          <a:p>
+            <a:pPr algn="ctr"/>
+            <a:endParaRPr lang="fr-FR"/>
           </a:p>
         </p:txBody>
       </p:sp>
@@ -15634,7 +15817,7 @@
         </p:nvSpPr>
         <p:spPr>
           <a:xfrm>
-            <a:off x="4419600" y="6356350"/>
+            <a:off x="8251687" y="6356350"/>
             <a:ext cx="533399" cy="365099"/>
           </a:xfrm>
           <a:prstGeom prst="rect">
@@ -15676,7 +15859,7 @@
         </p:nvSpPr>
         <p:spPr>
           <a:xfrm>
-            <a:off x="1647825" y="1381125"/>
+            <a:off x="3084151" y="1254099"/>
             <a:ext cx="5848350" cy="5467350"/>
           </a:xfrm>
           <a:prstGeom prst="rect">
@@ -15701,7 +15884,7 @@
         </p:nvSpPr>
         <p:spPr>
           <a:xfrm>
-            <a:off x="3438525" y="714300"/>
+            <a:off x="329285" y="261681"/>
             <a:ext cx="5705475" cy="4629150"/>
           </a:xfrm>
           <a:prstGeom prst="rect">
@@ -15720,14 +15903,14 @@
       </p:sp>
       <p:sp>
         <p:nvSpPr>
-          <p:cNvPr id="248" name="Shape 248"/>
+          <p:cNvPr id="250" name="Shape 250"/>
           <p:cNvSpPr/>
           <p:nvPr/>
         </p:nvSpPr>
         <p:spPr>
-          <a:xfrm>
-            <a:off x="2824162" y="2214562"/>
-            <a:ext cx="3495675" cy="2428875"/>
+          <a:xfrm rot="1022493">
+            <a:off x="4024322" y="655690"/>
+            <a:ext cx="4552950" cy="3648075"/>
           </a:xfrm>
           <a:prstGeom prst="rect">
             <a:avLst/>
@@ -15745,14 +15928,14 @@
       </p:sp>
       <p:sp>
         <p:nvSpPr>
-          <p:cNvPr id="249" name="Shape 249"/>
+          <p:cNvPr id="248" name="Shape 248"/>
           <p:cNvSpPr/>
           <p:nvPr/>
         </p:nvSpPr>
         <p:spPr>
-          <a:xfrm>
-            <a:off x="1414462" y="2052637"/>
-            <a:ext cx="6315075" cy="2752725"/>
+          <a:xfrm rot="21036947">
+            <a:off x="743123" y="999364"/>
+            <a:ext cx="3495675" cy="2428875"/>
           </a:xfrm>
           <a:prstGeom prst="rect">
             <a:avLst/>
@@ -15770,14 +15953,14 @@
       </p:sp>
       <p:sp>
         <p:nvSpPr>
-          <p:cNvPr id="250" name="Shape 250"/>
+          <p:cNvPr id="249" name="Shape 249"/>
           <p:cNvSpPr/>
           <p:nvPr/>
         </p:nvSpPr>
         <p:spPr>
           <a:xfrm>
-            <a:off x="2295525" y="1604962"/>
-            <a:ext cx="4552950" cy="3648075"/>
+            <a:off x="1421171" y="3696979"/>
+            <a:ext cx="6315075" cy="2752725"/>
           </a:xfrm>
           <a:prstGeom prst="rect">
             <a:avLst/>
@@ -15801,6 +15984,619 @@
   <p:transition xmlns:p14="http://schemas.microsoft.com/office/powerpoint/2010/main" spd="slow">
     <p:cut/>
   </p:transition>
+  <p:timing>
+    <p:tnLst>
+      <p:par>
+        <p:cTn xmlns:p14="http://schemas.microsoft.com/office/powerpoint/2010/main" id="1" dur="indefinite" restart="never" nodeType="tmRoot">
+          <p:childTnLst>
+            <p:seq concurrent="1" nextAc="seek">
+              <p:cTn id="2" dur="indefinite" nodeType="mainSeq">
+                <p:childTnLst>
+                  <p:par>
+                    <p:cTn id="3" fill="hold">
+                      <p:stCondLst>
+                        <p:cond delay="indefinite"/>
+                        <p:cond evt="onBegin" delay="0">
+                          <p:tn val="2"/>
+                        </p:cond>
+                      </p:stCondLst>
+                      <p:childTnLst>
+                        <p:par>
+                          <p:cTn id="4" fill="hold">
+                            <p:stCondLst>
+                              <p:cond delay="0"/>
+                            </p:stCondLst>
+                            <p:childTnLst>
+                              <p:par>
+                                <p:cTn id="5" presetID="1" presetClass="entr" presetSubtype="0" fill="hold" grpId="0" nodeType="withEffect">
+                                  <p:stCondLst>
+                                    <p:cond delay="0"/>
+                                  </p:stCondLst>
+                                  <p:childTnLst>
+                                    <p:set>
+                                      <p:cBhvr>
+                                        <p:cTn id="6" dur="1" fill="hold">
+                                          <p:stCondLst>
+                                            <p:cond delay="0"/>
+                                          </p:stCondLst>
+                                        </p:cTn>
+                                        <p:tgtEl>
+                                          <p:spTgt spid="10"/>
+                                        </p:tgtEl>
+                                        <p:attrNameLst>
+                                          <p:attrName>style.visibility</p:attrName>
+                                        </p:attrNameLst>
+                                      </p:cBhvr>
+                                      <p:to>
+                                        <p:strVal val="visible"/>
+                                      </p:to>
+                                    </p:set>
+                                  </p:childTnLst>
+                                </p:cTn>
+                              </p:par>
+                            </p:childTnLst>
+                          </p:cTn>
+                        </p:par>
+                      </p:childTnLst>
+                    </p:cTn>
+                  </p:par>
+                  <p:par>
+                    <p:cTn id="7" fill="hold">
+                      <p:stCondLst>
+                        <p:cond delay="indefinite"/>
+                      </p:stCondLst>
+                      <p:childTnLst>
+                        <p:par>
+                          <p:cTn id="8" fill="hold">
+                            <p:stCondLst>
+                              <p:cond delay="0"/>
+                            </p:stCondLst>
+                            <p:childTnLst>
+                              <p:par>
+                                <p:cTn id="9" presetID="53" presetClass="entr" presetSubtype="16" fill="hold" nodeType="clickEffect">
+                                  <p:stCondLst>
+                                    <p:cond delay="0"/>
+                                  </p:stCondLst>
+                                  <p:childTnLst>
+                                    <p:set>
+                                      <p:cBhvr>
+                                        <p:cTn id="10" dur="1" fill="hold">
+                                          <p:stCondLst>
+                                            <p:cond delay="0"/>
+                                          </p:stCondLst>
+                                        </p:cTn>
+                                        <p:tgtEl>
+                                          <p:spTgt spid="246"/>
+                                        </p:tgtEl>
+                                        <p:attrNameLst>
+                                          <p:attrName>style.visibility</p:attrName>
+                                        </p:attrNameLst>
+                                      </p:cBhvr>
+                                      <p:to>
+                                        <p:strVal val="visible"/>
+                                      </p:to>
+                                    </p:set>
+                                    <p:anim calcmode="lin" valueType="num">
+                                      <p:cBhvr>
+                                        <p:cTn id="11" dur="500" fill="hold"/>
+                                        <p:tgtEl>
+                                          <p:spTgt spid="246"/>
+                                        </p:tgtEl>
+                                        <p:attrNameLst>
+                                          <p:attrName>ppt_w</p:attrName>
+                                        </p:attrNameLst>
+                                      </p:cBhvr>
+                                      <p:tavLst>
+                                        <p:tav tm="0">
+                                          <p:val>
+                                            <p:fltVal val="0"/>
+                                          </p:val>
+                                        </p:tav>
+                                        <p:tav tm="100000">
+                                          <p:val>
+                                            <p:strVal val="#ppt_w"/>
+                                          </p:val>
+                                        </p:tav>
+                                      </p:tavLst>
+                                    </p:anim>
+                                    <p:anim calcmode="lin" valueType="num">
+                                      <p:cBhvr>
+                                        <p:cTn id="12" dur="500" fill="hold"/>
+                                        <p:tgtEl>
+                                          <p:spTgt spid="246"/>
+                                        </p:tgtEl>
+                                        <p:attrNameLst>
+                                          <p:attrName>ppt_h</p:attrName>
+                                        </p:attrNameLst>
+                                      </p:cBhvr>
+                                      <p:tavLst>
+                                        <p:tav tm="0">
+                                          <p:val>
+                                            <p:fltVal val="0"/>
+                                          </p:val>
+                                        </p:tav>
+                                        <p:tav tm="100000">
+                                          <p:val>
+                                            <p:strVal val="#ppt_h"/>
+                                          </p:val>
+                                        </p:tav>
+                                      </p:tavLst>
+                                    </p:anim>
+                                    <p:animEffect transition="in" filter="fade">
+                                      <p:cBhvr>
+                                        <p:cTn id="13" dur="500"/>
+                                        <p:tgtEl>
+                                          <p:spTgt spid="246"/>
+                                        </p:tgtEl>
+                                      </p:cBhvr>
+                                    </p:animEffect>
+                                  </p:childTnLst>
+                                </p:cTn>
+                              </p:par>
+                            </p:childTnLst>
+                          </p:cTn>
+                        </p:par>
+                      </p:childTnLst>
+                    </p:cTn>
+                  </p:par>
+                  <p:par>
+                    <p:cTn id="14" fill="hold">
+                      <p:stCondLst>
+                        <p:cond delay="indefinite"/>
+                      </p:stCondLst>
+                      <p:childTnLst>
+                        <p:par>
+                          <p:cTn id="15" fill="hold">
+                            <p:stCondLst>
+                              <p:cond delay="0"/>
+                            </p:stCondLst>
+                            <p:childTnLst>
+                              <p:par>
+                                <p:cTn id="16" presetID="53" presetClass="entr" presetSubtype="16" fill="hold" nodeType="clickEffect">
+                                  <p:stCondLst>
+                                    <p:cond delay="0"/>
+                                  </p:stCondLst>
+                                  <p:childTnLst>
+                                    <p:set>
+                                      <p:cBhvr>
+                                        <p:cTn id="17" dur="1" fill="hold">
+                                          <p:stCondLst>
+                                            <p:cond delay="0"/>
+                                          </p:stCondLst>
+                                        </p:cTn>
+                                        <p:tgtEl>
+                                          <p:spTgt spid="247"/>
+                                        </p:tgtEl>
+                                        <p:attrNameLst>
+                                          <p:attrName>style.visibility</p:attrName>
+                                        </p:attrNameLst>
+                                      </p:cBhvr>
+                                      <p:to>
+                                        <p:strVal val="visible"/>
+                                      </p:to>
+                                    </p:set>
+                                    <p:anim calcmode="lin" valueType="num">
+                                      <p:cBhvr>
+                                        <p:cTn id="18" dur="500" fill="hold"/>
+                                        <p:tgtEl>
+                                          <p:spTgt spid="247"/>
+                                        </p:tgtEl>
+                                        <p:attrNameLst>
+                                          <p:attrName>ppt_w</p:attrName>
+                                        </p:attrNameLst>
+                                      </p:cBhvr>
+                                      <p:tavLst>
+                                        <p:tav tm="0">
+                                          <p:val>
+                                            <p:fltVal val="0"/>
+                                          </p:val>
+                                        </p:tav>
+                                        <p:tav tm="100000">
+                                          <p:val>
+                                            <p:strVal val="#ppt_w"/>
+                                          </p:val>
+                                        </p:tav>
+                                      </p:tavLst>
+                                    </p:anim>
+                                    <p:anim calcmode="lin" valueType="num">
+                                      <p:cBhvr>
+                                        <p:cTn id="19" dur="500" fill="hold"/>
+                                        <p:tgtEl>
+                                          <p:spTgt spid="247"/>
+                                        </p:tgtEl>
+                                        <p:attrNameLst>
+                                          <p:attrName>ppt_h</p:attrName>
+                                        </p:attrNameLst>
+                                      </p:cBhvr>
+                                      <p:tavLst>
+                                        <p:tav tm="0">
+                                          <p:val>
+                                            <p:fltVal val="0"/>
+                                          </p:val>
+                                        </p:tav>
+                                        <p:tav tm="100000">
+                                          <p:val>
+                                            <p:strVal val="#ppt_h"/>
+                                          </p:val>
+                                        </p:tav>
+                                      </p:tavLst>
+                                    </p:anim>
+                                    <p:animEffect transition="in" filter="fade">
+                                      <p:cBhvr>
+                                        <p:cTn id="20" dur="500"/>
+                                        <p:tgtEl>
+                                          <p:spTgt spid="247"/>
+                                        </p:tgtEl>
+                                      </p:cBhvr>
+                                    </p:animEffect>
+                                  </p:childTnLst>
+                                </p:cTn>
+                              </p:par>
+                            </p:childTnLst>
+                          </p:cTn>
+                        </p:par>
+                      </p:childTnLst>
+                    </p:cTn>
+                  </p:par>
+                  <p:par>
+                    <p:cTn id="21" fill="hold">
+                      <p:stCondLst>
+                        <p:cond delay="indefinite"/>
+                      </p:stCondLst>
+                      <p:childTnLst>
+                        <p:par>
+                          <p:cTn id="22" fill="hold">
+                            <p:stCondLst>
+                              <p:cond delay="0"/>
+                            </p:stCondLst>
+                            <p:childTnLst>
+                              <p:par>
+                                <p:cTn id="23" presetID="53" presetClass="entr" presetSubtype="16" fill="hold" nodeType="clickEffect">
+                                  <p:stCondLst>
+                                    <p:cond delay="0"/>
+                                  </p:stCondLst>
+                                  <p:childTnLst>
+                                    <p:set>
+                                      <p:cBhvr>
+                                        <p:cTn id="24" dur="1" fill="hold">
+                                          <p:stCondLst>
+                                            <p:cond delay="0"/>
+                                          </p:stCondLst>
+                                        </p:cTn>
+                                        <p:tgtEl>
+                                          <p:spTgt spid="250"/>
+                                        </p:tgtEl>
+                                        <p:attrNameLst>
+                                          <p:attrName>style.visibility</p:attrName>
+                                        </p:attrNameLst>
+                                      </p:cBhvr>
+                                      <p:to>
+                                        <p:strVal val="visible"/>
+                                      </p:to>
+                                    </p:set>
+                                    <p:anim calcmode="lin" valueType="num">
+                                      <p:cBhvr>
+                                        <p:cTn id="25" dur="500" fill="hold"/>
+                                        <p:tgtEl>
+                                          <p:spTgt spid="250"/>
+                                        </p:tgtEl>
+                                        <p:attrNameLst>
+                                          <p:attrName>ppt_w</p:attrName>
+                                        </p:attrNameLst>
+                                      </p:cBhvr>
+                                      <p:tavLst>
+                                        <p:tav tm="0">
+                                          <p:val>
+                                            <p:fltVal val="0"/>
+                                          </p:val>
+                                        </p:tav>
+                                        <p:tav tm="100000">
+                                          <p:val>
+                                            <p:strVal val="#ppt_w"/>
+                                          </p:val>
+                                        </p:tav>
+                                      </p:tavLst>
+                                    </p:anim>
+                                    <p:anim calcmode="lin" valueType="num">
+                                      <p:cBhvr>
+                                        <p:cTn id="26" dur="500" fill="hold"/>
+                                        <p:tgtEl>
+                                          <p:spTgt spid="250"/>
+                                        </p:tgtEl>
+                                        <p:attrNameLst>
+                                          <p:attrName>ppt_h</p:attrName>
+                                        </p:attrNameLst>
+                                      </p:cBhvr>
+                                      <p:tavLst>
+                                        <p:tav tm="0">
+                                          <p:val>
+                                            <p:fltVal val="0"/>
+                                          </p:val>
+                                        </p:tav>
+                                        <p:tav tm="100000">
+                                          <p:val>
+                                            <p:strVal val="#ppt_h"/>
+                                          </p:val>
+                                        </p:tav>
+                                      </p:tavLst>
+                                    </p:anim>
+                                    <p:animEffect transition="in" filter="fade">
+                                      <p:cBhvr>
+                                        <p:cTn id="27" dur="500"/>
+                                        <p:tgtEl>
+                                          <p:spTgt spid="250"/>
+                                        </p:tgtEl>
+                                      </p:cBhvr>
+                                    </p:animEffect>
+                                  </p:childTnLst>
+                                </p:cTn>
+                              </p:par>
+                            </p:childTnLst>
+                          </p:cTn>
+                        </p:par>
+                      </p:childTnLst>
+                    </p:cTn>
+                  </p:par>
+                  <p:par>
+                    <p:cTn id="28" fill="hold">
+                      <p:stCondLst>
+                        <p:cond delay="indefinite"/>
+                      </p:stCondLst>
+                      <p:childTnLst>
+                        <p:par>
+                          <p:cTn id="29" fill="hold">
+                            <p:stCondLst>
+                              <p:cond delay="0"/>
+                            </p:stCondLst>
+                            <p:childTnLst>
+                              <p:par>
+                                <p:cTn id="30" presetID="53" presetClass="entr" presetSubtype="16" fill="hold" nodeType="clickEffect">
+                                  <p:stCondLst>
+                                    <p:cond delay="0"/>
+                                  </p:stCondLst>
+                                  <p:childTnLst>
+                                    <p:set>
+                                      <p:cBhvr>
+                                        <p:cTn id="31" dur="1" fill="hold">
+                                          <p:stCondLst>
+                                            <p:cond delay="0"/>
+                                          </p:stCondLst>
+                                        </p:cTn>
+                                        <p:tgtEl>
+                                          <p:spTgt spid="249"/>
+                                        </p:tgtEl>
+                                        <p:attrNameLst>
+                                          <p:attrName>style.visibility</p:attrName>
+                                        </p:attrNameLst>
+                                      </p:cBhvr>
+                                      <p:to>
+                                        <p:strVal val="visible"/>
+                                      </p:to>
+                                    </p:set>
+                                    <p:anim calcmode="lin" valueType="num">
+                                      <p:cBhvr>
+                                        <p:cTn id="32" dur="500" fill="hold"/>
+                                        <p:tgtEl>
+                                          <p:spTgt spid="249"/>
+                                        </p:tgtEl>
+                                        <p:attrNameLst>
+                                          <p:attrName>ppt_w</p:attrName>
+                                        </p:attrNameLst>
+                                      </p:cBhvr>
+                                      <p:tavLst>
+                                        <p:tav tm="0">
+                                          <p:val>
+                                            <p:fltVal val="0"/>
+                                          </p:val>
+                                        </p:tav>
+                                        <p:tav tm="100000">
+                                          <p:val>
+                                            <p:strVal val="#ppt_w"/>
+                                          </p:val>
+                                        </p:tav>
+                                      </p:tavLst>
+                                    </p:anim>
+                                    <p:anim calcmode="lin" valueType="num">
+                                      <p:cBhvr>
+                                        <p:cTn id="33" dur="500" fill="hold"/>
+                                        <p:tgtEl>
+                                          <p:spTgt spid="249"/>
+                                        </p:tgtEl>
+                                        <p:attrNameLst>
+                                          <p:attrName>ppt_h</p:attrName>
+                                        </p:attrNameLst>
+                                      </p:cBhvr>
+                                      <p:tavLst>
+                                        <p:tav tm="0">
+                                          <p:val>
+                                            <p:fltVal val="0"/>
+                                          </p:val>
+                                        </p:tav>
+                                        <p:tav tm="100000">
+                                          <p:val>
+                                            <p:strVal val="#ppt_h"/>
+                                          </p:val>
+                                        </p:tav>
+                                      </p:tavLst>
+                                    </p:anim>
+                                    <p:animEffect transition="in" filter="fade">
+                                      <p:cBhvr>
+                                        <p:cTn id="34" dur="500"/>
+                                        <p:tgtEl>
+                                          <p:spTgt spid="249"/>
+                                        </p:tgtEl>
+                                      </p:cBhvr>
+                                    </p:animEffect>
+                                  </p:childTnLst>
+                                </p:cTn>
+                              </p:par>
+                            </p:childTnLst>
+                          </p:cTn>
+                        </p:par>
+                      </p:childTnLst>
+                    </p:cTn>
+                  </p:par>
+                  <p:par>
+                    <p:cTn id="35" fill="hold">
+                      <p:stCondLst>
+                        <p:cond delay="indefinite"/>
+                      </p:stCondLst>
+                      <p:childTnLst>
+                        <p:par>
+                          <p:cTn id="36" fill="hold">
+                            <p:stCondLst>
+                              <p:cond delay="0"/>
+                            </p:stCondLst>
+                            <p:childTnLst>
+                              <p:par>
+                                <p:cTn id="37" presetID="53" presetClass="entr" presetSubtype="16" fill="hold" nodeType="clickEffect">
+                                  <p:stCondLst>
+                                    <p:cond delay="0"/>
+                                  </p:stCondLst>
+                                  <p:childTnLst>
+                                    <p:set>
+                                      <p:cBhvr>
+                                        <p:cTn id="38" dur="1" fill="hold">
+                                          <p:stCondLst>
+                                            <p:cond delay="0"/>
+                                          </p:stCondLst>
+                                        </p:cTn>
+                                        <p:tgtEl>
+                                          <p:spTgt spid="248"/>
+                                        </p:tgtEl>
+                                        <p:attrNameLst>
+                                          <p:attrName>style.visibility</p:attrName>
+                                        </p:attrNameLst>
+                                      </p:cBhvr>
+                                      <p:to>
+                                        <p:strVal val="visible"/>
+                                      </p:to>
+                                    </p:set>
+                                    <p:anim calcmode="lin" valueType="num">
+                                      <p:cBhvr>
+                                        <p:cTn id="39" dur="500" fill="hold"/>
+                                        <p:tgtEl>
+                                          <p:spTgt spid="248"/>
+                                        </p:tgtEl>
+                                        <p:attrNameLst>
+                                          <p:attrName>ppt_w</p:attrName>
+                                        </p:attrNameLst>
+                                      </p:cBhvr>
+                                      <p:tavLst>
+                                        <p:tav tm="0">
+                                          <p:val>
+                                            <p:fltVal val="0"/>
+                                          </p:val>
+                                        </p:tav>
+                                        <p:tav tm="100000">
+                                          <p:val>
+                                            <p:strVal val="#ppt_w"/>
+                                          </p:val>
+                                        </p:tav>
+                                      </p:tavLst>
+                                    </p:anim>
+                                    <p:anim calcmode="lin" valueType="num">
+                                      <p:cBhvr>
+                                        <p:cTn id="40" dur="500" fill="hold"/>
+                                        <p:tgtEl>
+                                          <p:spTgt spid="248"/>
+                                        </p:tgtEl>
+                                        <p:attrNameLst>
+                                          <p:attrName>ppt_h</p:attrName>
+                                        </p:attrNameLst>
+                                      </p:cBhvr>
+                                      <p:tavLst>
+                                        <p:tav tm="0">
+                                          <p:val>
+                                            <p:fltVal val="0"/>
+                                          </p:val>
+                                        </p:tav>
+                                        <p:tav tm="100000">
+                                          <p:val>
+                                            <p:strVal val="#ppt_h"/>
+                                          </p:val>
+                                        </p:tav>
+                                      </p:tavLst>
+                                    </p:anim>
+                                    <p:animEffect transition="in" filter="fade">
+                                      <p:cBhvr>
+                                        <p:cTn id="41" dur="500"/>
+                                        <p:tgtEl>
+                                          <p:spTgt spid="248"/>
+                                        </p:tgtEl>
+                                      </p:cBhvr>
+                                    </p:animEffect>
+                                  </p:childTnLst>
+                                </p:cTn>
+                              </p:par>
+                            </p:childTnLst>
+                          </p:cTn>
+                        </p:par>
+                        <p:par>
+                          <p:cTn id="42" fill="hold">
+                            <p:stCondLst>
+                              <p:cond delay="500"/>
+                            </p:stCondLst>
+                            <p:childTnLst>
+                              <p:par>
+                                <p:cTn id="43" presetID="1" presetClass="exit" presetSubtype="0" fill="hold" grpId="1" nodeType="afterEffect">
+                                  <p:stCondLst>
+                                    <p:cond delay="0"/>
+                                  </p:stCondLst>
+                                  <p:childTnLst>
+                                    <p:set>
+                                      <p:cBhvr>
+                                        <p:cTn id="44" dur="1" fill="hold">
+                                          <p:stCondLst>
+                                            <p:cond delay="0"/>
+                                          </p:stCondLst>
+                                        </p:cTn>
+                                        <p:tgtEl>
+                                          <p:spTgt spid="10"/>
+                                        </p:tgtEl>
+                                        <p:attrNameLst>
+                                          <p:attrName>style.visibility</p:attrName>
+                                        </p:attrNameLst>
+                                      </p:cBhvr>
+                                      <p:to>
+                                        <p:strVal val="hidden"/>
+                                      </p:to>
+                                    </p:set>
+                                  </p:childTnLst>
+                                </p:cTn>
+                              </p:par>
+                            </p:childTnLst>
+                          </p:cTn>
+                        </p:par>
+                      </p:childTnLst>
+                    </p:cTn>
+                  </p:par>
+                </p:childTnLst>
+              </p:cTn>
+              <p:prevCondLst>
+                <p:cond evt="onPrev" delay="0">
+                  <p:tgtEl>
+                    <p:sldTgt/>
+                  </p:tgtEl>
+                </p:cond>
+              </p:prevCondLst>
+              <p:nextCondLst>
+                <p:cond evt="onNext" delay="0">
+                  <p:tgtEl>
+                    <p:sldTgt/>
+                  </p:tgtEl>
+                </p:cond>
+              </p:nextCondLst>
+            </p:seq>
+          </p:childTnLst>
+        </p:cTn>
+      </p:par>
+    </p:tnLst>
+    <p:bldLst>
+      <p:bldP spid="10" grpId="0" animBg="1"/>
+      <p:bldP spid="10" grpId="1" animBg="1"/>
+    </p:bldLst>
+  </p:timing>
 </p:sld>
 </file>
 
@@ -16137,14 +16933,14 @@
       </p:sp>
       <p:sp>
         <p:nvSpPr>
-          <p:cNvPr id="262" name="Shape 262"/>
+          <p:cNvPr id="263" name="Shape 263"/>
           <p:cNvSpPr/>
           <p:nvPr/>
         </p:nvSpPr>
         <p:spPr>
           <a:xfrm>
-            <a:off x="6493200" y="1249462"/>
-            <a:ext cx="2152650" cy="3571875"/>
+            <a:off x="1475655" y="3727373"/>
+            <a:ext cx="3779920" cy="2628977"/>
           </a:xfrm>
           <a:prstGeom prst="rect">
             <a:avLst/>
@@ -16160,31 +16956,40 @@
           </a:ln>
         </p:spPr>
       </p:sp>
-      <p:sp>
-        <p:nvSpPr>
-          <p:cNvPr id="263" name="Shape 263"/>
-          <p:cNvSpPr/>
+      <p:pic>
+        <p:nvPicPr>
+          <p:cNvPr id="2" name="Image 1"/>
+          <p:cNvPicPr>
+            <a:picLocks noChangeAspect="1"/>
+          </p:cNvPicPr>
           <p:nvPr/>
-        </p:nvSpPr>
+        </p:nvPicPr>
+        <p:blipFill>
+          <a:blip r:embed="rId4"/>
+          <a:stretch>
+            <a:fillRect/>
+          </a:stretch>
+        </p:blipFill>
         <p:spPr>
           <a:xfrm>
-            <a:off x="1744828" y="3727373"/>
-            <a:ext cx="3779920" cy="2628977"/>
+            <a:off x="5294796" y="1737265"/>
+            <a:ext cx="3652375" cy="1818482"/>
           </a:xfrm>
           <a:prstGeom prst="rect">
             <a:avLst/>
           </a:prstGeom>
-          <a:blipFill>
-            <a:blip r:embed="rId4"/>
-            <a:stretch>
-              <a:fillRect/>
-            </a:stretch>
-          </a:blipFill>
           <a:ln>
             <a:noFill/>
           </a:ln>
-        </p:spPr>
-      </p:sp>
+          <a:effectLst>
+            <a:outerShdw blurRad="292100" dist="139700" dir="2700000" algn="tl" rotWithShape="0">
+              <a:srgbClr val="333333">
+                <a:alpha val="65000"/>
+              </a:srgbClr>
+            </a:outerShdw>
+          </a:effectLst>
+        </p:spPr>
+      </p:pic>
     </p:spTree>
   </p:cSld>
   <p:clrMapOvr>
@@ -16193,6 +16998,13 @@
   <p:transition xmlns:p14="http://schemas.microsoft.com/office/powerpoint/2010/main" spd="slow">
     <p:cut/>
   </p:transition>
+  <p:timing>
+    <p:tnLst>
+      <p:par>
+        <p:cTn xmlns:p14="http://schemas.microsoft.com/office/powerpoint/2010/main" id="1" dur="indefinite" restart="never" nodeType="tmRoot"/>
+      </p:par>
+    </p:tnLst>
+  </p:timing>
 </p:sld>
 </file>
 
@@ -16428,6 +17240,13 @@
   <p:transition xmlns:p14="http://schemas.microsoft.com/office/powerpoint/2010/main" spd="slow">
     <p:cut/>
   </p:transition>
+  <p:timing>
+    <p:tnLst>
+      <p:par>
+        <p:cTn xmlns:p14="http://schemas.microsoft.com/office/powerpoint/2010/main" id="1" dur="indefinite" restart="never" nodeType="tmRoot"/>
+      </p:par>
+    </p:tnLst>
+  </p:timing>
 </p:sld>
 </file>
 
@@ -16614,6 +17433,13 @@
   <p:transition xmlns:p14="http://schemas.microsoft.com/office/powerpoint/2010/main" spd="slow">
     <p:cut/>
   </p:transition>
+  <p:timing>
+    <p:tnLst>
+      <p:par>
+        <p:cTn xmlns:p14="http://schemas.microsoft.com/office/powerpoint/2010/main" id="1" dur="indefinite" restart="never" nodeType="tmRoot"/>
+      </p:par>
+    </p:tnLst>
+  </p:timing>
 </p:sld>
 </file>
 
@@ -16735,7 +17561,7 @@
           <p:nvPr>
             <p:extLst>
               <p:ext uri="{D42A27DB-BD31-4B8C-83A1-F6EECF244321}">
-                <p14:modId xmlns:p14="http://schemas.microsoft.com/office/powerpoint/2010/main" val="439876918"/>
+                <p14:modId xmlns:p14="http://schemas.microsoft.com/office/powerpoint/2010/main" val="3800841991"/>
               </p:ext>
             </p:extLst>
           </p:nvPr>
@@ -16922,7 +17748,7 @@
         </p:nvSpPr>
         <p:spPr>
           <a:xfrm>
-            <a:off x="899591" y="2132856"/>
+            <a:off x="899590" y="3060506"/>
             <a:ext cx="6552728" cy="400109"/>
           </a:xfrm>
           <a:prstGeom prst="rect">
@@ -16954,7 +17780,7 @@
               <a:buChar char="•"/>
             </a:pPr>
             <a:r>
-              <a:rPr lang="fr-FR" sz="1800" b="0" i="0" u="none" strike="noStrike" cap="none" baseline="0">
+              <a:rPr lang="fr-FR" sz="1800" b="0" i="0" u="none" strike="noStrike" cap="none" baseline="0" dirty="0">
                 <a:solidFill>
                   <a:schemeClr val="dk1"/>
                 </a:solidFill>
@@ -16966,13 +17792,18 @@
               <a:t>  </a:t>
             </a:r>
             <a:r>
-              <a:rPr lang="fr-FR" sz="2000">
+              <a:rPr lang="fr-FR" sz="2000" dirty="0" smtClean="0">
                 <a:solidFill>
                   <a:schemeClr val="dk1"/>
                 </a:solidFill>
               </a:rPr>
-              <a:t>Adapter application tablette sur un site</a:t>
+              <a:t>Laboratoire INNOPHYT</a:t>
             </a:r>
+            <a:endParaRPr lang="fr-FR" sz="2000" dirty="0">
+              <a:solidFill>
+                <a:schemeClr val="dk1"/>
+              </a:solidFill>
+            </a:endParaRPr>
           </a:p>
         </p:txBody>
       </p:sp>
@@ -16984,7 +17815,7 @@
         </p:nvSpPr>
         <p:spPr>
           <a:xfrm>
-            <a:off x="1187624" y="2636911"/>
+            <a:off x="1187622" y="3531432"/>
             <a:ext cx="5976664" cy="400109"/>
           </a:xfrm>
           <a:prstGeom prst="rect">
@@ -17016,7 +17847,7 @@
               <a:buChar char="•"/>
             </a:pPr>
             <a:r>
-              <a:rPr lang="fr-FR" sz="1800" b="0" i="0" u="none" strike="noStrike" cap="none" baseline="0">
+              <a:rPr lang="fr-FR" sz="1800" b="0" i="0" u="none" strike="noStrike" cap="none" baseline="0" dirty="0">
                 <a:solidFill>
                   <a:schemeClr val="dk1"/>
                 </a:solidFill>
@@ -17027,6 +17858,27 @@
               </a:rPr>
               <a:t>  </a:t>
             </a:r>
+            <a:r>
+              <a:rPr lang="fr-FR" sz="1800" b="0" i="0" u="none" strike="noStrike" cap="none" baseline="0" dirty="0" smtClean="0">
+                <a:solidFill>
+                  <a:schemeClr val="dk1"/>
+                </a:solidFill>
+                <a:latin typeface="Arial"/>
+                <a:ea typeface="Arial"/>
+                <a:cs typeface="Arial"/>
+                <a:sym typeface="Arial"/>
+              </a:rPr>
+              <a:t>Université François Rabelais de Tours</a:t>
+            </a:r>
+            <a:endParaRPr lang="fr-FR" sz="1800" b="0" i="0" u="none" strike="noStrike" cap="none" baseline="0" dirty="0">
+              <a:solidFill>
+                <a:schemeClr val="dk1"/>
+              </a:solidFill>
+              <a:latin typeface="Arial"/>
+              <a:ea typeface="Arial"/>
+              <a:cs typeface="Arial"/>
+              <a:sym typeface="Arial"/>
+            </a:endParaRPr>
           </a:p>
         </p:txBody>
       </p:sp>
@@ -17038,7 +17890,7 @@
         </p:nvSpPr>
         <p:spPr>
           <a:xfrm>
-            <a:off x="1187624" y="3171533"/>
+            <a:off x="1187622" y="3999796"/>
             <a:ext cx="7956376" cy="400109"/>
           </a:xfrm>
           <a:prstGeom prst="rect">
@@ -17070,7 +17922,7 @@
               <a:buChar char="•"/>
             </a:pPr>
             <a:r>
-              <a:rPr lang="fr-FR" sz="1800" b="0" i="0" u="none" strike="noStrike" cap="none" baseline="0">
+              <a:rPr lang="fr-FR" sz="1800" b="0" i="0" u="none" strike="noStrike" cap="none" baseline="0" dirty="0">
                 <a:solidFill>
                   <a:schemeClr val="dk1"/>
                 </a:solidFill>
@@ -17081,6 +17933,219 @@
               </a:rPr>
               <a:t>  </a:t>
             </a:r>
+            <a:r>
+              <a:rPr lang="fr-FR" sz="1800" b="0" i="0" u="none" strike="noStrike" cap="none" baseline="0" dirty="0" smtClean="0">
+                <a:solidFill>
+                  <a:schemeClr val="dk1"/>
+                </a:solidFill>
+                <a:latin typeface="Arial"/>
+                <a:ea typeface="Arial"/>
+                <a:cs typeface="Arial"/>
+                <a:sym typeface="Arial"/>
+              </a:rPr>
+              <a:t>Lutte </a:t>
+            </a:r>
+            <a:r>
+              <a:rPr lang="fr-FR" sz="1800" b="0" i="0" u="none" strike="noStrike" cap="none" baseline="0" dirty="0" err="1" smtClean="0">
+                <a:solidFill>
+                  <a:schemeClr val="dk1"/>
+                </a:solidFill>
+                <a:latin typeface="Arial"/>
+                <a:ea typeface="Arial"/>
+                <a:cs typeface="Arial"/>
+                <a:sym typeface="Arial"/>
+              </a:rPr>
+              <a:t>anti-parasitaire</a:t>
+            </a:r>
+            <a:r>
+              <a:rPr lang="fr-FR" sz="1800" b="0" i="0" u="none" strike="noStrike" cap="none" baseline="0" dirty="0" smtClean="0">
+                <a:solidFill>
+                  <a:schemeClr val="dk1"/>
+                </a:solidFill>
+                <a:latin typeface="Arial"/>
+                <a:ea typeface="Arial"/>
+                <a:cs typeface="Arial"/>
+                <a:sym typeface="Arial"/>
+              </a:rPr>
+              <a:t> durable</a:t>
+            </a:r>
+            <a:endParaRPr lang="fr-FR" sz="1800" b="0" i="0" u="none" strike="noStrike" cap="none" baseline="0" dirty="0">
+              <a:solidFill>
+                <a:schemeClr val="dk1"/>
+              </a:solidFill>
+              <a:latin typeface="Arial"/>
+              <a:ea typeface="Arial"/>
+              <a:cs typeface="Arial"/>
+              <a:sym typeface="Arial"/>
+            </a:endParaRPr>
+          </a:p>
+        </p:txBody>
+      </p:sp>
+      <p:pic>
+        <p:nvPicPr>
+          <p:cNvPr id="3" name="Image 2"/>
+          <p:cNvPicPr>
+            <a:picLocks noChangeAspect="1"/>
+          </p:cNvPicPr>
+          <p:nvPr/>
+        </p:nvPicPr>
+        <p:blipFill>
+          <a:blip r:embed="rId3"/>
+          <a:stretch>
+            <a:fillRect/>
+          </a:stretch>
+        </p:blipFill>
+        <p:spPr>
+          <a:xfrm>
+            <a:off x="5652232" y="4516597"/>
+            <a:ext cx="2363304" cy="1331754"/>
+          </a:xfrm>
+          <a:prstGeom prst="rect">
+            <a:avLst/>
+          </a:prstGeom>
+          <a:ln>
+            <a:noFill/>
+          </a:ln>
+          <a:effectLst>
+            <a:outerShdw blurRad="292100" dist="139700" dir="2700000" algn="tl" rotWithShape="0">
+              <a:srgbClr val="333333">
+                <a:alpha val="65000"/>
+              </a:srgbClr>
+            </a:outerShdw>
+          </a:effectLst>
+        </p:spPr>
+      </p:pic>
+      <p:sp>
+        <p:nvSpPr>
+          <p:cNvPr id="10" name="Shape 102"/>
+          <p:cNvSpPr txBox="1"/>
+          <p:nvPr/>
+        </p:nvSpPr>
+        <p:spPr>
+          <a:xfrm>
+            <a:off x="899590" y="1983180"/>
+            <a:ext cx="6552728" cy="400109"/>
+          </a:xfrm>
+          <a:prstGeom prst="rect">
+            <a:avLst/>
+          </a:prstGeom>
+          <a:noFill/>
+          <a:ln>
+            <a:noFill/>
+          </a:ln>
+        </p:spPr>
+        <p:txBody>
+          <a:bodyPr lIns="91425" tIns="45700" rIns="91425" bIns="45700" anchor="t" anchorCtr="0">
+            <a:noAutofit/>
+          </a:bodyPr>
+          <a:lstStyle/>
+          <a:p>
+            <a:pPr marL="285750" marR="0" lvl="0" indent="-285750" algn="l" rtl="0">
+              <a:spcBef>
+                <a:spcPts val="0"/>
+              </a:spcBef>
+              <a:spcAft>
+                <a:spcPts val="0"/>
+              </a:spcAft>
+              <a:buClr>
+                <a:srgbClr val="B983EC"/>
+              </a:buClr>
+              <a:buSzPct val="129629"/>
+              <a:buFont typeface="Arial"/>
+              <a:buChar char="•"/>
+            </a:pPr>
+            <a:r>
+              <a:rPr lang="fr-FR" sz="1800" b="0" i="0" u="none" strike="noStrike" cap="none" baseline="0" dirty="0">
+                <a:solidFill>
+                  <a:schemeClr val="dk1"/>
+                </a:solidFill>
+                <a:latin typeface="Arial"/>
+                <a:ea typeface="Arial"/>
+                <a:cs typeface="Arial"/>
+                <a:sym typeface="Arial"/>
+              </a:rPr>
+              <a:t>  </a:t>
+            </a:r>
+            <a:r>
+              <a:rPr lang="fr-FR" sz="2000" dirty="0" smtClean="0">
+                <a:solidFill>
+                  <a:schemeClr val="dk1"/>
+                </a:solidFill>
+              </a:rPr>
+              <a:t>Continuité d’un projet d’option web</a:t>
+            </a:r>
+            <a:endParaRPr lang="fr-FR" sz="2000" dirty="0">
+              <a:solidFill>
+                <a:schemeClr val="dk1"/>
+              </a:solidFill>
+            </a:endParaRPr>
+          </a:p>
+        </p:txBody>
+      </p:sp>
+      <p:sp>
+        <p:nvSpPr>
+          <p:cNvPr id="11" name="Shape 102"/>
+          <p:cNvSpPr txBox="1"/>
+          <p:nvPr/>
+        </p:nvSpPr>
+        <p:spPr>
+          <a:xfrm>
+            <a:off x="899590" y="2542418"/>
+            <a:ext cx="6552728" cy="400109"/>
+          </a:xfrm>
+          <a:prstGeom prst="rect">
+            <a:avLst/>
+          </a:prstGeom>
+          <a:noFill/>
+          <a:ln>
+            <a:noFill/>
+          </a:ln>
+        </p:spPr>
+        <p:txBody>
+          <a:bodyPr lIns="91425" tIns="45700" rIns="91425" bIns="45700" anchor="t" anchorCtr="0">
+            <a:noAutofit/>
+          </a:bodyPr>
+          <a:lstStyle/>
+          <a:p>
+            <a:pPr marL="285750" marR="0" lvl="0" indent="-285750" algn="l" rtl="0">
+              <a:spcBef>
+                <a:spcPts val="0"/>
+              </a:spcBef>
+              <a:spcAft>
+                <a:spcPts val="0"/>
+              </a:spcAft>
+              <a:buClr>
+                <a:srgbClr val="B983EC"/>
+              </a:buClr>
+              <a:buSzPct val="129629"/>
+              <a:buFont typeface="Arial"/>
+              <a:buChar char="•"/>
+            </a:pPr>
+            <a:r>
+              <a:rPr lang="fr-FR" sz="1800" b="0" i="0" u="none" strike="noStrike" cap="none" baseline="0" dirty="0">
+                <a:solidFill>
+                  <a:schemeClr val="dk1"/>
+                </a:solidFill>
+                <a:latin typeface="Arial"/>
+                <a:ea typeface="Arial"/>
+                <a:cs typeface="Arial"/>
+                <a:sym typeface="Arial"/>
+              </a:rPr>
+              <a:t>  </a:t>
+            </a:r>
+            <a:r>
+              <a:rPr lang="fr-FR" sz="2000" dirty="0" smtClean="0">
+                <a:solidFill>
+                  <a:schemeClr val="dk1"/>
+                </a:solidFill>
+              </a:rPr>
+              <a:t>Adaptation d’une application tablette sur site web</a:t>
+            </a:r>
+            <a:endParaRPr lang="fr-FR" sz="2000" dirty="0">
+              <a:solidFill>
+                <a:schemeClr val="dk1"/>
+              </a:solidFill>
+            </a:endParaRPr>
           </a:p>
         </p:txBody>
       </p:sp>
@@ -17096,6 +18161,610 @@
 </file>
 
 <file path=ppt/slides/slide4.xml><?xml version="1.0" encoding="utf-8"?>
+<p:sld xmlns:a="http://schemas.openxmlformats.org/drawingml/2006/main" xmlns:r="http://schemas.openxmlformats.org/officeDocument/2006/relationships" xmlns:p="http://schemas.openxmlformats.org/presentationml/2006/main">
+  <p:cSld>
+    <p:spTree>
+      <p:nvGrpSpPr>
+        <p:cNvPr id="1" name="Shape 98"/>
+        <p:cNvGrpSpPr/>
+        <p:nvPr/>
+      </p:nvGrpSpPr>
+      <p:grpSpPr>
+        <a:xfrm>
+          <a:off x="0" y="0"/>
+          <a:ext cx="0" cy="0"/>
+          <a:chOff x="0" y="0"/>
+          <a:chExt cx="0" cy="0"/>
+        </a:xfrm>
+      </p:grpSpPr>
+      <p:sp>
+        <p:nvSpPr>
+          <p:cNvPr id="99" name="Shape 99"/>
+          <p:cNvSpPr txBox="1">
+            <a:spLocks noGrp="1"/>
+          </p:cNvSpPr>
+          <p:nvPr>
+            <p:ph type="title"/>
+          </p:nvPr>
+        </p:nvSpPr>
+        <p:spPr>
+          <a:xfrm>
+            <a:off x="990600" y="0"/>
+            <a:ext cx="8153399" cy="714374"/>
+          </a:xfrm>
+          <a:prstGeom prst="rect">
+            <a:avLst/>
+          </a:prstGeom>
+          <a:noFill/>
+          <a:ln>
+            <a:noFill/>
+          </a:ln>
+        </p:spPr>
+        <p:txBody>
+          <a:bodyPr lIns="91425" tIns="45700" rIns="91425" bIns="45700" anchor="ctr" anchorCtr="0">
+            <a:noAutofit/>
+          </a:bodyPr>
+          <a:lstStyle/>
+          <a:p>
+            <a:pPr marL="0" marR="0" lvl="0" indent="0" algn="l" rtl="0">
+              <a:spcBef>
+                <a:spcPts val="0"/>
+              </a:spcBef>
+              <a:spcAft>
+                <a:spcPts val="0"/>
+              </a:spcAft>
+              <a:buSzPct val="25000"/>
+              <a:buNone/>
+            </a:pPr>
+            <a:r>
+              <a:rPr lang="fr-FR" sz="4400" b="0" i="0" u="none" strike="noStrike" cap="none" baseline="0" dirty="0" smtClean="0">
+                <a:solidFill>
+                  <a:schemeClr val="lt1"/>
+                </a:solidFill>
+                <a:latin typeface="Calibri"/>
+                <a:ea typeface="Calibri"/>
+                <a:cs typeface="Calibri"/>
+                <a:sym typeface="Calibri"/>
+              </a:rPr>
+              <a:t>Contexte</a:t>
+            </a:r>
+            <a:endParaRPr lang="fr-FR" sz="4400" b="0" i="0" u="none" strike="noStrike" cap="none" baseline="0" dirty="0">
+              <a:solidFill>
+                <a:schemeClr val="lt1"/>
+              </a:solidFill>
+              <a:latin typeface="Calibri"/>
+              <a:ea typeface="Calibri"/>
+              <a:cs typeface="Calibri"/>
+              <a:sym typeface="Calibri"/>
+            </a:endParaRPr>
+          </a:p>
+        </p:txBody>
+      </p:sp>
+      <p:sp>
+        <p:nvSpPr>
+          <p:cNvPr id="100" name="Shape 100"/>
+          <p:cNvSpPr txBox="1">
+            <a:spLocks noGrp="1"/>
+          </p:cNvSpPr>
+          <p:nvPr>
+            <p:ph type="sldNum" idx="12"/>
+          </p:nvPr>
+        </p:nvSpPr>
+        <p:spPr>
+          <a:xfrm>
+            <a:off x="0" y="6642100"/>
+            <a:ext cx="533399" cy="244474"/>
+          </a:xfrm>
+          <a:prstGeom prst="rect">
+            <a:avLst/>
+          </a:prstGeom>
+          <a:noFill/>
+          <a:ln>
+            <a:noFill/>
+          </a:ln>
+        </p:spPr>
+        <p:txBody>
+          <a:bodyPr lIns="91425" tIns="45700" rIns="91425" bIns="45700" anchor="ctr" anchorCtr="0">
+            <a:noAutofit/>
+          </a:bodyPr>
+          <a:lstStyle/>
+          <a:p>
+            <a:pPr marL="0" marR="0" lvl="0" indent="0" algn="ctr" rtl="0">
+              <a:buSzPct val="25000"/>
+              <a:buNone/>
+            </a:pPr>
+            <a:r>
+              <a:rPr lang="fr-FR"/>
+              <a:t> </a:t>
+            </a:r>
+          </a:p>
+        </p:txBody>
+      </p:sp>
+      <p:sp>
+        <p:nvSpPr>
+          <p:cNvPr id="101" name="Shape 101"/>
+          <p:cNvSpPr txBox="1"/>
+          <p:nvPr/>
+        </p:nvSpPr>
+        <p:spPr>
+          <a:xfrm>
+            <a:off x="4419600" y="6356350"/>
+            <a:ext cx="533399" cy="365125"/>
+          </a:xfrm>
+          <a:prstGeom prst="rect">
+            <a:avLst/>
+          </a:prstGeom>
+          <a:noFill/>
+          <a:ln>
+            <a:noFill/>
+          </a:ln>
+        </p:spPr>
+        <p:txBody>
+          <a:bodyPr lIns="91425" tIns="45700" rIns="91425" bIns="45700" anchor="t" anchorCtr="0">
+            <a:noAutofit/>
+          </a:bodyPr>
+          <a:lstStyle/>
+          <a:p>
+            <a:pPr marL="0" marR="0" lvl="0" indent="0" algn="l" rtl="0">
+              <a:spcBef>
+                <a:spcPts val="0"/>
+              </a:spcBef>
+              <a:spcAft>
+                <a:spcPts val="0"/>
+              </a:spcAft>
+              <a:buSzPct val="25000"/>
+              <a:buNone/>
+            </a:pPr>
+            <a:r>
+              <a:rPr lang="fr-FR"/>
+              <a:t> </a:t>
+            </a:r>
+          </a:p>
+        </p:txBody>
+      </p:sp>
+      <p:sp>
+        <p:nvSpPr>
+          <p:cNvPr id="102" name="Shape 102"/>
+          <p:cNvSpPr txBox="1"/>
+          <p:nvPr/>
+        </p:nvSpPr>
+        <p:spPr>
+          <a:xfrm>
+            <a:off x="899590" y="3156010"/>
+            <a:ext cx="6552728" cy="400109"/>
+          </a:xfrm>
+          <a:prstGeom prst="rect">
+            <a:avLst/>
+          </a:prstGeom>
+          <a:noFill/>
+          <a:ln>
+            <a:noFill/>
+          </a:ln>
+        </p:spPr>
+        <p:txBody>
+          <a:bodyPr lIns="91425" tIns="45700" rIns="91425" bIns="45700" anchor="t" anchorCtr="0">
+            <a:noAutofit/>
+          </a:bodyPr>
+          <a:lstStyle/>
+          <a:p>
+            <a:pPr marL="285750" marR="0" lvl="0" indent="-285750" algn="l" rtl="0">
+              <a:spcBef>
+                <a:spcPts val="0"/>
+              </a:spcBef>
+              <a:spcAft>
+                <a:spcPts val="0"/>
+              </a:spcAft>
+              <a:buClr>
+                <a:srgbClr val="B983EC"/>
+              </a:buClr>
+              <a:buSzPct val="129629"/>
+              <a:buFont typeface="Arial"/>
+              <a:buChar char="•"/>
+            </a:pPr>
+            <a:r>
+              <a:rPr lang="fr-FR" sz="1800" b="0" i="0" u="none" strike="noStrike" cap="none" baseline="0" dirty="0">
+                <a:solidFill>
+                  <a:schemeClr val="dk1"/>
+                </a:solidFill>
+                <a:latin typeface="Arial"/>
+                <a:ea typeface="Arial"/>
+                <a:cs typeface="Arial"/>
+                <a:sym typeface="Arial"/>
+              </a:rPr>
+              <a:t>  </a:t>
+            </a:r>
+            <a:r>
+              <a:rPr lang="fr-FR" sz="2000" dirty="0" smtClean="0">
+                <a:solidFill>
+                  <a:schemeClr val="dk1"/>
+                </a:solidFill>
+              </a:rPr>
+              <a:t>Choix technologiques</a:t>
+            </a:r>
+            <a:endParaRPr lang="fr-FR" sz="2000" dirty="0">
+              <a:solidFill>
+                <a:schemeClr val="dk1"/>
+              </a:solidFill>
+            </a:endParaRPr>
+          </a:p>
+        </p:txBody>
+      </p:sp>
+      <p:sp>
+        <p:nvSpPr>
+          <p:cNvPr id="104" name="Shape 104"/>
+          <p:cNvSpPr txBox="1"/>
+          <p:nvPr/>
+        </p:nvSpPr>
+        <p:spPr>
+          <a:xfrm>
+            <a:off x="1187624" y="3643854"/>
+            <a:ext cx="7956376" cy="400109"/>
+          </a:xfrm>
+          <a:prstGeom prst="rect">
+            <a:avLst/>
+          </a:prstGeom>
+          <a:noFill/>
+          <a:ln>
+            <a:noFill/>
+          </a:ln>
+        </p:spPr>
+        <p:txBody>
+          <a:bodyPr lIns="91425" tIns="45700" rIns="91425" bIns="45700" anchor="t" anchorCtr="0">
+            <a:noAutofit/>
+          </a:bodyPr>
+          <a:lstStyle/>
+          <a:p>
+            <a:pPr marL="285750" marR="0" lvl="0" indent="-285750" algn="l" rtl="0">
+              <a:spcBef>
+                <a:spcPts val="0"/>
+              </a:spcBef>
+              <a:spcAft>
+                <a:spcPts val="0"/>
+              </a:spcAft>
+              <a:buClr>
+                <a:srgbClr val="7AC0ED"/>
+              </a:buClr>
+              <a:buSzPct val="129629"/>
+              <a:buFont typeface="Arial"/>
+              <a:buChar char="•"/>
+            </a:pPr>
+            <a:r>
+              <a:rPr lang="fr-FR" sz="1800" b="0" i="0" u="none" strike="noStrike" cap="none" baseline="0" dirty="0">
+                <a:solidFill>
+                  <a:schemeClr val="dk1"/>
+                </a:solidFill>
+                <a:latin typeface="Arial"/>
+                <a:ea typeface="Arial"/>
+                <a:cs typeface="Arial"/>
+                <a:sym typeface="Arial"/>
+              </a:rPr>
+              <a:t>  </a:t>
+            </a:r>
+            <a:r>
+              <a:rPr lang="fr-FR" sz="1800" b="0" i="0" u="none" strike="noStrike" cap="none" baseline="0" dirty="0" smtClean="0">
+                <a:solidFill>
+                  <a:schemeClr val="dk1"/>
+                </a:solidFill>
+                <a:latin typeface="Arial"/>
+                <a:ea typeface="Arial"/>
+                <a:cs typeface="Arial"/>
+                <a:sym typeface="Arial"/>
+              </a:rPr>
+              <a:t>Utilisation de certaines librairies</a:t>
+            </a:r>
+            <a:endParaRPr lang="fr-FR" sz="1800" b="0" i="0" u="none" strike="noStrike" cap="none" baseline="0" dirty="0">
+              <a:solidFill>
+                <a:schemeClr val="dk1"/>
+              </a:solidFill>
+              <a:latin typeface="Arial"/>
+              <a:ea typeface="Arial"/>
+              <a:cs typeface="Arial"/>
+              <a:sym typeface="Arial"/>
+            </a:endParaRPr>
+          </a:p>
+        </p:txBody>
+      </p:sp>
+      <p:sp>
+        <p:nvSpPr>
+          <p:cNvPr id="10" name="Shape 102"/>
+          <p:cNvSpPr txBox="1"/>
+          <p:nvPr/>
+        </p:nvSpPr>
+        <p:spPr>
+          <a:xfrm>
+            <a:off x="899590" y="1958991"/>
+            <a:ext cx="6552728" cy="400109"/>
+          </a:xfrm>
+          <a:prstGeom prst="rect">
+            <a:avLst/>
+          </a:prstGeom>
+          <a:noFill/>
+          <a:ln>
+            <a:noFill/>
+          </a:ln>
+        </p:spPr>
+        <p:txBody>
+          <a:bodyPr lIns="91425" tIns="45700" rIns="91425" bIns="45700" anchor="t" anchorCtr="0">
+            <a:noAutofit/>
+          </a:bodyPr>
+          <a:lstStyle/>
+          <a:p>
+            <a:pPr marL="285750" marR="0" lvl="0" indent="-285750" algn="l" rtl="0">
+              <a:spcBef>
+                <a:spcPts val="0"/>
+              </a:spcBef>
+              <a:spcAft>
+                <a:spcPts val="0"/>
+              </a:spcAft>
+              <a:buClr>
+                <a:srgbClr val="B983EC"/>
+              </a:buClr>
+              <a:buSzPct val="129629"/>
+              <a:buFont typeface="Arial"/>
+              <a:buChar char="•"/>
+            </a:pPr>
+            <a:r>
+              <a:rPr lang="fr-FR" sz="1800" b="0" i="0" u="none" strike="noStrike" cap="none" baseline="0" dirty="0">
+                <a:solidFill>
+                  <a:schemeClr val="dk1"/>
+                </a:solidFill>
+                <a:latin typeface="Arial"/>
+                <a:ea typeface="Arial"/>
+                <a:cs typeface="Arial"/>
+                <a:sym typeface="Arial"/>
+              </a:rPr>
+              <a:t>  </a:t>
+            </a:r>
+            <a:r>
+              <a:rPr lang="fr-FR" sz="2000" dirty="0" smtClean="0">
+                <a:solidFill>
+                  <a:schemeClr val="dk1"/>
+                </a:solidFill>
+              </a:rPr>
+              <a:t>Base du site web</a:t>
+            </a:r>
+            <a:endParaRPr lang="fr-FR" sz="2000" dirty="0">
+              <a:solidFill>
+                <a:schemeClr val="dk1"/>
+              </a:solidFill>
+            </a:endParaRPr>
+          </a:p>
+        </p:txBody>
+      </p:sp>
+      <p:sp>
+        <p:nvSpPr>
+          <p:cNvPr id="11" name="Shape 102"/>
+          <p:cNvSpPr txBox="1"/>
+          <p:nvPr/>
+        </p:nvSpPr>
+        <p:spPr>
+          <a:xfrm>
+            <a:off x="899590" y="4287152"/>
+            <a:ext cx="6552728" cy="400109"/>
+          </a:xfrm>
+          <a:prstGeom prst="rect">
+            <a:avLst/>
+          </a:prstGeom>
+          <a:noFill/>
+          <a:ln>
+            <a:noFill/>
+          </a:ln>
+        </p:spPr>
+        <p:txBody>
+          <a:bodyPr lIns="91425" tIns="45700" rIns="91425" bIns="45700" anchor="t" anchorCtr="0">
+            <a:noAutofit/>
+          </a:bodyPr>
+          <a:lstStyle/>
+          <a:p>
+            <a:pPr marL="285750" marR="0" lvl="0" indent="-285750" algn="l" rtl="0">
+              <a:spcBef>
+                <a:spcPts val="0"/>
+              </a:spcBef>
+              <a:spcAft>
+                <a:spcPts val="0"/>
+              </a:spcAft>
+              <a:buClr>
+                <a:srgbClr val="B983EC"/>
+              </a:buClr>
+              <a:buSzPct val="129629"/>
+              <a:buFont typeface="Arial"/>
+              <a:buChar char="•"/>
+            </a:pPr>
+            <a:r>
+              <a:rPr lang="fr-FR" sz="1800" b="0" i="0" u="none" strike="noStrike" cap="none" baseline="0" dirty="0">
+                <a:solidFill>
+                  <a:schemeClr val="dk1"/>
+                </a:solidFill>
+                <a:latin typeface="Arial"/>
+                <a:ea typeface="Arial"/>
+                <a:cs typeface="Arial"/>
+                <a:sym typeface="Arial"/>
+              </a:rPr>
+              <a:t>  </a:t>
+            </a:r>
+            <a:r>
+              <a:rPr lang="fr-FR" sz="2000" dirty="0" smtClean="0">
+                <a:solidFill>
+                  <a:schemeClr val="dk1"/>
+                </a:solidFill>
+              </a:rPr>
+              <a:t>Application tablette</a:t>
+            </a:r>
+            <a:endParaRPr lang="fr-FR" sz="2000" dirty="0">
+              <a:solidFill>
+                <a:schemeClr val="dk1"/>
+              </a:solidFill>
+            </a:endParaRPr>
+          </a:p>
+        </p:txBody>
+      </p:sp>
+      <p:sp>
+        <p:nvSpPr>
+          <p:cNvPr id="12" name="Shape 103"/>
+          <p:cNvSpPr txBox="1"/>
+          <p:nvPr/>
+        </p:nvSpPr>
+        <p:spPr>
+          <a:xfrm>
+            <a:off x="1187622" y="2430707"/>
+            <a:ext cx="5976664" cy="400109"/>
+          </a:xfrm>
+          <a:prstGeom prst="rect">
+            <a:avLst/>
+          </a:prstGeom>
+          <a:noFill/>
+          <a:ln>
+            <a:noFill/>
+          </a:ln>
+        </p:spPr>
+        <p:txBody>
+          <a:bodyPr lIns="91425" tIns="45700" rIns="91425" bIns="45700" anchor="t" anchorCtr="0">
+            <a:noAutofit/>
+          </a:bodyPr>
+          <a:lstStyle/>
+          <a:p>
+            <a:pPr marL="285750" marR="0" lvl="0" indent="-285750" algn="l" rtl="0">
+              <a:spcBef>
+                <a:spcPts val="0"/>
+              </a:spcBef>
+              <a:spcAft>
+                <a:spcPts val="0"/>
+              </a:spcAft>
+              <a:buClr>
+                <a:srgbClr val="7AC0ED"/>
+              </a:buClr>
+              <a:buSzPct val="129629"/>
+              <a:buFont typeface="Arial"/>
+              <a:buChar char="•"/>
+            </a:pPr>
+            <a:r>
+              <a:rPr lang="fr-FR" sz="1800" b="0" i="0" u="none" strike="noStrike" cap="none" baseline="0" dirty="0">
+                <a:solidFill>
+                  <a:schemeClr val="dk1"/>
+                </a:solidFill>
+                <a:latin typeface="Arial"/>
+                <a:ea typeface="Arial"/>
+                <a:cs typeface="Arial"/>
+                <a:sym typeface="Arial"/>
+              </a:rPr>
+              <a:t>  </a:t>
+            </a:r>
+            <a:r>
+              <a:rPr lang="fr-FR" sz="1800" b="0" i="0" u="none" strike="noStrike" cap="none" baseline="0" dirty="0" smtClean="0">
+                <a:solidFill>
+                  <a:schemeClr val="dk1"/>
+                </a:solidFill>
+                <a:latin typeface="Arial"/>
+                <a:ea typeface="Arial"/>
+                <a:cs typeface="Arial"/>
+                <a:sym typeface="Arial"/>
+              </a:rPr>
+              <a:t>Arbre de décision</a:t>
+            </a:r>
+            <a:endParaRPr lang="fr-FR" sz="1800" b="0" i="0" u="none" strike="noStrike" cap="none" baseline="0" dirty="0">
+              <a:solidFill>
+                <a:schemeClr val="dk1"/>
+              </a:solidFill>
+              <a:latin typeface="Arial"/>
+              <a:ea typeface="Arial"/>
+              <a:cs typeface="Arial"/>
+              <a:sym typeface="Arial"/>
+            </a:endParaRPr>
+          </a:p>
+        </p:txBody>
+      </p:sp>
+      <p:sp>
+        <p:nvSpPr>
+          <p:cNvPr id="13" name="Shape 104"/>
+          <p:cNvSpPr txBox="1"/>
+          <p:nvPr/>
+        </p:nvSpPr>
+        <p:spPr>
+          <a:xfrm>
+            <a:off x="1187624" y="4792711"/>
+            <a:ext cx="7956376" cy="400109"/>
+          </a:xfrm>
+          <a:prstGeom prst="rect">
+            <a:avLst/>
+          </a:prstGeom>
+          <a:noFill/>
+          <a:ln>
+            <a:noFill/>
+          </a:ln>
+        </p:spPr>
+        <p:txBody>
+          <a:bodyPr lIns="91425" tIns="45700" rIns="91425" bIns="45700" anchor="t" anchorCtr="0">
+            <a:noAutofit/>
+          </a:bodyPr>
+          <a:lstStyle/>
+          <a:p>
+            <a:pPr marL="285750" marR="0" lvl="0" indent="-285750" algn="l" rtl="0">
+              <a:spcBef>
+                <a:spcPts val="0"/>
+              </a:spcBef>
+              <a:spcAft>
+                <a:spcPts val="0"/>
+              </a:spcAft>
+              <a:buClr>
+                <a:srgbClr val="7AC0ED"/>
+              </a:buClr>
+              <a:buSzPct val="129629"/>
+              <a:buFont typeface="Arial"/>
+              <a:buChar char="•"/>
+            </a:pPr>
+            <a:r>
+              <a:rPr lang="fr-FR" sz="1800" b="0" i="0" u="none" strike="noStrike" cap="none" baseline="0" dirty="0">
+                <a:solidFill>
+                  <a:schemeClr val="dk1"/>
+                </a:solidFill>
+                <a:latin typeface="Arial"/>
+                <a:ea typeface="Arial"/>
+                <a:cs typeface="Arial"/>
+                <a:sym typeface="Arial"/>
+              </a:rPr>
+              <a:t>  </a:t>
+            </a:r>
+            <a:r>
+              <a:rPr lang="fr-FR" sz="1800" b="0" i="0" u="none" strike="noStrike" cap="none" baseline="0" dirty="0" smtClean="0">
+                <a:solidFill>
+                  <a:schemeClr val="dk1"/>
+                </a:solidFill>
+                <a:latin typeface="Arial"/>
+                <a:ea typeface="Arial"/>
+                <a:cs typeface="Arial"/>
+                <a:sym typeface="Arial"/>
+              </a:rPr>
+              <a:t>Adapter l’ensemble des fonctionnalités</a:t>
+            </a:r>
+            <a:endParaRPr lang="fr-FR" sz="1800" b="0" i="0" u="none" strike="noStrike" cap="none" baseline="0" dirty="0">
+              <a:solidFill>
+                <a:schemeClr val="dk1"/>
+              </a:solidFill>
+              <a:latin typeface="Arial"/>
+              <a:ea typeface="Arial"/>
+              <a:cs typeface="Arial"/>
+              <a:sym typeface="Arial"/>
+            </a:endParaRPr>
+          </a:p>
+        </p:txBody>
+      </p:sp>
+    </p:spTree>
+    <p:extLst>
+      <p:ext uri="{BB962C8B-B14F-4D97-AF65-F5344CB8AC3E}">
+        <p14:creationId xmlns:p14="http://schemas.microsoft.com/office/powerpoint/2010/main" val="3843792565"/>
+      </p:ext>
+    </p:extLst>
+  </p:cSld>
+  <p:clrMapOvr>
+    <a:masterClrMapping/>
+  </p:clrMapOvr>
+  <p:transition xmlns:p14="http://schemas.microsoft.com/office/powerpoint/2010/main" spd="slow">
+    <p:cut/>
+  </p:transition>
+</p:sld>
+</file>
+
+<file path=ppt/slides/slide5.xml><?xml version="1.0" encoding="utf-8"?>
 <p:sld xmlns:a="http://schemas.openxmlformats.org/drawingml/2006/main" xmlns:r="http://schemas.openxmlformats.org/officeDocument/2006/relationships" xmlns:p="http://schemas.openxmlformats.org/presentationml/2006/main">
   <p:cSld>
     <p:spTree>
@@ -17280,7 +18949,7 @@
               <a:buChar char="•"/>
             </a:pPr>
             <a:r>
-              <a:rPr lang="fr-FR" sz="1800" b="0" i="0" u="none" strike="noStrike" cap="none" baseline="0">
+              <a:rPr lang="fr-FR" sz="1800" b="0" i="0" u="none" strike="noStrike" cap="none" baseline="0" dirty="0">
                 <a:solidFill>
                   <a:schemeClr val="dk1"/>
                 </a:solidFill>
@@ -17292,7 +18961,7 @@
               <a:t>  </a:t>
             </a:r>
             <a:r>
-              <a:rPr lang="fr-FR" sz="2000">
+              <a:rPr lang="fr-FR" sz="2000" dirty="0">
                 <a:solidFill>
                   <a:schemeClr val="dk1"/>
                 </a:solidFill>
@@ -17342,7 +19011,7 @@
               <a:buChar char="•"/>
             </a:pPr>
             <a:r>
-              <a:rPr lang="fr-FR" sz="1800" b="0" i="0" u="none" strike="noStrike" cap="none" baseline="0">
+              <a:rPr lang="fr-FR" sz="1800" b="0" i="0" u="none" strike="noStrike" cap="none" baseline="0" dirty="0">
                 <a:solidFill>
                   <a:schemeClr val="dk1"/>
                 </a:solidFill>
@@ -17354,13 +19023,26 @@
               <a:t>  </a:t>
             </a:r>
             <a:r>
-              <a:rPr lang="fr-FR" sz="2000">
+              <a:rPr lang="fr-FR" sz="2000" dirty="0">
                 <a:solidFill>
                   <a:schemeClr val="dk1"/>
                 </a:solidFill>
               </a:rPr>
-              <a:t>Regroupement des fichiers par catégorie,</a:t>
+              <a:t>Regroupement des fichiers par </a:t>
             </a:r>
+            <a:r>
+              <a:rPr lang="fr-FR" sz="2000" dirty="0" smtClean="0">
+                <a:solidFill>
+                  <a:schemeClr val="dk1"/>
+                </a:solidFill>
+              </a:rPr>
+              <a:t>types</a:t>
+            </a:r>
+            <a:endParaRPr lang="fr-FR" sz="2000" dirty="0">
+              <a:solidFill>
+                <a:schemeClr val="dk1"/>
+              </a:solidFill>
+            </a:endParaRPr>
           </a:p>
         </p:txBody>
       </p:sp>
@@ -17372,7 +19054,7 @@
         </p:nvSpPr>
         <p:spPr>
           <a:xfrm>
-            <a:off x="1475655" y="2708919"/>
+            <a:off x="1475655" y="2742048"/>
             <a:ext cx="5976664" cy="400109"/>
           </a:xfrm>
           <a:prstGeom prst="rect">
@@ -17404,7 +19086,7 @@
               <a:buChar char="•"/>
             </a:pPr>
             <a:r>
-              <a:rPr lang="fr-FR" sz="1800" b="0" i="0" u="none" strike="noStrike" cap="none" baseline="0">
+              <a:rPr lang="fr-FR" sz="1800" b="0" i="0" u="none" strike="noStrike" cap="none" baseline="0" dirty="0">
                 <a:solidFill>
                   <a:schemeClr val="dk1"/>
                 </a:solidFill>
@@ -17416,13 +19098,26 @@
               <a:t>  </a:t>
             </a:r>
             <a:r>
-              <a:rPr lang="fr-FR" sz="2000">
+              <a:rPr lang="fr-FR" sz="2000" dirty="0">
                 <a:solidFill>
                   <a:schemeClr val="dk1"/>
                 </a:solidFill>
               </a:rPr>
-              <a:t>Préparation à la gestion de plusieurs arbres,</a:t>
+              <a:t>Préparation à la gestion de plusieurs </a:t>
             </a:r>
+            <a:r>
+              <a:rPr lang="fr-FR" sz="2000" dirty="0" smtClean="0">
+                <a:solidFill>
+                  <a:schemeClr val="dk1"/>
+                </a:solidFill>
+              </a:rPr>
+              <a:t>arbres</a:t>
+            </a:r>
+            <a:endParaRPr lang="fr-FR" sz="2000" dirty="0">
+              <a:solidFill>
+                <a:schemeClr val="dk1"/>
+              </a:solidFill>
+            </a:endParaRPr>
           </a:p>
         </p:txBody>
       </p:sp>
@@ -17434,7 +19129,7 @@
         </p:nvSpPr>
         <p:spPr>
           <a:xfrm>
-            <a:off x="899591" y="4438485"/>
+            <a:off x="899591" y="3985722"/>
             <a:ext cx="6552728" cy="400109"/>
           </a:xfrm>
           <a:prstGeom prst="rect">
@@ -17466,7 +19161,7 @@
               <a:buChar char="•"/>
             </a:pPr>
             <a:r>
-              <a:rPr lang="fr-FR" sz="1800" b="0" i="0" u="none" strike="noStrike" cap="none" baseline="0">
+              <a:rPr lang="fr-FR" sz="1800" b="0" i="0" u="none" strike="noStrike" cap="none" baseline="0" dirty="0">
                 <a:solidFill>
                   <a:schemeClr val="dk1"/>
                 </a:solidFill>
@@ -17478,12 +19173,20 @@
               <a:t>  </a:t>
             </a:r>
             <a:r>
-              <a:rPr lang="fr-FR" sz="2000">
+              <a:rPr lang="fr-FR" sz="2000" dirty="0" smtClean="0">
                 <a:solidFill>
                   <a:schemeClr val="dk1"/>
                 </a:solidFill>
               </a:rPr>
-              <a:t>Fichier PHP</a:t>
+              <a:t>Fichiers </a:t>
+            </a:r>
+            <a:r>
+              <a:rPr lang="fr-FR" sz="2000" dirty="0">
+                <a:solidFill>
+                  <a:schemeClr val="dk1"/>
+                </a:solidFill>
+              </a:rPr>
+              <a:t>PHP</a:t>
             </a:r>
           </a:p>
         </p:txBody>
@@ -17496,7 +19199,7 @@
         </p:nvSpPr>
         <p:spPr>
           <a:xfrm>
-            <a:off x="1475655" y="4935236"/>
+            <a:off x="1475655" y="4482473"/>
             <a:ext cx="5976664" cy="400109"/>
           </a:xfrm>
           <a:prstGeom prst="rect">
@@ -17558,7 +19261,7 @@
         </p:nvSpPr>
         <p:spPr>
           <a:xfrm>
-            <a:off x="1475655" y="5405153"/>
+            <a:off x="1475655" y="4952390"/>
             <a:ext cx="6768751" cy="400109"/>
           </a:xfrm>
           <a:prstGeom prst="rect">
@@ -17652,7 +19355,7 @@
               <a:buChar char="•"/>
             </a:pPr>
             <a:r>
-              <a:rPr lang="fr-FR" sz="1800" b="0" i="0" u="none" strike="noStrike" cap="none" baseline="0">
+              <a:rPr lang="fr-FR" sz="1800" b="0" i="0" u="none" strike="noStrike" cap="none" baseline="0" dirty="0">
                 <a:solidFill>
                   <a:schemeClr val="dk1"/>
                 </a:solidFill>
@@ -17664,7 +19367,7 @@
               <a:t>  </a:t>
             </a:r>
             <a:r>
-              <a:rPr lang="fr-FR" sz="2000" b="0" i="0" u="none" strike="noStrike" cap="none" baseline="0">
+              <a:rPr lang="fr-FR" sz="2000" b="0" i="0" u="none" strike="noStrike" cap="none" baseline="0" dirty="0">
                 <a:solidFill>
                   <a:schemeClr val="dk1"/>
                 </a:solidFill>
@@ -17676,7 +19379,7 @@
               <a:t>Système </a:t>
             </a:r>
             <a:r>
-              <a:rPr lang="fr-FR" sz="2000">
+              <a:rPr lang="fr-FR" sz="2000" dirty="0">
                 <a:solidFill>
                   <a:schemeClr val="dk1"/>
                 </a:solidFill>
@@ -17688,235 +19391,56 @@
       </p:sp>
       <p:sp>
         <p:nvSpPr>
-          <p:cNvPr id="120" name="Shape 120"/>
-          <p:cNvSpPr txBox="1"/>
+          <p:cNvPr id="13" name="Rectangle 12"/>
+          <p:cNvSpPr/>
           <p:nvPr/>
         </p:nvSpPr>
         <p:spPr>
           <a:xfrm>
-            <a:off x="1475655" y="3748969"/>
-            <a:ext cx="5976664" cy="400109"/>
+            <a:off x="-1" y="22161"/>
+            <a:ext cx="9144000" cy="6858000"/>
           </a:xfrm>
           <a:prstGeom prst="rect">
             <a:avLst/>
           </a:prstGeom>
-          <a:noFill/>
-          <a:ln>
-            <a:noFill/>
-          </a:ln>
-        </p:spPr>
+          <a:solidFill>
+            <a:srgbClr val="333333">
+              <a:alpha val="83137"/>
+            </a:srgbClr>
+          </a:solidFill>
+        </p:spPr>
+        <p:style>
+          <a:lnRef idx="1">
+            <a:schemeClr val="dk1"/>
+          </a:lnRef>
+          <a:fillRef idx="2">
+            <a:schemeClr val="dk1"/>
+          </a:fillRef>
+          <a:effectRef idx="1">
+            <a:schemeClr val="dk1"/>
+          </a:effectRef>
+          <a:fontRef idx="minor">
+            <a:schemeClr val="dk1"/>
+          </a:fontRef>
+        </p:style>
         <p:txBody>
-          <a:bodyPr lIns="91425" tIns="45700" rIns="91425" bIns="45700" anchor="t" anchorCtr="0">
-            <a:noAutofit/>
-          </a:bodyPr>
+          <a:bodyPr rtlCol="0" anchor="ctr"/>
           <a:lstStyle/>
           <a:p>
-            <a:pPr marL="285750" marR="0" lvl="0" indent="-285750" algn="l" rtl="0">
-              <a:spcBef>
-                <a:spcPts val="0"/>
-              </a:spcBef>
-              <a:spcAft>
-                <a:spcPts val="0"/>
-              </a:spcAft>
-              <a:buClr>
-                <a:srgbClr val="7AC0ED"/>
-              </a:buClr>
-              <a:buSzPct val="129629"/>
-              <a:buFont typeface="Arial"/>
-              <a:buChar char="•"/>
-            </a:pPr>
-            <a:r>
-              <a:rPr lang="fr-FR" sz="1800" b="0" i="0" u="none" strike="noStrike" cap="none" baseline="0">
-                <a:solidFill>
-                  <a:schemeClr val="dk1"/>
-                </a:solidFill>
-                <a:latin typeface="Arial"/>
-                <a:ea typeface="Arial"/>
-                <a:cs typeface="Arial"/>
-                <a:sym typeface="Arial"/>
-              </a:rPr>
-              <a:t>  </a:t>
-            </a:r>
-            <a:r>
-              <a:rPr lang="fr-FR" sz="2000" b="0" i="0" u="none" strike="noStrike" cap="none" baseline="0">
-                <a:solidFill>
-                  <a:schemeClr val="dk1"/>
-                </a:solidFill>
-                <a:latin typeface="Arial"/>
-                <a:ea typeface="Arial"/>
-                <a:cs typeface="Arial"/>
-                <a:sym typeface="Arial"/>
-              </a:rPr>
-              <a:t>Séparation des librairies</a:t>
-            </a:r>
-          </a:p>
-        </p:txBody>
-      </p:sp>
-    </p:spTree>
-  </p:cSld>
-  <p:clrMapOvr>
-    <a:masterClrMapping/>
-  </p:clrMapOvr>
-  <p:transition xmlns:p14="http://schemas.microsoft.com/office/powerpoint/2010/main" spd="slow">
-    <p:cut/>
-  </p:transition>
-</p:sld>
-</file>
-
-<file path=ppt/slides/slide5.xml><?xml version="1.0" encoding="utf-8"?>
-<p:sld xmlns:a="http://schemas.openxmlformats.org/drawingml/2006/main" xmlns:r="http://schemas.openxmlformats.org/officeDocument/2006/relationships" xmlns:p="http://schemas.openxmlformats.org/presentationml/2006/main">
-  <p:cSld>
-    <p:spTree>
-      <p:nvGrpSpPr>
-        <p:cNvPr id="1" name="Shape 125"/>
-        <p:cNvGrpSpPr/>
-        <p:nvPr/>
-      </p:nvGrpSpPr>
-      <p:grpSpPr>
-        <a:xfrm>
-          <a:off x="0" y="0"/>
-          <a:ext cx="0" cy="0"/>
-          <a:chOff x="0" y="0"/>
-          <a:chExt cx="0" cy="0"/>
-        </a:xfrm>
-      </p:grpSpPr>
-      <p:sp>
-        <p:nvSpPr>
-          <p:cNvPr id="126" name="Shape 126"/>
-          <p:cNvSpPr txBox="1">
-            <a:spLocks noGrp="1"/>
-          </p:cNvSpPr>
-          <p:nvPr>
-            <p:ph type="title"/>
-          </p:nvPr>
-        </p:nvSpPr>
-        <p:spPr>
-          <a:xfrm>
-            <a:off x="990600" y="0"/>
-            <a:ext cx="8153399" cy="714300"/>
-          </a:xfrm>
-          <a:prstGeom prst="rect">
-            <a:avLst/>
-          </a:prstGeom>
-          <a:noFill/>
-          <a:ln>
-            <a:noFill/>
-          </a:ln>
-        </p:spPr>
-        <p:txBody>
-          <a:bodyPr lIns="91425" tIns="45700" rIns="91425" bIns="45700" anchor="ctr" anchorCtr="0">
-            <a:noAutofit/>
-          </a:bodyPr>
-          <a:lstStyle/>
-          <a:p>
-            <a:pPr marL="0" marR="0" lvl="0" indent="0" algn="l" rtl="0">
-              <a:spcBef>
-                <a:spcPts val="0"/>
-              </a:spcBef>
-              <a:spcAft>
-                <a:spcPts val="0"/>
-              </a:spcAft>
-              <a:buSzPct val="25000"/>
-              <a:buNone/>
-            </a:pPr>
-            <a:r>
-              <a:rPr lang="fr-FR"/>
-              <a:t>Arborescence</a:t>
-            </a:r>
+            <a:pPr algn="ctr"/>
+            <a:endParaRPr lang="fr-FR"/>
           </a:p>
         </p:txBody>
       </p:sp>
       <p:sp>
         <p:nvSpPr>
-          <p:cNvPr id="127" name="Shape 127"/>
-          <p:cNvSpPr txBox="1">
-            <a:spLocks noGrp="1"/>
-          </p:cNvSpPr>
-          <p:nvPr>
-            <p:ph type="sldNum" idx="12"/>
-          </p:nvPr>
-        </p:nvSpPr>
-        <p:spPr>
-          <a:xfrm>
-            <a:off x="0" y="6642100"/>
-            <a:ext cx="533399" cy="244500"/>
-          </a:xfrm>
-          <a:prstGeom prst="rect">
-            <a:avLst/>
-          </a:prstGeom>
-          <a:noFill/>
-          <a:ln>
-            <a:noFill/>
-          </a:ln>
-        </p:spPr>
-        <p:txBody>
-          <a:bodyPr lIns="91425" tIns="45700" rIns="91425" bIns="45700" anchor="ctr" anchorCtr="0">
-            <a:noAutofit/>
-          </a:bodyPr>
-          <a:lstStyle/>
-          <a:p>
-            <a:pPr marL="0" marR="0" lvl="0" indent="0" algn="ctr" rtl="0">
-              <a:buSzPct val="25000"/>
-              <a:buNone/>
-            </a:pPr>
-            <a:r>
-              <a:rPr lang="fr-FR"/>
-              <a:t> </a:t>
-            </a:r>
-          </a:p>
-        </p:txBody>
-      </p:sp>
-      <p:sp>
-        <p:nvSpPr>
-          <p:cNvPr id="128" name="Shape 128"/>
-          <p:cNvSpPr txBox="1"/>
-          <p:nvPr/>
-        </p:nvSpPr>
-        <p:spPr>
-          <a:xfrm>
-            <a:off x="4419600" y="6356350"/>
-            <a:ext cx="533399" cy="365099"/>
-          </a:xfrm>
-          <a:prstGeom prst="rect">
-            <a:avLst/>
-          </a:prstGeom>
-          <a:noFill/>
-          <a:ln>
-            <a:noFill/>
-          </a:ln>
-        </p:spPr>
-        <p:txBody>
-          <a:bodyPr lIns="91425" tIns="45700" rIns="91425" bIns="45700" anchor="t" anchorCtr="0">
-            <a:noAutofit/>
-          </a:bodyPr>
-          <a:lstStyle/>
-          <a:p>
-            <a:pPr marL="0" marR="0" lvl="0" indent="0" algn="l" rtl="0">
-              <a:spcBef>
-                <a:spcPts val="0"/>
-              </a:spcBef>
-              <a:spcAft>
-                <a:spcPts val="0"/>
-              </a:spcAft>
-              <a:buSzPct val="25000"/>
-              <a:buNone/>
-            </a:pPr>
-            <a:r>
-              <a:rPr lang="fr-FR"/>
-              <a:t> </a:t>
-            </a:r>
-          </a:p>
-        </p:txBody>
-      </p:sp>
-      <p:sp>
-        <p:nvSpPr>
-          <p:cNvPr id="129" name="Shape 129"/>
+          <p:cNvPr id="14" name="Shape 129"/>
           <p:cNvSpPr/>
           <p:nvPr/>
         </p:nvSpPr>
         <p:spPr>
           <a:xfrm>
-            <a:off x="3021966" y="1537701"/>
+            <a:off x="3021966" y="984874"/>
             <a:ext cx="3100067" cy="5320297"/>
           </a:xfrm>
           <a:prstGeom prst="rect">
@@ -17941,6 +19465,310 @@
   <p:transition xmlns:p14="http://schemas.microsoft.com/office/powerpoint/2010/main" spd="slow">
     <p:cut/>
   </p:transition>
+  <p:timing>
+    <p:tnLst>
+      <p:par>
+        <p:cTn xmlns:p14="http://schemas.microsoft.com/office/powerpoint/2010/main" id="1" dur="indefinite" restart="never" nodeType="tmRoot">
+          <p:childTnLst>
+            <p:seq concurrent="1" nextAc="seek">
+              <p:cTn id="2" dur="indefinite" nodeType="mainSeq">
+                <p:childTnLst>
+                  <p:par>
+                    <p:cTn id="3" fill="hold">
+                      <p:stCondLst>
+                        <p:cond delay="indefinite"/>
+                      </p:stCondLst>
+                      <p:childTnLst>
+                        <p:par>
+                          <p:cTn id="4" fill="hold">
+                            <p:stCondLst>
+                              <p:cond delay="0"/>
+                            </p:stCondLst>
+                            <p:childTnLst>
+                              <p:par>
+                                <p:cTn id="5" presetID="1" presetClass="entr" presetSubtype="0" fill="hold" grpId="0" nodeType="clickEffect">
+                                  <p:stCondLst>
+                                    <p:cond delay="0"/>
+                                  </p:stCondLst>
+                                  <p:childTnLst>
+                                    <p:set>
+                                      <p:cBhvr>
+                                        <p:cTn id="6" dur="1" fill="hold">
+                                          <p:stCondLst>
+                                            <p:cond delay="0"/>
+                                          </p:stCondLst>
+                                        </p:cTn>
+                                        <p:tgtEl>
+                                          <p:spTgt spid="13"/>
+                                        </p:tgtEl>
+                                        <p:attrNameLst>
+                                          <p:attrName>style.visibility</p:attrName>
+                                        </p:attrNameLst>
+                                      </p:cBhvr>
+                                      <p:to>
+                                        <p:strVal val="visible"/>
+                                      </p:to>
+                                    </p:set>
+                                  </p:childTnLst>
+                                </p:cTn>
+                              </p:par>
+                            </p:childTnLst>
+                          </p:cTn>
+                        </p:par>
+                        <p:par>
+                          <p:cTn id="7" fill="hold">
+                            <p:stCondLst>
+                              <p:cond delay="0"/>
+                            </p:stCondLst>
+                            <p:childTnLst>
+                              <p:par>
+                                <p:cTn id="8" presetID="53" presetClass="entr" presetSubtype="16" fill="hold" nodeType="afterEffect">
+                                  <p:stCondLst>
+                                    <p:cond delay="0"/>
+                                  </p:stCondLst>
+                                  <p:childTnLst>
+                                    <p:set>
+                                      <p:cBhvr>
+                                        <p:cTn id="9" dur="1" fill="hold">
+                                          <p:stCondLst>
+                                            <p:cond delay="0"/>
+                                          </p:stCondLst>
+                                        </p:cTn>
+                                        <p:tgtEl>
+                                          <p:spTgt spid="14"/>
+                                        </p:tgtEl>
+                                        <p:attrNameLst>
+                                          <p:attrName>style.visibility</p:attrName>
+                                        </p:attrNameLst>
+                                      </p:cBhvr>
+                                      <p:to>
+                                        <p:strVal val="visible"/>
+                                      </p:to>
+                                    </p:set>
+                                    <p:anim calcmode="lin" valueType="num">
+                                      <p:cBhvr>
+                                        <p:cTn id="10" dur="500" fill="hold"/>
+                                        <p:tgtEl>
+                                          <p:spTgt spid="14"/>
+                                        </p:tgtEl>
+                                        <p:attrNameLst>
+                                          <p:attrName>ppt_w</p:attrName>
+                                        </p:attrNameLst>
+                                      </p:cBhvr>
+                                      <p:tavLst>
+                                        <p:tav tm="0">
+                                          <p:val>
+                                            <p:fltVal val="0"/>
+                                          </p:val>
+                                        </p:tav>
+                                        <p:tav tm="100000">
+                                          <p:val>
+                                            <p:strVal val="#ppt_w"/>
+                                          </p:val>
+                                        </p:tav>
+                                      </p:tavLst>
+                                    </p:anim>
+                                    <p:anim calcmode="lin" valueType="num">
+                                      <p:cBhvr>
+                                        <p:cTn id="11" dur="500" fill="hold"/>
+                                        <p:tgtEl>
+                                          <p:spTgt spid="14"/>
+                                        </p:tgtEl>
+                                        <p:attrNameLst>
+                                          <p:attrName>ppt_h</p:attrName>
+                                        </p:attrNameLst>
+                                      </p:cBhvr>
+                                      <p:tavLst>
+                                        <p:tav tm="0">
+                                          <p:val>
+                                            <p:fltVal val="0"/>
+                                          </p:val>
+                                        </p:tav>
+                                        <p:tav tm="100000">
+                                          <p:val>
+                                            <p:strVal val="#ppt_h"/>
+                                          </p:val>
+                                        </p:tav>
+                                      </p:tavLst>
+                                    </p:anim>
+                                    <p:animEffect transition="in" filter="fade">
+                                      <p:cBhvr>
+                                        <p:cTn id="12" dur="500"/>
+                                        <p:tgtEl>
+                                          <p:spTgt spid="14"/>
+                                        </p:tgtEl>
+                                      </p:cBhvr>
+                                    </p:animEffect>
+                                  </p:childTnLst>
+                                </p:cTn>
+                              </p:par>
+                            </p:childTnLst>
+                          </p:cTn>
+                        </p:par>
+                      </p:childTnLst>
+                    </p:cTn>
+                  </p:par>
+                  <p:par>
+                    <p:cTn id="13" fill="hold">
+                      <p:stCondLst>
+                        <p:cond delay="indefinite"/>
+                      </p:stCondLst>
+                      <p:childTnLst>
+                        <p:par>
+                          <p:cTn id="14" fill="hold">
+                            <p:stCondLst>
+                              <p:cond delay="0"/>
+                            </p:stCondLst>
+                            <p:childTnLst>
+                              <p:par>
+                                <p:cTn id="15" presetID="53" presetClass="exit" presetSubtype="32" fill="hold" nodeType="clickEffect">
+                                  <p:stCondLst>
+                                    <p:cond delay="0"/>
+                                  </p:stCondLst>
+                                  <p:childTnLst>
+                                    <p:anim calcmode="lin" valueType="num">
+                                      <p:cBhvr>
+                                        <p:cTn id="16" dur="500"/>
+                                        <p:tgtEl>
+                                          <p:spTgt spid="14"/>
+                                        </p:tgtEl>
+                                        <p:attrNameLst>
+                                          <p:attrName>ppt_w</p:attrName>
+                                        </p:attrNameLst>
+                                      </p:cBhvr>
+                                      <p:tavLst>
+                                        <p:tav tm="0">
+                                          <p:val>
+                                            <p:strVal val="ppt_w"/>
+                                          </p:val>
+                                        </p:tav>
+                                        <p:tav tm="100000">
+                                          <p:val>
+                                            <p:fltVal val="0"/>
+                                          </p:val>
+                                        </p:tav>
+                                      </p:tavLst>
+                                    </p:anim>
+                                    <p:anim calcmode="lin" valueType="num">
+                                      <p:cBhvr>
+                                        <p:cTn id="17" dur="500"/>
+                                        <p:tgtEl>
+                                          <p:spTgt spid="14"/>
+                                        </p:tgtEl>
+                                        <p:attrNameLst>
+                                          <p:attrName>ppt_h</p:attrName>
+                                        </p:attrNameLst>
+                                      </p:cBhvr>
+                                      <p:tavLst>
+                                        <p:tav tm="0">
+                                          <p:val>
+                                            <p:strVal val="ppt_h"/>
+                                          </p:val>
+                                        </p:tav>
+                                        <p:tav tm="100000">
+                                          <p:val>
+                                            <p:fltVal val="0"/>
+                                          </p:val>
+                                        </p:tav>
+                                      </p:tavLst>
+                                    </p:anim>
+                                    <p:animEffect transition="out" filter="fade">
+                                      <p:cBhvr>
+                                        <p:cTn id="18" dur="500"/>
+                                        <p:tgtEl>
+                                          <p:spTgt spid="14"/>
+                                        </p:tgtEl>
+                                      </p:cBhvr>
+                                    </p:animEffect>
+                                    <p:set>
+                                      <p:cBhvr>
+                                        <p:cTn id="19" dur="1" fill="hold">
+                                          <p:stCondLst>
+                                            <p:cond delay="499"/>
+                                          </p:stCondLst>
+                                        </p:cTn>
+                                        <p:tgtEl>
+                                          <p:spTgt spid="14"/>
+                                        </p:tgtEl>
+                                        <p:attrNameLst>
+                                          <p:attrName>style.visibility</p:attrName>
+                                        </p:attrNameLst>
+                                      </p:cBhvr>
+                                      <p:to>
+                                        <p:strVal val="hidden"/>
+                                      </p:to>
+                                    </p:set>
+                                  </p:childTnLst>
+                                </p:cTn>
+                              </p:par>
+                            </p:childTnLst>
+                          </p:cTn>
+                        </p:par>
+                        <p:par>
+                          <p:cTn id="20" fill="hold">
+                            <p:stCondLst>
+                              <p:cond delay="500"/>
+                            </p:stCondLst>
+                            <p:childTnLst>
+                              <p:par>
+                                <p:cTn id="21" presetID="1" presetClass="exit" presetSubtype="0" fill="hold" grpId="1" nodeType="afterEffect">
+                                  <p:stCondLst>
+                                    <p:cond delay="0"/>
+                                  </p:stCondLst>
+                                  <p:childTnLst>
+                                    <p:set>
+                                      <p:cBhvr>
+                                        <p:cTn id="22" dur="1" fill="hold">
+                                          <p:stCondLst>
+                                            <p:cond delay="0"/>
+                                          </p:stCondLst>
+                                        </p:cTn>
+                                        <p:tgtEl>
+                                          <p:spTgt spid="13"/>
+                                        </p:tgtEl>
+                                        <p:attrNameLst>
+                                          <p:attrName>style.visibility</p:attrName>
+                                        </p:attrNameLst>
+                                      </p:cBhvr>
+                                      <p:to>
+                                        <p:strVal val="hidden"/>
+                                      </p:to>
+                                    </p:set>
+                                  </p:childTnLst>
+                                </p:cTn>
+                              </p:par>
+                            </p:childTnLst>
+                          </p:cTn>
+                        </p:par>
+                      </p:childTnLst>
+                    </p:cTn>
+                  </p:par>
+                </p:childTnLst>
+              </p:cTn>
+              <p:prevCondLst>
+                <p:cond evt="onPrev" delay="0">
+                  <p:tgtEl>
+                    <p:sldTgt/>
+                  </p:tgtEl>
+                </p:cond>
+              </p:prevCondLst>
+              <p:nextCondLst>
+                <p:cond evt="onNext" delay="0">
+                  <p:tgtEl>
+                    <p:sldTgt/>
+                  </p:tgtEl>
+                </p:cond>
+              </p:nextCondLst>
+            </p:seq>
+          </p:childTnLst>
+        </p:cTn>
+      </p:par>
+    </p:tnLst>
+    <p:bldLst>
+      <p:bldP spid="13" grpId="0" animBg="1"/>
+      <p:bldP spid="13" grpId="1" animBg="1"/>
+    </p:bldLst>
+  </p:timing>
 </p:sld>
 </file>
 
@@ -18001,9 +19829,10 @@
               <a:buNone/>
             </a:pPr>
             <a:r>
-              <a:rPr lang="fr-FR"/>
-              <a:t>Site</a:t>
+              <a:rPr lang="fr-FR" dirty="0" smtClean="0"/>
+              <a:t>Site web</a:t>
             </a:r>
+            <a:endParaRPr lang="fr-FR" dirty="0"/>
           </a:p>
         </p:txBody>
       </p:sp>
@@ -18097,7 +19926,7 @@
         </p:nvSpPr>
         <p:spPr>
           <a:xfrm>
-            <a:off x="899591" y="1700808"/>
+            <a:off x="899591" y="2177088"/>
             <a:ext cx="6552600" cy="400199"/>
           </a:xfrm>
           <a:prstGeom prst="rect">
@@ -18129,7 +19958,7 @@
               <a:buChar char="•"/>
             </a:pPr>
             <a:r>
-              <a:rPr lang="fr-FR" sz="1800" b="0" i="0" u="none" strike="noStrike" cap="none" baseline="0">
+              <a:rPr lang="fr-FR" sz="1800" b="0" i="0" u="none" strike="noStrike" cap="none" baseline="0" dirty="0">
                 <a:solidFill>
                   <a:schemeClr val="dk1"/>
                 </a:solidFill>
@@ -18141,13 +19970,26 @@
               <a:t>  </a:t>
             </a:r>
             <a:r>
-              <a:rPr lang="fr-FR" sz="2000">
+              <a:rPr lang="fr-FR" sz="2000" dirty="0" smtClean="0">
                 <a:solidFill>
                   <a:schemeClr val="dk1"/>
                 </a:solidFill>
               </a:rPr>
-              <a:t>Hiérarchiser les pages</a:t>
+              <a:t>Principales a</a:t>
             </a:r>
+            <a:r>
+              <a:rPr lang="fr-FR" sz="2000" dirty="0" smtClean="0">
+                <a:solidFill>
+                  <a:schemeClr val="dk1"/>
+                </a:solidFill>
+              </a:rPr>
+              <a:t>méliorations apportées</a:t>
+            </a:r>
+            <a:endParaRPr lang="fr-FR" sz="2000" dirty="0">
+              <a:solidFill>
+                <a:schemeClr val="dk1"/>
+              </a:solidFill>
+            </a:endParaRPr>
           </a:p>
         </p:txBody>
       </p:sp>
@@ -18159,7 +20001,7 @@
         </p:nvSpPr>
         <p:spPr>
           <a:xfrm>
-            <a:off x="1475655" y="2246307"/>
+            <a:off x="1475655" y="3225533"/>
             <a:ext cx="5976600" cy="400199"/>
           </a:xfrm>
           <a:prstGeom prst="rect">
@@ -18191,7 +20033,7 @@
               <a:buChar char="•"/>
             </a:pPr>
             <a:r>
-              <a:rPr lang="fr-FR" sz="1800" b="0" i="0" u="none" strike="noStrike" cap="none" baseline="0">
+              <a:rPr lang="fr-FR" sz="1800" b="0" i="0" u="none" strike="noStrike" cap="none" baseline="0" dirty="0">
                 <a:solidFill>
                   <a:schemeClr val="dk1"/>
                 </a:solidFill>
@@ -18203,13 +20045,26 @@
               <a:t>  </a:t>
             </a:r>
             <a:r>
-              <a:rPr lang="fr-FR" sz="2000">
+              <a:rPr lang="fr-FR" sz="2000" dirty="0">
                 <a:solidFill>
                   <a:schemeClr val="dk1"/>
                 </a:solidFill>
               </a:rPr>
-              <a:t>Création du menu,</a:t>
+              <a:t>Création du </a:t>
             </a:r>
+            <a:r>
+              <a:rPr lang="fr-FR" sz="2000" dirty="0" smtClean="0">
+                <a:solidFill>
+                  <a:schemeClr val="dk1"/>
+                </a:solidFill>
+              </a:rPr>
+              <a:t>menu</a:t>
+            </a:r>
+            <a:endParaRPr lang="fr-FR" sz="2000" dirty="0">
+              <a:solidFill>
+                <a:schemeClr val="dk1"/>
+              </a:solidFill>
+            </a:endParaRPr>
           </a:p>
         </p:txBody>
       </p:sp>
@@ -18221,7 +20076,7 @@
         </p:nvSpPr>
         <p:spPr>
           <a:xfrm>
-            <a:off x="1475655" y="2708919"/>
+            <a:off x="1475655" y="3727010"/>
             <a:ext cx="5976600" cy="400199"/>
           </a:xfrm>
           <a:prstGeom prst="rect">
@@ -18253,7 +20108,7 @@
               <a:buChar char="•"/>
             </a:pPr>
             <a:r>
-              <a:rPr lang="fr-FR" sz="1800" b="0" i="0" u="none" strike="noStrike" cap="none" baseline="0">
+              <a:rPr lang="fr-FR" sz="1800" b="0" i="0" u="none" strike="noStrike" cap="none" baseline="0" dirty="0">
                 <a:solidFill>
                   <a:schemeClr val="dk1"/>
                 </a:solidFill>
@@ -18265,13 +20120,26 @@
               <a:t>  </a:t>
             </a:r>
             <a:r>
-              <a:rPr lang="fr-FR" sz="2000">
+              <a:rPr lang="fr-FR" sz="2000" dirty="0">
                 <a:solidFill>
                   <a:schemeClr val="dk1"/>
                 </a:solidFill>
               </a:rPr>
-              <a:t>Interface administrateur,</a:t>
+              <a:t>Interface </a:t>
             </a:r>
+            <a:r>
+              <a:rPr lang="fr-FR" sz="2000" dirty="0" smtClean="0">
+                <a:solidFill>
+                  <a:schemeClr val="dk1"/>
+                </a:solidFill>
+              </a:rPr>
+              <a:t>administrateur</a:t>
+            </a:r>
+            <a:endParaRPr lang="fr-FR" sz="2000" dirty="0">
+              <a:solidFill>
+                <a:schemeClr val="dk1"/>
+              </a:solidFill>
+            </a:endParaRPr>
           </a:p>
         </p:txBody>
       </p:sp>
@@ -18283,8 +20151,8 @@
         </p:nvSpPr>
         <p:spPr>
           <a:xfrm>
-            <a:off x="1475655" y="3244914"/>
-            <a:ext cx="6840899" cy="400199"/>
+            <a:off x="1475655" y="2711934"/>
+            <a:ext cx="6416733" cy="400199"/>
           </a:xfrm>
           <a:prstGeom prst="rect">
             <a:avLst/>
@@ -18345,7 +20213,7 @@
         </p:nvSpPr>
         <p:spPr>
           <a:xfrm>
-            <a:off x="1475655" y="3748969"/>
+            <a:off x="1475655" y="4225249"/>
             <a:ext cx="5976600" cy="400199"/>
           </a:xfrm>
           <a:prstGeom prst="rect">
@@ -18401,13 +20269,56 @@
       </p:sp>
       <p:sp>
         <p:nvSpPr>
+          <p:cNvPr id="12" name="Rectangle 11"/>
+          <p:cNvSpPr/>
+          <p:nvPr/>
+        </p:nvSpPr>
+        <p:spPr>
+          <a:xfrm>
+            <a:off x="0" y="28600"/>
+            <a:ext cx="9144000" cy="6858000"/>
+          </a:xfrm>
+          <a:prstGeom prst="rect">
+            <a:avLst/>
+          </a:prstGeom>
+          <a:solidFill>
+            <a:srgbClr val="333333">
+              <a:alpha val="83137"/>
+            </a:srgbClr>
+          </a:solidFill>
+        </p:spPr>
+        <p:style>
+          <a:lnRef idx="1">
+            <a:schemeClr val="dk1"/>
+          </a:lnRef>
+          <a:fillRef idx="2">
+            <a:schemeClr val="dk1"/>
+          </a:fillRef>
+          <a:effectRef idx="1">
+            <a:schemeClr val="dk1"/>
+          </a:effectRef>
+          <a:fontRef idx="minor">
+            <a:schemeClr val="dk1"/>
+          </a:fontRef>
+        </p:style>
+        <p:txBody>
+          <a:bodyPr rtlCol="0" anchor="ctr"/>
+          <a:lstStyle/>
+          <a:p>
+            <a:pPr algn="ctr"/>
+            <a:endParaRPr lang="fr-FR"/>
+          </a:p>
+        </p:txBody>
+      </p:sp>
+      <p:sp>
+        <p:nvSpPr>
           <p:cNvPr id="143" name="Shape 143"/>
           <p:cNvSpPr/>
           <p:nvPr/>
         </p:nvSpPr>
         <p:spPr>
           <a:xfrm>
-            <a:off x="4702150" y="0"/>
+            <a:off x="957597" y="1263202"/>
             <a:ext cx="7228807" cy="4331596"/>
           </a:xfrm>
           <a:prstGeom prst="rect">
@@ -18432,7 +20343,7 @@
         </p:nvSpPr>
         <p:spPr>
           <a:xfrm>
-            <a:off x="-1691746" y="1700807"/>
+            <a:off x="957597" y="1263202"/>
             <a:ext cx="7228807" cy="4331597"/>
           </a:xfrm>
           <a:prstGeom prst="rect">
@@ -18457,6 +20368,499 @@
   <p:transition xmlns:p14="http://schemas.microsoft.com/office/powerpoint/2010/main" spd="slow">
     <p:cut/>
   </p:transition>
+  <p:timing>
+    <p:tnLst>
+      <p:par>
+        <p:cTn xmlns:p14="http://schemas.microsoft.com/office/powerpoint/2010/main" id="1" dur="indefinite" restart="never" nodeType="tmRoot">
+          <p:childTnLst>
+            <p:seq concurrent="1" nextAc="seek">
+              <p:cTn id="2" dur="indefinite" nodeType="mainSeq">
+                <p:childTnLst>
+                  <p:par>
+                    <p:cTn id="3" fill="hold">
+                      <p:stCondLst>
+                        <p:cond delay="indefinite"/>
+                      </p:stCondLst>
+                      <p:childTnLst>
+                        <p:par>
+                          <p:cTn id="4" fill="hold">
+                            <p:stCondLst>
+                              <p:cond delay="0"/>
+                            </p:stCondLst>
+                            <p:childTnLst>
+                              <p:par>
+                                <p:cTn id="5" presetID="1" presetClass="entr" presetSubtype="0" fill="hold" grpId="0" nodeType="clickEffect">
+                                  <p:stCondLst>
+                                    <p:cond delay="0"/>
+                                  </p:stCondLst>
+                                  <p:childTnLst>
+                                    <p:set>
+                                      <p:cBhvr>
+                                        <p:cTn id="6" dur="1" fill="hold">
+                                          <p:stCondLst>
+                                            <p:cond delay="0"/>
+                                          </p:stCondLst>
+                                        </p:cTn>
+                                        <p:tgtEl>
+                                          <p:spTgt spid="12"/>
+                                        </p:tgtEl>
+                                        <p:attrNameLst>
+                                          <p:attrName>style.visibility</p:attrName>
+                                        </p:attrNameLst>
+                                      </p:cBhvr>
+                                      <p:to>
+                                        <p:strVal val="visible"/>
+                                      </p:to>
+                                    </p:set>
+                                  </p:childTnLst>
+                                </p:cTn>
+                              </p:par>
+                            </p:childTnLst>
+                          </p:cTn>
+                        </p:par>
+                        <p:par>
+                          <p:cTn id="7" fill="hold">
+                            <p:stCondLst>
+                              <p:cond delay="0"/>
+                            </p:stCondLst>
+                            <p:childTnLst>
+                              <p:par>
+                                <p:cTn id="8" presetID="53" presetClass="entr" presetSubtype="16" fill="hold" nodeType="afterEffect">
+                                  <p:stCondLst>
+                                    <p:cond delay="0"/>
+                                  </p:stCondLst>
+                                  <p:childTnLst>
+                                    <p:set>
+                                      <p:cBhvr>
+                                        <p:cTn id="9" dur="1" fill="hold">
+                                          <p:stCondLst>
+                                            <p:cond delay="0"/>
+                                          </p:stCondLst>
+                                        </p:cTn>
+                                        <p:tgtEl>
+                                          <p:spTgt spid="144"/>
+                                        </p:tgtEl>
+                                        <p:attrNameLst>
+                                          <p:attrName>style.visibility</p:attrName>
+                                        </p:attrNameLst>
+                                      </p:cBhvr>
+                                      <p:to>
+                                        <p:strVal val="visible"/>
+                                      </p:to>
+                                    </p:set>
+                                    <p:anim calcmode="lin" valueType="num">
+                                      <p:cBhvr>
+                                        <p:cTn id="10" dur="500" fill="hold"/>
+                                        <p:tgtEl>
+                                          <p:spTgt spid="144"/>
+                                        </p:tgtEl>
+                                        <p:attrNameLst>
+                                          <p:attrName>ppt_w</p:attrName>
+                                        </p:attrNameLst>
+                                      </p:cBhvr>
+                                      <p:tavLst>
+                                        <p:tav tm="0">
+                                          <p:val>
+                                            <p:fltVal val="0"/>
+                                          </p:val>
+                                        </p:tav>
+                                        <p:tav tm="100000">
+                                          <p:val>
+                                            <p:strVal val="#ppt_w"/>
+                                          </p:val>
+                                        </p:tav>
+                                      </p:tavLst>
+                                    </p:anim>
+                                    <p:anim calcmode="lin" valueType="num">
+                                      <p:cBhvr>
+                                        <p:cTn id="11" dur="500" fill="hold"/>
+                                        <p:tgtEl>
+                                          <p:spTgt spid="144"/>
+                                        </p:tgtEl>
+                                        <p:attrNameLst>
+                                          <p:attrName>ppt_h</p:attrName>
+                                        </p:attrNameLst>
+                                      </p:cBhvr>
+                                      <p:tavLst>
+                                        <p:tav tm="0">
+                                          <p:val>
+                                            <p:fltVal val="0"/>
+                                          </p:val>
+                                        </p:tav>
+                                        <p:tav tm="100000">
+                                          <p:val>
+                                            <p:strVal val="#ppt_h"/>
+                                          </p:val>
+                                        </p:tav>
+                                      </p:tavLst>
+                                    </p:anim>
+                                    <p:animEffect transition="in" filter="fade">
+                                      <p:cBhvr>
+                                        <p:cTn id="12" dur="500"/>
+                                        <p:tgtEl>
+                                          <p:spTgt spid="144"/>
+                                        </p:tgtEl>
+                                      </p:cBhvr>
+                                    </p:animEffect>
+                                  </p:childTnLst>
+                                </p:cTn>
+                              </p:par>
+                            </p:childTnLst>
+                          </p:cTn>
+                        </p:par>
+                      </p:childTnLst>
+                    </p:cTn>
+                  </p:par>
+                  <p:par>
+                    <p:cTn id="13" fill="hold">
+                      <p:stCondLst>
+                        <p:cond delay="indefinite"/>
+                      </p:stCondLst>
+                      <p:childTnLst>
+                        <p:par>
+                          <p:cTn id="14" fill="hold">
+                            <p:stCondLst>
+                              <p:cond delay="0"/>
+                            </p:stCondLst>
+                            <p:childTnLst>
+                              <p:par>
+                                <p:cTn id="15" presetID="53" presetClass="exit" presetSubtype="32" fill="hold" nodeType="clickEffect">
+                                  <p:stCondLst>
+                                    <p:cond delay="0"/>
+                                  </p:stCondLst>
+                                  <p:childTnLst>
+                                    <p:anim calcmode="lin" valueType="num">
+                                      <p:cBhvr>
+                                        <p:cTn id="16" dur="500"/>
+                                        <p:tgtEl>
+                                          <p:spTgt spid="144"/>
+                                        </p:tgtEl>
+                                        <p:attrNameLst>
+                                          <p:attrName>ppt_w</p:attrName>
+                                        </p:attrNameLst>
+                                      </p:cBhvr>
+                                      <p:tavLst>
+                                        <p:tav tm="0">
+                                          <p:val>
+                                            <p:strVal val="ppt_w"/>
+                                          </p:val>
+                                        </p:tav>
+                                        <p:tav tm="100000">
+                                          <p:val>
+                                            <p:fltVal val="0"/>
+                                          </p:val>
+                                        </p:tav>
+                                      </p:tavLst>
+                                    </p:anim>
+                                    <p:anim calcmode="lin" valueType="num">
+                                      <p:cBhvr>
+                                        <p:cTn id="17" dur="500"/>
+                                        <p:tgtEl>
+                                          <p:spTgt spid="144"/>
+                                        </p:tgtEl>
+                                        <p:attrNameLst>
+                                          <p:attrName>ppt_h</p:attrName>
+                                        </p:attrNameLst>
+                                      </p:cBhvr>
+                                      <p:tavLst>
+                                        <p:tav tm="0">
+                                          <p:val>
+                                            <p:strVal val="ppt_h"/>
+                                          </p:val>
+                                        </p:tav>
+                                        <p:tav tm="100000">
+                                          <p:val>
+                                            <p:fltVal val="0"/>
+                                          </p:val>
+                                        </p:tav>
+                                      </p:tavLst>
+                                    </p:anim>
+                                    <p:animEffect transition="out" filter="fade">
+                                      <p:cBhvr>
+                                        <p:cTn id="18" dur="500"/>
+                                        <p:tgtEl>
+                                          <p:spTgt spid="144"/>
+                                        </p:tgtEl>
+                                      </p:cBhvr>
+                                    </p:animEffect>
+                                    <p:set>
+                                      <p:cBhvr>
+                                        <p:cTn id="19" dur="1" fill="hold">
+                                          <p:stCondLst>
+                                            <p:cond delay="499"/>
+                                          </p:stCondLst>
+                                        </p:cTn>
+                                        <p:tgtEl>
+                                          <p:spTgt spid="144"/>
+                                        </p:tgtEl>
+                                        <p:attrNameLst>
+                                          <p:attrName>style.visibility</p:attrName>
+                                        </p:attrNameLst>
+                                      </p:cBhvr>
+                                      <p:to>
+                                        <p:strVal val="hidden"/>
+                                      </p:to>
+                                    </p:set>
+                                  </p:childTnLst>
+                                </p:cTn>
+                              </p:par>
+                            </p:childTnLst>
+                          </p:cTn>
+                        </p:par>
+                        <p:par>
+                          <p:cTn id="20" fill="hold">
+                            <p:stCondLst>
+                              <p:cond delay="500"/>
+                            </p:stCondLst>
+                            <p:childTnLst>
+                              <p:par>
+                                <p:cTn id="21" presetID="53" presetClass="entr" presetSubtype="16" fill="hold" nodeType="afterEffect">
+                                  <p:stCondLst>
+                                    <p:cond delay="0"/>
+                                  </p:stCondLst>
+                                  <p:childTnLst>
+                                    <p:set>
+                                      <p:cBhvr>
+                                        <p:cTn id="22" dur="1" fill="hold">
+                                          <p:stCondLst>
+                                            <p:cond delay="0"/>
+                                          </p:stCondLst>
+                                        </p:cTn>
+                                        <p:tgtEl>
+                                          <p:spTgt spid="143"/>
+                                        </p:tgtEl>
+                                        <p:attrNameLst>
+                                          <p:attrName>style.visibility</p:attrName>
+                                        </p:attrNameLst>
+                                      </p:cBhvr>
+                                      <p:to>
+                                        <p:strVal val="visible"/>
+                                      </p:to>
+                                    </p:set>
+                                    <p:anim calcmode="lin" valueType="num">
+                                      <p:cBhvr>
+                                        <p:cTn id="23" dur="500" fill="hold"/>
+                                        <p:tgtEl>
+                                          <p:spTgt spid="143"/>
+                                        </p:tgtEl>
+                                        <p:attrNameLst>
+                                          <p:attrName>ppt_w</p:attrName>
+                                        </p:attrNameLst>
+                                      </p:cBhvr>
+                                      <p:tavLst>
+                                        <p:tav tm="0">
+                                          <p:val>
+                                            <p:fltVal val="0"/>
+                                          </p:val>
+                                        </p:tav>
+                                        <p:tav tm="100000">
+                                          <p:val>
+                                            <p:strVal val="#ppt_w"/>
+                                          </p:val>
+                                        </p:tav>
+                                      </p:tavLst>
+                                    </p:anim>
+                                    <p:anim calcmode="lin" valueType="num">
+                                      <p:cBhvr>
+                                        <p:cTn id="24" dur="500" fill="hold"/>
+                                        <p:tgtEl>
+                                          <p:spTgt spid="143"/>
+                                        </p:tgtEl>
+                                        <p:attrNameLst>
+                                          <p:attrName>ppt_h</p:attrName>
+                                        </p:attrNameLst>
+                                      </p:cBhvr>
+                                      <p:tavLst>
+                                        <p:tav tm="0">
+                                          <p:val>
+                                            <p:fltVal val="0"/>
+                                          </p:val>
+                                        </p:tav>
+                                        <p:tav tm="100000">
+                                          <p:val>
+                                            <p:strVal val="#ppt_h"/>
+                                          </p:val>
+                                        </p:tav>
+                                      </p:tavLst>
+                                    </p:anim>
+                                    <p:animEffect transition="in" filter="fade">
+                                      <p:cBhvr>
+                                        <p:cTn id="25" dur="500"/>
+                                        <p:tgtEl>
+                                          <p:spTgt spid="143"/>
+                                        </p:tgtEl>
+                                      </p:cBhvr>
+                                    </p:animEffect>
+                                  </p:childTnLst>
+                                </p:cTn>
+                              </p:par>
+                            </p:childTnLst>
+                          </p:cTn>
+                        </p:par>
+                      </p:childTnLst>
+                    </p:cTn>
+                  </p:par>
+                  <p:par>
+                    <p:cTn id="26" fill="hold">
+                      <p:stCondLst>
+                        <p:cond delay="indefinite"/>
+                      </p:stCondLst>
+                      <p:childTnLst>
+                        <p:par>
+                          <p:cTn id="27" fill="hold">
+                            <p:stCondLst>
+                              <p:cond delay="0"/>
+                            </p:stCondLst>
+                            <p:childTnLst>
+                              <p:par>
+                                <p:cTn id="28" presetID="53" presetClass="exit" presetSubtype="32" fill="hold" nodeType="clickEffect">
+                                  <p:stCondLst>
+                                    <p:cond delay="0"/>
+                                  </p:stCondLst>
+                                  <p:childTnLst>
+                                    <p:anim calcmode="lin" valueType="num">
+                                      <p:cBhvr>
+                                        <p:cTn id="29" dur="500"/>
+                                        <p:tgtEl>
+                                          <p:spTgt spid="143"/>
+                                        </p:tgtEl>
+                                        <p:attrNameLst>
+                                          <p:attrName>ppt_w</p:attrName>
+                                        </p:attrNameLst>
+                                      </p:cBhvr>
+                                      <p:tavLst>
+                                        <p:tav tm="0">
+                                          <p:val>
+                                            <p:strVal val="ppt_w"/>
+                                          </p:val>
+                                        </p:tav>
+                                        <p:tav tm="100000">
+                                          <p:val>
+                                            <p:fltVal val="0"/>
+                                          </p:val>
+                                        </p:tav>
+                                      </p:tavLst>
+                                    </p:anim>
+                                    <p:anim calcmode="lin" valueType="num">
+                                      <p:cBhvr>
+                                        <p:cTn id="30" dur="500"/>
+                                        <p:tgtEl>
+                                          <p:spTgt spid="143"/>
+                                        </p:tgtEl>
+                                        <p:attrNameLst>
+                                          <p:attrName>ppt_h</p:attrName>
+                                        </p:attrNameLst>
+                                      </p:cBhvr>
+                                      <p:tavLst>
+                                        <p:tav tm="0">
+                                          <p:val>
+                                            <p:strVal val="ppt_h"/>
+                                          </p:val>
+                                        </p:tav>
+                                        <p:tav tm="100000">
+                                          <p:val>
+                                            <p:fltVal val="0"/>
+                                          </p:val>
+                                        </p:tav>
+                                      </p:tavLst>
+                                    </p:anim>
+                                    <p:animEffect transition="out" filter="fade">
+                                      <p:cBhvr>
+                                        <p:cTn id="31" dur="500"/>
+                                        <p:tgtEl>
+                                          <p:spTgt spid="143"/>
+                                        </p:tgtEl>
+                                      </p:cBhvr>
+                                    </p:animEffect>
+                                    <p:set>
+                                      <p:cBhvr>
+                                        <p:cTn id="32" dur="1" fill="hold">
+                                          <p:stCondLst>
+                                            <p:cond delay="499"/>
+                                          </p:stCondLst>
+                                        </p:cTn>
+                                        <p:tgtEl>
+                                          <p:spTgt spid="143"/>
+                                        </p:tgtEl>
+                                        <p:attrNameLst>
+                                          <p:attrName>style.visibility</p:attrName>
+                                        </p:attrNameLst>
+                                      </p:cBhvr>
+                                      <p:to>
+                                        <p:strVal val="hidden"/>
+                                      </p:to>
+                                    </p:set>
+                                  </p:childTnLst>
+                                </p:cTn>
+                              </p:par>
+                            </p:childTnLst>
+                          </p:cTn>
+                        </p:par>
+                        <p:par>
+                          <p:cTn id="33" fill="hold">
+                            <p:stCondLst>
+                              <p:cond delay="500"/>
+                            </p:stCondLst>
+                            <p:childTnLst>
+                              <p:par>
+                                <p:cTn id="34" presetID="1" presetClass="exit" presetSubtype="0" fill="hold" grpId="1" nodeType="afterEffect">
+                                  <p:stCondLst>
+                                    <p:cond delay="0"/>
+                                  </p:stCondLst>
+                                  <p:childTnLst>
+                                    <p:set>
+                                      <p:cBhvr>
+                                        <p:cTn id="35" dur="1" fill="hold">
+                                          <p:stCondLst>
+                                            <p:cond delay="0"/>
+                                          </p:stCondLst>
+                                        </p:cTn>
+                                        <p:tgtEl>
+                                          <p:spTgt spid="12"/>
+                                        </p:tgtEl>
+                                        <p:attrNameLst>
+                                          <p:attrName>style.visibility</p:attrName>
+                                        </p:attrNameLst>
+                                      </p:cBhvr>
+                                      <p:to>
+                                        <p:strVal val="hidden"/>
+                                      </p:to>
+                                    </p:set>
+                                  </p:childTnLst>
+                                </p:cTn>
+                              </p:par>
+                            </p:childTnLst>
+                          </p:cTn>
+                        </p:par>
+                      </p:childTnLst>
+                    </p:cTn>
+                  </p:par>
+                </p:childTnLst>
+              </p:cTn>
+              <p:prevCondLst>
+                <p:cond evt="onPrev" delay="0">
+                  <p:tgtEl>
+                    <p:sldTgt/>
+                  </p:tgtEl>
+                </p:cond>
+              </p:prevCondLst>
+              <p:nextCondLst>
+                <p:cond evt="onNext" delay="0">
+                  <p:tgtEl>
+                    <p:sldTgt/>
+                  </p:tgtEl>
+                </p:cond>
+              </p:nextCondLst>
+            </p:seq>
+          </p:childTnLst>
+        </p:cTn>
+      </p:par>
+    </p:tnLst>
+    <p:bldLst>
+      <p:bldP spid="12" grpId="0" animBg="1"/>
+      <p:bldP spid="12" grpId="1" animBg="1"/>
+    </p:bldLst>
+  </p:timing>
 </p:sld>
 </file>
 
@@ -18517,9 +20921,10 @@
               <a:buNone/>
             </a:pPr>
             <a:r>
-              <a:rPr lang="fr-FR"/>
-              <a:t>Site</a:t>
+              <a:rPr lang="fr-FR" dirty="0" smtClean="0"/>
+              <a:t>Site web</a:t>
             </a:r>
+            <a:endParaRPr lang="fr-FR" dirty="0"/>
           </a:p>
         </p:txBody>
       </p:sp>
@@ -18645,7 +21050,7 @@
               <a:buChar char="•"/>
             </a:pPr>
             <a:r>
-              <a:rPr lang="fr-FR" sz="1800" b="0" i="0" u="none" strike="noStrike" cap="none" baseline="0">
+              <a:rPr lang="fr-FR" sz="1800" b="0" i="0" u="none" strike="noStrike" cap="none" baseline="0" dirty="0">
                 <a:solidFill>
                   <a:schemeClr val="dk1"/>
                 </a:solidFill>
@@ -18657,13 +21062,26 @@
               <a:t>  </a:t>
             </a:r>
             <a:r>
-              <a:rPr lang="fr-FR" sz="2000">
+              <a:rPr lang="fr-FR" sz="2000" dirty="0">
                 <a:solidFill>
                   <a:schemeClr val="dk1"/>
                 </a:solidFill>
               </a:rPr>
-              <a:t>Campagne / Parcelle / Piége</a:t>
+              <a:t>Campagne / Parcelle / </a:t>
             </a:r>
+            <a:r>
+              <a:rPr lang="fr-FR" sz="2000" dirty="0" smtClean="0">
+                <a:solidFill>
+                  <a:schemeClr val="dk1"/>
+                </a:solidFill>
+              </a:rPr>
+              <a:t>Piège</a:t>
+            </a:r>
+            <a:endParaRPr lang="fr-FR" sz="2000" dirty="0">
+              <a:solidFill>
+                <a:schemeClr val="dk1"/>
+              </a:solidFill>
+            </a:endParaRPr>
           </a:p>
         </p:txBody>
       </p:sp>
@@ -18737,7 +21155,7 @@
         </p:nvSpPr>
         <p:spPr>
           <a:xfrm>
-            <a:off x="1475655" y="2708919"/>
+            <a:off x="1475655" y="2731599"/>
             <a:ext cx="5976600" cy="400199"/>
           </a:xfrm>
           <a:prstGeom prst="rect">
@@ -18979,13 +21397,56 @@
       </p:sp>
       <p:sp>
         <p:nvSpPr>
+          <p:cNvPr id="15" name="Rectangle 14"/>
+          <p:cNvSpPr/>
+          <p:nvPr/>
+        </p:nvSpPr>
+        <p:spPr>
+          <a:xfrm>
+            <a:off x="0" y="28600"/>
+            <a:ext cx="9144000" cy="6858000"/>
+          </a:xfrm>
+          <a:prstGeom prst="rect">
+            <a:avLst/>
+          </a:prstGeom>
+          <a:solidFill>
+            <a:srgbClr val="333333">
+              <a:alpha val="83137"/>
+            </a:srgbClr>
+          </a:solidFill>
+        </p:spPr>
+        <p:style>
+          <a:lnRef idx="1">
+            <a:schemeClr val="dk1"/>
+          </a:lnRef>
+          <a:fillRef idx="2">
+            <a:schemeClr val="dk1"/>
+          </a:fillRef>
+          <a:effectRef idx="1">
+            <a:schemeClr val="dk1"/>
+          </a:effectRef>
+          <a:fontRef idx="minor">
+            <a:schemeClr val="dk1"/>
+          </a:fontRef>
+        </p:style>
+        <p:txBody>
+          <a:bodyPr rtlCol="0" anchor="ctr"/>
+          <a:lstStyle/>
+          <a:p>
+            <a:pPr algn="ctr"/>
+            <a:endParaRPr lang="fr-FR"/>
+          </a:p>
+        </p:txBody>
+      </p:sp>
+      <p:sp>
+        <p:nvSpPr>
           <p:cNvPr id="159" name="Shape 159"/>
           <p:cNvSpPr/>
           <p:nvPr/>
         </p:nvSpPr>
         <p:spPr>
           <a:xfrm>
-            <a:off x="4206112" y="714300"/>
+            <a:off x="2328863" y="3171825"/>
             <a:ext cx="4486275" cy="514350"/>
           </a:xfrm>
           <a:prstGeom prst="rect">
@@ -19004,14 +21465,14 @@
       </p:sp>
       <p:sp>
         <p:nvSpPr>
-          <p:cNvPr id="160" name="Shape 160"/>
+          <p:cNvPr id="161" name="Shape 161"/>
           <p:cNvSpPr/>
           <p:nvPr/>
         </p:nvSpPr>
         <p:spPr>
           <a:xfrm>
-            <a:off x="-4463962" y="2059126"/>
-            <a:ext cx="4810125" cy="2771775"/>
+            <a:off x="3114675" y="1252538"/>
+            <a:ext cx="2914650" cy="4352925"/>
           </a:xfrm>
           <a:prstGeom prst="rect">
             <a:avLst/>
@@ -19029,14 +21490,14 @@
       </p:sp>
       <p:sp>
         <p:nvSpPr>
-          <p:cNvPr id="161" name="Shape 161"/>
+          <p:cNvPr id="162" name="Shape 162"/>
           <p:cNvSpPr/>
           <p:nvPr/>
         </p:nvSpPr>
         <p:spPr>
           <a:xfrm>
-            <a:off x="8383075" y="2003425"/>
-            <a:ext cx="2914650" cy="4352925"/>
+            <a:off x="2138363" y="1604582"/>
+            <a:ext cx="4867275" cy="3638550"/>
           </a:xfrm>
           <a:prstGeom prst="rect">
             <a:avLst/>
@@ -19054,14 +21515,14 @@
       </p:sp>
       <p:sp>
         <p:nvSpPr>
-          <p:cNvPr id="162" name="Shape 162"/>
+          <p:cNvPr id="160" name="Shape 160"/>
           <p:cNvSpPr/>
           <p:nvPr/>
         </p:nvSpPr>
         <p:spPr>
           <a:xfrm>
-            <a:off x="85725" y="5243100"/>
-            <a:ext cx="4867275" cy="3638550"/>
+            <a:off x="2166938" y="1859026"/>
+            <a:ext cx="4810125" cy="2771775"/>
           </a:xfrm>
           <a:prstGeom prst="rect">
             <a:avLst/>
@@ -19085,6 +21546,877 @@
   <p:transition xmlns:p14="http://schemas.microsoft.com/office/powerpoint/2010/main" spd="slow">
     <p:cut/>
   </p:transition>
+  <p:timing>
+    <p:tnLst>
+      <p:par>
+        <p:cTn xmlns:p14="http://schemas.microsoft.com/office/powerpoint/2010/main" id="1" dur="indefinite" restart="never" nodeType="tmRoot">
+          <p:childTnLst>
+            <p:seq concurrent="1" nextAc="seek">
+              <p:cTn id="2" dur="indefinite" nodeType="mainSeq">
+                <p:childTnLst>
+                  <p:par>
+                    <p:cTn id="3" fill="hold">
+                      <p:stCondLst>
+                        <p:cond delay="indefinite"/>
+                      </p:stCondLst>
+                      <p:childTnLst>
+                        <p:par>
+                          <p:cTn id="4" fill="hold">
+                            <p:stCondLst>
+                              <p:cond delay="0"/>
+                            </p:stCondLst>
+                            <p:childTnLst>
+                              <p:par>
+                                <p:cTn id="5" presetID="1" presetClass="entr" presetSubtype="0" fill="hold" grpId="0" nodeType="clickEffect">
+                                  <p:stCondLst>
+                                    <p:cond delay="0"/>
+                                  </p:stCondLst>
+                                  <p:childTnLst>
+                                    <p:set>
+                                      <p:cBhvr>
+                                        <p:cTn id="6" dur="1" fill="hold">
+                                          <p:stCondLst>
+                                            <p:cond delay="0"/>
+                                          </p:stCondLst>
+                                        </p:cTn>
+                                        <p:tgtEl>
+                                          <p:spTgt spid="15"/>
+                                        </p:tgtEl>
+                                        <p:attrNameLst>
+                                          <p:attrName>style.visibility</p:attrName>
+                                        </p:attrNameLst>
+                                      </p:cBhvr>
+                                      <p:to>
+                                        <p:strVal val="visible"/>
+                                      </p:to>
+                                    </p:set>
+                                  </p:childTnLst>
+                                </p:cTn>
+                              </p:par>
+                            </p:childTnLst>
+                          </p:cTn>
+                        </p:par>
+                        <p:par>
+                          <p:cTn id="7" fill="hold">
+                            <p:stCondLst>
+                              <p:cond delay="0"/>
+                            </p:stCondLst>
+                            <p:childTnLst>
+                              <p:par>
+                                <p:cTn id="8" presetID="53" presetClass="entr" presetSubtype="16" fill="hold" nodeType="afterEffect">
+                                  <p:stCondLst>
+                                    <p:cond delay="0"/>
+                                  </p:stCondLst>
+                                  <p:childTnLst>
+                                    <p:set>
+                                      <p:cBhvr>
+                                        <p:cTn id="9" dur="1" fill="hold">
+                                          <p:stCondLst>
+                                            <p:cond delay="0"/>
+                                          </p:stCondLst>
+                                        </p:cTn>
+                                        <p:tgtEl>
+                                          <p:spTgt spid="159"/>
+                                        </p:tgtEl>
+                                        <p:attrNameLst>
+                                          <p:attrName>style.visibility</p:attrName>
+                                        </p:attrNameLst>
+                                      </p:cBhvr>
+                                      <p:to>
+                                        <p:strVal val="visible"/>
+                                      </p:to>
+                                    </p:set>
+                                    <p:anim calcmode="lin" valueType="num">
+                                      <p:cBhvr>
+                                        <p:cTn id="10" dur="500" fill="hold"/>
+                                        <p:tgtEl>
+                                          <p:spTgt spid="159"/>
+                                        </p:tgtEl>
+                                        <p:attrNameLst>
+                                          <p:attrName>ppt_w</p:attrName>
+                                        </p:attrNameLst>
+                                      </p:cBhvr>
+                                      <p:tavLst>
+                                        <p:tav tm="0">
+                                          <p:val>
+                                            <p:fltVal val="0"/>
+                                          </p:val>
+                                        </p:tav>
+                                        <p:tav tm="100000">
+                                          <p:val>
+                                            <p:strVal val="#ppt_w"/>
+                                          </p:val>
+                                        </p:tav>
+                                      </p:tavLst>
+                                    </p:anim>
+                                    <p:anim calcmode="lin" valueType="num">
+                                      <p:cBhvr>
+                                        <p:cTn id="11" dur="500" fill="hold"/>
+                                        <p:tgtEl>
+                                          <p:spTgt spid="159"/>
+                                        </p:tgtEl>
+                                        <p:attrNameLst>
+                                          <p:attrName>ppt_h</p:attrName>
+                                        </p:attrNameLst>
+                                      </p:cBhvr>
+                                      <p:tavLst>
+                                        <p:tav tm="0">
+                                          <p:val>
+                                            <p:fltVal val="0"/>
+                                          </p:val>
+                                        </p:tav>
+                                        <p:tav tm="100000">
+                                          <p:val>
+                                            <p:strVal val="#ppt_h"/>
+                                          </p:val>
+                                        </p:tav>
+                                      </p:tavLst>
+                                    </p:anim>
+                                    <p:animEffect transition="in" filter="fade">
+                                      <p:cBhvr>
+                                        <p:cTn id="12" dur="500"/>
+                                        <p:tgtEl>
+                                          <p:spTgt spid="159"/>
+                                        </p:tgtEl>
+                                      </p:cBhvr>
+                                    </p:animEffect>
+                                  </p:childTnLst>
+                                </p:cTn>
+                              </p:par>
+                            </p:childTnLst>
+                          </p:cTn>
+                        </p:par>
+                      </p:childTnLst>
+                    </p:cTn>
+                  </p:par>
+                  <p:par>
+                    <p:cTn id="13" fill="hold">
+                      <p:stCondLst>
+                        <p:cond delay="indefinite"/>
+                      </p:stCondLst>
+                      <p:childTnLst>
+                        <p:par>
+                          <p:cTn id="14" fill="hold">
+                            <p:stCondLst>
+                              <p:cond delay="0"/>
+                            </p:stCondLst>
+                            <p:childTnLst>
+                              <p:par>
+                                <p:cTn id="15" presetID="53" presetClass="exit" presetSubtype="32" fill="hold" nodeType="clickEffect">
+                                  <p:stCondLst>
+                                    <p:cond delay="0"/>
+                                  </p:stCondLst>
+                                  <p:childTnLst>
+                                    <p:anim calcmode="lin" valueType="num">
+                                      <p:cBhvr>
+                                        <p:cTn id="16" dur="500"/>
+                                        <p:tgtEl>
+                                          <p:spTgt spid="159"/>
+                                        </p:tgtEl>
+                                        <p:attrNameLst>
+                                          <p:attrName>ppt_w</p:attrName>
+                                        </p:attrNameLst>
+                                      </p:cBhvr>
+                                      <p:tavLst>
+                                        <p:tav tm="0">
+                                          <p:val>
+                                            <p:strVal val="ppt_w"/>
+                                          </p:val>
+                                        </p:tav>
+                                        <p:tav tm="100000">
+                                          <p:val>
+                                            <p:fltVal val="0"/>
+                                          </p:val>
+                                        </p:tav>
+                                      </p:tavLst>
+                                    </p:anim>
+                                    <p:anim calcmode="lin" valueType="num">
+                                      <p:cBhvr>
+                                        <p:cTn id="17" dur="500"/>
+                                        <p:tgtEl>
+                                          <p:spTgt spid="159"/>
+                                        </p:tgtEl>
+                                        <p:attrNameLst>
+                                          <p:attrName>ppt_h</p:attrName>
+                                        </p:attrNameLst>
+                                      </p:cBhvr>
+                                      <p:tavLst>
+                                        <p:tav tm="0">
+                                          <p:val>
+                                            <p:strVal val="ppt_h"/>
+                                          </p:val>
+                                        </p:tav>
+                                        <p:tav tm="100000">
+                                          <p:val>
+                                            <p:fltVal val="0"/>
+                                          </p:val>
+                                        </p:tav>
+                                      </p:tavLst>
+                                    </p:anim>
+                                    <p:animEffect transition="out" filter="fade">
+                                      <p:cBhvr>
+                                        <p:cTn id="18" dur="500"/>
+                                        <p:tgtEl>
+                                          <p:spTgt spid="159"/>
+                                        </p:tgtEl>
+                                      </p:cBhvr>
+                                    </p:animEffect>
+                                    <p:set>
+                                      <p:cBhvr>
+                                        <p:cTn id="19" dur="1" fill="hold">
+                                          <p:stCondLst>
+                                            <p:cond delay="499"/>
+                                          </p:stCondLst>
+                                        </p:cTn>
+                                        <p:tgtEl>
+                                          <p:spTgt spid="159"/>
+                                        </p:tgtEl>
+                                        <p:attrNameLst>
+                                          <p:attrName>style.visibility</p:attrName>
+                                        </p:attrNameLst>
+                                      </p:cBhvr>
+                                      <p:to>
+                                        <p:strVal val="hidden"/>
+                                      </p:to>
+                                    </p:set>
+                                  </p:childTnLst>
+                                </p:cTn>
+                              </p:par>
+                            </p:childTnLst>
+                          </p:cTn>
+                        </p:par>
+                        <p:par>
+                          <p:cTn id="20" fill="hold">
+                            <p:stCondLst>
+                              <p:cond delay="500"/>
+                            </p:stCondLst>
+                            <p:childTnLst>
+                              <p:par>
+                                <p:cTn id="21" presetID="53" presetClass="entr" presetSubtype="16" fill="hold" nodeType="afterEffect">
+                                  <p:stCondLst>
+                                    <p:cond delay="0"/>
+                                  </p:stCondLst>
+                                  <p:childTnLst>
+                                    <p:set>
+                                      <p:cBhvr>
+                                        <p:cTn id="22" dur="1" fill="hold">
+                                          <p:stCondLst>
+                                            <p:cond delay="0"/>
+                                          </p:stCondLst>
+                                        </p:cTn>
+                                        <p:tgtEl>
+                                          <p:spTgt spid="161"/>
+                                        </p:tgtEl>
+                                        <p:attrNameLst>
+                                          <p:attrName>style.visibility</p:attrName>
+                                        </p:attrNameLst>
+                                      </p:cBhvr>
+                                      <p:to>
+                                        <p:strVal val="visible"/>
+                                      </p:to>
+                                    </p:set>
+                                    <p:anim calcmode="lin" valueType="num">
+                                      <p:cBhvr>
+                                        <p:cTn id="23" dur="500" fill="hold"/>
+                                        <p:tgtEl>
+                                          <p:spTgt spid="161"/>
+                                        </p:tgtEl>
+                                        <p:attrNameLst>
+                                          <p:attrName>ppt_w</p:attrName>
+                                        </p:attrNameLst>
+                                      </p:cBhvr>
+                                      <p:tavLst>
+                                        <p:tav tm="0">
+                                          <p:val>
+                                            <p:fltVal val="0"/>
+                                          </p:val>
+                                        </p:tav>
+                                        <p:tav tm="100000">
+                                          <p:val>
+                                            <p:strVal val="#ppt_w"/>
+                                          </p:val>
+                                        </p:tav>
+                                      </p:tavLst>
+                                    </p:anim>
+                                    <p:anim calcmode="lin" valueType="num">
+                                      <p:cBhvr>
+                                        <p:cTn id="24" dur="500" fill="hold"/>
+                                        <p:tgtEl>
+                                          <p:spTgt spid="161"/>
+                                        </p:tgtEl>
+                                        <p:attrNameLst>
+                                          <p:attrName>ppt_h</p:attrName>
+                                        </p:attrNameLst>
+                                      </p:cBhvr>
+                                      <p:tavLst>
+                                        <p:tav tm="0">
+                                          <p:val>
+                                            <p:fltVal val="0"/>
+                                          </p:val>
+                                        </p:tav>
+                                        <p:tav tm="100000">
+                                          <p:val>
+                                            <p:strVal val="#ppt_h"/>
+                                          </p:val>
+                                        </p:tav>
+                                      </p:tavLst>
+                                    </p:anim>
+                                    <p:animEffect transition="in" filter="fade">
+                                      <p:cBhvr>
+                                        <p:cTn id="25" dur="500"/>
+                                        <p:tgtEl>
+                                          <p:spTgt spid="161"/>
+                                        </p:tgtEl>
+                                      </p:cBhvr>
+                                    </p:animEffect>
+                                  </p:childTnLst>
+                                </p:cTn>
+                              </p:par>
+                            </p:childTnLst>
+                          </p:cTn>
+                        </p:par>
+                      </p:childTnLst>
+                    </p:cTn>
+                  </p:par>
+                  <p:par>
+                    <p:cTn id="26" fill="hold">
+                      <p:stCondLst>
+                        <p:cond delay="indefinite"/>
+                      </p:stCondLst>
+                      <p:childTnLst>
+                        <p:par>
+                          <p:cTn id="27" fill="hold">
+                            <p:stCondLst>
+                              <p:cond delay="0"/>
+                            </p:stCondLst>
+                            <p:childTnLst>
+                              <p:par>
+                                <p:cTn id="28" presetID="53" presetClass="exit" presetSubtype="32" fill="hold" nodeType="clickEffect">
+                                  <p:stCondLst>
+                                    <p:cond delay="0"/>
+                                  </p:stCondLst>
+                                  <p:childTnLst>
+                                    <p:anim calcmode="lin" valueType="num">
+                                      <p:cBhvr>
+                                        <p:cTn id="29" dur="500"/>
+                                        <p:tgtEl>
+                                          <p:spTgt spid="161"/>
+                                        </p:tgtEl>
+                                        <p:attrNameLst>
+                                          <p:attrName>ppt_w</p:attrName>
+                                        </p:attrNameLst>
+                                      </p:cBhvr>
+                                      <p:tavLst>
+                                        <p:tav tm="0">
+                                          <p:val>
+                                            <p:strVal val="ppt_w"/>
+                                          </p:val>
+                                        </p:tav>
+                                        <p:tav tm="100000">
+                                          <p:val>
+                                            <p:fltVal val="0"/>
+                                          </p:val>
+                                        </p:tav>
+                                      </p:tavLst>
+                                    </p:anim>
+                                    <p:anim calcmode="lin" valueType="num">
+                                      <p:cBhvr>
+                                        <p:cTn id="30" dur="500"/>
+                                        <p:tgtEl>
+                                          <p:spTgt spid="161"/>
+                                        </p:tgtEl>
+                                        <p:attrNameLst>
+                                          <p:attrName>ppt_h</p:attrName>
+                                        </p:attrNameLst>
+                                      </p:cBhvr>
+                                      <p:tavLst>
+                                        <p:tav tm="0">
+                                          <p:val>
+                                            <p:strVal val="ppt_h"/>
+                                          </p:val>
+                                        </p:tav>
+                                        <p:tav tm="100000">
+                                          <p:val>
+                                            <p:fltVal val="0"/>
+                                          </p:val>
+                                        </p:tav>
+                                      </p:tavLst>
+                                    </p:anim>
+                                    <p:animEffect transition="out" filter="fade">
+                                      <p:cBhvr>
+                                        <p:cTn id="31" dur="500"/>
+                                        <p:tgtEl>
+                                          <p:spTgt spid="161"/>
+                                        </p:tgtEl>
+                                      </p:cBhvr>
+                                    </p:animEffect>
+                                    <p:set>
+                                      <p:cBhvr>
+                                        <p:cTn id="32" dur="1" fill="hold">
+                                          <p:stCondLst>
+                                            <p:cond delay="499"/>
+                                          </p:stCondLst>
+                                        </p:cTn>
+                                        <p:tgtEl>
+                                          <p:spTgt spid="161"/>
+                                        </p:tgtEl>
+                                        <p:attrNameLst>
+                                          <p:attrName>style.visibility</p:attrName>
+                                        </p:attrNameLst>
+                                      </p:cBhvr>
+                                      <p:to>
+                                        <p:strVal val="hidden"/>
+                                      </p:to>
+                                    </p:set>
+                                  </p:childTnLst>
+                                </p:cTn>
+                              </p:par>
+                            </p:childTnLst>
+                          </p:cTn>
+                        </p:par>
+                        <p:par>
+                          <p:cTn id="33" fill="hold">
+                            <p:stCondLst>
+                              <p:cond delay="500"/>
+                            </p:stCondLst>
+                            <p:childTnLst>
+                              <p:par>
+                                <p:cTn id="34" presetID="53" presetClass="entr" presetSubtype="16" fill="hold" nodeType="afterEffect">
+                                  <p:stCondLst>
+                                    <p:cond delay="0"/>
+                                  </p:stCondLst>
+                                  <p:childTnLst>
+                                    <p:set>
+                                      <p:cBhvr>
+                                        <p:cTn id="35" dur="1" fill="hold">
+                                          <p:stCondLst>
+                                            <p:cond delay="0"/>
+                                          </p:stCondLst>
+                                        </p:cTn>
+                                        <p:tgtEl>
+                                          <p:spTgt spid="160"/>
+                                        </p:tgtEl>
+                                        <p:attrNameLst>
+                                          <p:attrName>style.visibility</p:attrName>
+                                        </p:attrNameLst>
+                                      </p:cBhvr>
+                                      <p:to>
+                                        <p:strVal val="visible"/>
+                                      </p:to>
+                                    </p:set>
+                                    <p:anim calcmode="lin" valueType="num">
+                                      <p:cBhvr>
+                                        <p:cTn id="36" dur="500" fill="hold"/>
+                                        <p:tgtEl>
+                                          <p:spTgt spid="160"/>
+                                        </p:tgtEl>
+                                        <p:attrNameLst>
+                                          <p:attrName>ppt_w</p:attrName>
+                                        </p:attrNameLst>
+                                      </p:cBhvr>
+                                      <p:tavLst>
+                                        <p:tav tm="0">
+                                          <p:val>
+                                            <p:fltVal val="0"/>
+                                          </p:val>
+                                        </p:tav>
+                                        <p:tav tm="100000">
+                                          <p:val>
+                                            <p:strVal val="#ppt_w"/>
+                                          </p:val>
+                                        </p:tav>
+                                      </p:tavLst>
+                                    </p:anim>
+                                    <p:anim calcmode="lin" valueType="num">
+                                      <p:cBhvr>
+                                        <p:cTn id="37" dur="500" fill="hold"/>
+                                        <p:tgtEl>
+                                          <p:spTgt spid="160"/>
+                                        </p:tgtEl>
+                                        <p:attrNameLst>
+                                          <p:attrName>ppt_h</p:attrName>
+                                        </p:attrNameLst>
+                                      </p:cBhvr>
+                                      <p:tavLst>
+                                        <p:tav tm="0">
+                                          <p:val>
+                                            <p:fltVal val="0"/>
+                                          </p:val>
+                                        </p:tav>
+                                        <p:tav tm="100000">
+                                          <p:val>
+                                            <p:strVal val="#ppt_h"/>
+                                          </p:val>
+                                        </p:tav>
+                                      </p:tavLst>
+                                    </p:anim>
+                                    <p:animEffect transition="in" filter="fade">
+                                      <p:cBhvr>
+                                        <p:cTn id="38" dur="500"/>
+                                        <p:tgtEl>
+                                          <p:spTgt spid="160"/>
+                                        </p:tgtEl>
+                                      </p:cBhvr>
+                                    </p:animEffect>
+                                  </p:childTnLst>
+                                </p:cTn>
+                              </p:par>
+                            </p:childTnLst>
+                          </p:cTn>
+                        </p:par>
+                      </p:childTnLst>
+                    </p:cTn>
+                  </p:par>
+                  <p:par>
+                    <p:cTn id="39" fill="hold">
+                      <p:stCondLst>
+                        <p:cond delay="indefinite"/>
+                      </p:stCondLst>
+                      <p:childTnLst>
+                        <p:par>
+                          <p:cTn id="40" fill="hold">
+                            <p:stCondLst>
+                              <p:cond delay="0"/>
+                            </p:stCondLst>
+                            <p:childTnLst>
+                              <p:par>
+                                <p:cTn id="41" presetID="53" presetClass="exit" presetSubtype="32" fill="hold" nodeType="clickEffect">
+                                  <p:stCondLst>
+                                    <p:cond delay="0"/>
+                                  </p:stCondLst>
+                                  <p:childTnLst>
+                                    <p:anim calcmode="lin" valueType="num">
+                                      <p:cBhvr>
+                                        <p:cTn id="42" dur="500"/>
+                                        <p:tgtEl>
+                                          <p:spTgt spid="160"/>
+                                        </p:tgtEl>
+                                        <p:attrNameLst>
+                                          <p:attrName>ppt_w</p:attrName>
+                                        </p:attrNameLst>
+                                      </p:cBhvr>
+                                      <p:tavLst>
+                                        <p:tav tm="0">
+                                          <p:val>
+                                            <p:strVal val="ppt_w"/>
+                                          </p:val>
+                                        </p:tav>
+                                        <p:tav tm="100000">
+                                          <p:val>
+                                            <p:fltVal val="0"/>
+                                          </p:val>
+                                        </p:tav>
+                                      </p:tavLst>
+                                    </p:anim>
+                                    <p:anim calcmode="lin" valueType="num">
+                                      <p:cBhvr>
+                                        <p:cTn id="43" dur="500"/>
+                                        <p:tgtEl>
+                                          <p:spTgt spid="160"/>
+                                        </p:tgtEl>
+                                        <p:attrNameLst>
+                                          <p:attrName>ppt_h</p:attrName>
+                                        </p:attrNameLst>
+                                      </p:cBhvr>
+                                      <p:tavLst>
+                                        <p:tav tm="0">
+                                          <p:val>
+                                            <p:strVal val="ppt_h"/>
+                                          </p:val>
+                                        </p:tav>
+                                        <p:tav tm="100000">
+                                          <p:val>
+                                            <p:fltVal val="0"/>
+                                          </p:val>
+                                        </p:tav>
+                                      </p:tavLst>
+                                    </p:anim>
+                                    <p:animEffect transition="out" filter="fade">
+                                      <p:cBhvr>
+                                        <p:cTn id="44" dur="500"/>
+                                        <p:tgtEl>
+                                          <p:spTgt spid="160"/>
+                                        </p:tgtEl>
+                                      </p:cBhvr>
+                                    </p:animEffect>
+                                    <p:set>
+                                      <p:cBhvr>
+                                        <p:cTn id="45" dur="1" fill="hold">
+                                          <p:stCondLst>
+                                            <p:cond delay="499"/>
+                                          </p:stCondLst>
+                                        </p:cTn>
+                                        <p:tgtEl>
+                                          <p:spTgt spid="160"/>
+                                        </p:tgtEl>
+                                        <p:attrNameLst>
+                                          <p:attrName>style.visibility</p:attrName>
+                                        </p:attrNameLst>
+                                      </p:cBhvr>
+                                      <p:to>
+                                        <p:strVal val="hidden"/>
+                                      </p:to>
+                                    </p:set>
+                                  </p:childTnLst>
+                                </p:cTn>
+                              </p:par>
+                            </p:childTnLst>
+                          </p:cTn>
+                        </p:par>
+                        <p:par>
+                          <p:cTn id="46" fill="hold">
+                            <p:stCondLst>
+                              <p:cond delay="500"/>
+                            </p:stCondLst>
+                            <p:childTnLst>
+                              <p:par>
+                                <p:cTn id="47" presetID="53" presetClass="entr" presetSubtype="16" fill="hold" nodeType="afterEffect">
+                                  <p:stCondLst>
+                                    <p:cond delay="0"/>
+                                  </p:stCondLst>
+                                  <p:childTnLst>
+                                    <p:set>
+                                      <p:cBhvr>
+                                        <p:cTn id="48" dur="1" fill="hold">
+                                          <p:stCondLst>
+                                            <p:cond delay="0"/>
+                                          </p:stCondLst>
+                                        </p:cTn>
+                                        <p:tgtEl>
+                                          <p:spTgt spid="162"/>
+                                        </p:tgtEl>
+                                        <p:attrNameLst>
+                                          <p:attrName>style.visibility</p:attrName>
+                                        </p:attrNameLst>
+                                      </p:cBhvr>
+                                      <p:to>
+                                        <p:strVal val="visible"/>
+                                      </p:to>
+                                    </p:set>
+                                    <p:anim calcmode="lin" valueType="num">
+                                      <p:cBhvr>
+                                        <p:cTn id="49" dur="500" fill="hold"/>
+                                        <p:tgtEl>
+                                          <p:spTgt spid="162"/>
+                                        </p:tgtEl>
+                                        <p:attrNameLst>
+                                          <p:attrName>ppt_w</p:attrName>
+                                        </p:attrNameLst>
+                                      </p:cBhvr>
+                                      <p:tavLst>
+                                        <p:tav tm="0">
+                                          <p:val>
+                                            <p:fltVal val="0"/>
+                                          </p:val>
+                                        </p:tav>
+                                        <p:tav tm="100000">
+                                          <p:val>
+                                            <p:strVal val="#ppt_w"/>
+                                          </p:val>
+                                        </p:tav>
+                                      </p:tavLst>
+                                    </p:anim>
+                                    <p:anim calcmode="lin" valueType="num">
+                                      <p:cBhvr>
+                                        <p:cTn id="50" dur="500" fill="hold"/>
+                                        <p:tgtEl>
+                                          <p:spTgt spid="162"/>
+                                        </p:tgtEl>
+                                        <p:attrNameLst>
+                                          <p:attrName>ppt_h</p:attrName>
+                                        </p:attrNameLst>
+                                      </p:cBhvr>
+                                      <p:tavLst>
+                                        <p:tav tm="0">
+                                          <p:val>
+                                            <p:fltVal val="0"/>
+                                          </p:val>
+                                        </p:tav>
+                                        <p:tav tm="100000">
+                                          <p:val>
+                                            <p:strVal val="#ppt_h"/>
+                                          </p:val>
+                                        </p:tav>
+                                      </p:tavLst>
+                                    </p:anim>
+                                    <p:animEffect transition="in" filter="fade">
+                                      <p:cBhvr>
+                                        <p:cTn id="51" dur="500"/>
+                                        <p:tgtEl>
+                                          <p:spTgt spid="162"/>
+                                        </p:tgtEl>
+                                      </p:cBhvr>
+                                    </p:animEffect>
+                                  </p:childTnLst>
+                                </p:cTn>
+                              </p:par>
+                            </p:childTnLst>
+                          </p:cTn>
+                        </p:par>
+                      </p:childTnLst>
+                    </p:cTn>
+                  </p:par>
+                  <p:par>
+                    <p:cTn id="52" fill="hold">
+                      <p:stCondLst>
+                        <p:cond delay="indefinite"/>
+                      </p:stCondLst>
+                      <p:childTnLst>
+                        <p:par>
+                          <p:cTn id="53" fill="hold">
+                            <p:stCondLst>
+                              <p:cond delay="0"/>
+                            </p:stCondLst>
+                            <p:childTnLst>
+                              <p:par>
+                                <p:cTn id="54" presetID="53" presetClass="exit" presetSubtype="32" fill="hold" nodeType="clickEffect">
+                                  <p:stCondLst>
+                                    <p:cond delay="0"/>
+                                  </p:stCondLst>
+                                  <p:childTnLst>
+                                    <p:anim calcmode="lin" valueType="num">
+                                      <p:cBhvr>
+                                        <p:cTn id="55" dur="500"/>
+                                        <p:tgtEl>
+                                          <p:spTgt spid="162"/>
+                                        </p:tgtEl>
+                                        <p:attrNameLst>
+                                          <p:attrName>ppt_w</p:attrName>
+                                        </p:attrNameLst>
+                                      </p:cBhvr>
+                                      <p:tavLst>
+                                        <p:tav tm="0">
+                                          <p:val>
+                                            <p:strVal val="ppt_w"/>
+                                          </p:val>
+                                        </p:tav>
+                                        <p:tav tm="100000">
+                                          <p:val>
+                                            <p:fltVal val="0"/>
+                                          </p:val>
+                                        </p:tav>
+                                      </p:tavLst>
+                                    </p:anim>
+                                    <p:anim calcmode="lin" valueType="num">
+                                      <p:cBhvr>
+                                        <p:cTn id="56" dur="500"/>
+                                        <p:tgtEl>
+                                          <p:spTgt spid="162"/>
+                                        </p:tgtEl>
+                                        <p:attrNameLst>
+                                          <p:attrName>ppt_h</p:attrName>
+                                        </p:attrNameLst>
+                                      </p:cBhvr>
+                                      <p:tavLst>
+                                        <p:tav tm="0">
+                                          <p:val>
+                                            <p:strVal val="ppt_h"/>
+                                          </p:val>
+                                        </p:tav>
+                                        <p:tav tm="100000">
+                                          <p:val>
+                                            <p:fltVal val="0"/>
+                                          </p:val>
+                                        </p:tav>
+                                      </p:tavLst>
+                                    </p:anim>
+                                    <p:animEffect transition="out" filter="fade">
+                                      <p:cBhvr>
+                                        <p:cTn id="57" dur="500"/>
+                                        <p:tgtEl>
+                                          <p:spTgt spid="162"/>
+                                        </p:tgtEl>
+                                      </p:cBhvr>
+                                    </p:animEffect>
+                                    <p:set>
+                                      <p:cBhvr>
+                                        <p:cTn id="58" dur="1" fill="hold">
+                                          <p:stCondLst>
+                                            <p:cond delay="499"/>
+                                          </p:stCondLst>
+                                        </p:cTn>
+                                        <p:tgtEl>
+                                          <p:spTgt spid="162"/>
+                                        </p:tgtEl>
+                                        <p:attrNameLst>
+                                          <p:attrName>style.visibility</p:attrName>
+                                        </p:attrNameLst>
+                                      </p:cBhvr>
+                                      <p:to>
+                                        <p:strVal val="hidden"/>
+                                      </p:to>
+                                    </p:set>
+                                  </p:childTnLst>
+                                </p:cTn>
+                              </p:par>
+                            </p:childTnLst>
+                          </p:cTn>
+                        </p:par>
+                        <p:par>
+                          <p:cTn id="59" fill="hold">
+                            <p:stCondLst>
+                              <p:cond delay="500"/>
+                            </p:stCondLst>
+                            <p:childTnLst>
+                              <p:par>
+                                <p:cTn id="60" presetID="1" presetClass="exit" presetSubtype="0" fill="hold" grpId="1" nodeType="afterEffect">
+                                  <p:stCondLst>
+                                    <p:cond delay="0"/>
+                                  </p:stCondLst>
+                                  <p:childTnLst>
+                                    <p:set>
+                                      <p:cBhvr>
+                                        <p:cTn id="61" dur="1" fill="hold">
+                                          <p:stCondLst>
+                                            <p:cond delay="0"/>
+                                          </p:stCondLst>
+                                        </p:cTn>
+                                        <p:tgtEl>
+                                          <p:spTgt spid="15"/>
+                                        </p:tgtEl>
+                                        <p:attrNameLst>
+                                          <p:attrName>style.visibility</p:attrName>
+                                        </p:attrNameLst>
+                                      </p:cBhvr>
+                                      <p:to>
+                                        <p:strVal val="hidden"/>
+                                      </p:to>
+                                    </p:set>
+                                  </p:childTnLst>
+                                </p:cTn>
+                              </p:par>
+                            </p:childTnLst>
+                          </p:cTn>
+                        </p:par>
+                      </p:childTnLst>
+                    </p:cTn>
+                  </p:par>
+                </p:childTnLst>
+              </p:cTn>
+              <p:prevCondLst>
+                <p:cond evt="onPrev" delay="0">
+                  <p:tgtEl>
+                    <p:sldTgt/>
+                  </p:tgtEl>
+                </p:cond>
+              </p:prevCondLst>
+              <p:nextCondLst>
+                <p:cond evt="onNext" delay="0">
+                  <p:tgtEl>
+                    <p:sldTgt/>
+                  </p:tgtEl>
+                </p:cond>
+              </p:nextCondLst>
+            </p:seq>
+          </p:childTnLst>
+        </p:cTn>
+      </p:par>
+    </p:tnLst>
+    <p:bldLst>
+      <p:bldP spid="15" grpId="0" animBg="1"/>
+      <p:bldP spid="15" grpId="1" animBg="1"/>
+    </p:bldLst>
+  </p:timing>
 </p:sld>
 </file>
 
@@ -19145,9 +22477,10 @@
               <a:buNone/>
             </a:pPr>
             <a:r>
-              <a:rPr lang="fr-FR"/>
-              <a:t>Site</a:t>
+              <a:rPr lang="fr-FR" dirty="0" smtClean="0"/>
+              <a:t>Site web</a:t>
             </a:r>
+            <a:endParaRPr lang="fr-FR" dirty="0"/>
           </a:p>
         </p:txBody>
       </p:sp>
@@ -19303,7 +22636,7 @@
         </p:nvSpPr>
         <p:spPr>
           <a:xfrm>
-            <a:off x="1475655" y="2246307"/>
+            <a:off x="1475655" y="2178267"/>
             <a:ext cx="5976600" cy="400199"/>
           </a:xfrm>
           <a:prstGeom prst="rect">
@@ -19365,8 +22698,8 @@
         </p:nvSpPr>
         <p:spPr>
           <a:xfrm>
-            <a:off x="1475655" y="2708919"/>
-            <a:ext cx="5976600" cy="400199"/>
+            <a:off x="1475655" y="2663559"/>
+            <a:ext cx="7437300" cy="400199"/>
           </a:xfrm>
           <a:prstGeom prst="rect">
             <a:avLst/>
@@ -19397,7 +22730,7 @@
               <a:buChar char="•"/>
             </a:pPr>
             <a:r>
-              <a:rPr lang="fr-FR" sz="1800" b="0" i="0" u="none" strike="noStrike" cap="none" baseline="0">
+              <a:rPr lang="fr-FR" sz="1800" b="0" i="0" u="none" strike="noStrike" cap="none" baseline="0" dirty="0">
                 <a:solidFill>
                   <a:schemeClr val="dk1"/>
                 </a:solidFill>
@@ -19409,13 +22742,58 @@
               <a:t>  </a:t>
             </a:r>
             <a:r>
-              <a:rPr lang="fr-FR" sz="2000">
+              <a:rPr lang="fr-FR" sz="2000" dirty="0">
                 <a:solidFill>
                   <a:schemeClr val="dk1"/>
                 </a:solidFill>
               </a:rPr>
-              <a:t>Utilisation des thumbnails pour les minatures des galleries photos</a:t>
+              <a:t>Utilisation des </a:t>
             </a:r>
+            <a:r>
+              <a:rPr lang="fr-FR" sz="2000" dirty="0" err="1">
+                <a:solidFill>
+                  <a:schemeClr val="dk1"/>
+                </a:solidFill>
+              </a:rPr>
+              <a:t>thumbnails</a:t>
+            </a:r>
+            <a:r>
+              <a:rPr lang="fr-FR" sz="2000" dirty="0">
+                <a:solidFill>
+                  <a:schemeClr val="dk1"/>
+                </a:solidFill>
+              </a:rPr>
+              <a:t> pour les </a:t>
+            </a:r>
+            <a:r>
+              <a:rPr lang="fr-FR" sz="2000" dirty="0" smtClean="0">
+                <a:solidFill>
+                  <a:schemeClr val="dk1"/>
+                </a:solidFill>
+              </a:rPr>
+              <a:t>miniatures </a:t>
+            </a:r>
+            <a:r>
+              <a:rPr lang="fr-FR" sz="2000" dirty="0">
+                <a:solidFill>
+                  <a:schemeClr val="dk1"/>
+                </a:solidFill>
+              </a:rPr>
+              <a:t>des </a:t>
+            </a:r>
+            <a:r>
+              <a:rPr lang="fr-FR" sz="2000" dirty="0" smtClean="0">
+                <a:solidFill>
+                  <a:schemeClr val="dk1"/>
+                </a:solidFill>
+              </a:rPr>
+              <a:t>photos</a:t>
+            </a:r>
+            <a:endParaRPr lang="fr-FR" sz="2000" dirty="0">
+              <a:solidFill>
+                <a:schemeClr val="dk1"/>
+              </a:solidFill>
+            </a:endParaRPr>
           </a:p>
         </p:txBody>
       </p:sp>
@@ -19489,7 +22867,7 @@
         </p:nvSpPr>
         <p:spPr>
           <a:xfrm>
-            <a:off x="1475655" y="3778314"/>
+            <a:off x="1475655" y="3835014"/>
             <a:ext cx="6840899" cy="400199"/>
           </a:xfrm>
           <a:prstGeom prst="rect">
@@ -19551,7 +22929,7 @@
         </p:nvSpPr>
         <p:spPr>
           <a:xfrm>
-            <a:off x="1475655" y="4282369"/>
+            <a:off x="1475655" y="4259689"/>
             <a:ext cx="5976600" cy="400199"/>
           </a:xfrm>
           <a:prstGeom prst="rect">
@@ -19613,7 +22991,7 @@
         </p:nvSpPr>
         <p:spPr>
           <a:xfrm>
-            <a:off x="899591" y="5200485"/>
+            <a:off x="899591" y="5097040"/>
             <a:ext cx="6552600" cy="400199"/>
           </a:xfrm>
           <a:prstGeom prst="rect">
@@ -19669,14 +23047,57 @@
       </p:sp>
       <p:sp>
         <p:nvSpPr>
-          <p:cNvPr id="178" name="Shape 178"/>
+          <p:cNvPr id="14" name="Rectangle 13"/>
           <p:cNvSpPr/>
           <p:nvPr/>
         </p:nvSpPr>
         <p:spPr>
           <a:xfrm>
-            <a:off x="8090812" y="1250262"/>
-            <a:ext cx="6315075" cy="2752725"/>
+            <a:off x="0" y="28600"/>
+            <a:ext cx="9144000" cy="6858000"/>
+          </a:xfrm>
+          <a:prstGeom prst="rect">
+            <a:avLst/>
+          </a:prstGeom>
+          <a:solidFill>
+            <a:srgbClr val="333333">
+              <a:alpha val="83137"/>
+            </a:srgbClr>
+          </a:solidFill>
+        </p:spPr>
+        <p:style>
+          <a:lnRef idx="1">
+            <a:schemeClr val="dk1"/>
+          </a:lnRef>
+          <a:fillRef idx="2">
+            <a:schemeClr val="dk1"/>
+          </a:fillRef>
+          <a:effectRef idx="1">
+            <a:schemeClr val="dk1"/>
+          </a:effectRef>
+          <a:fontRef idx="minor">
+            <a:schemeClr val="dk1"/>
+          </a:fontRef>
+        </p:style>
+        <p:txBody>
+          <a:bodyPr rtlCol="0" anchor="ctr"/>
+          <a:lstStyle/>
+          <a:p>
+            <a:pPr algn="ctr"/>
+            <a:endParaRPr lang="fr-FR"/>
+          </a:p>
+        </p:txBody>
+      </p:sp>
+      <p:sp>
+        <p:nvSpPr>
+          <p:cNvPr id="179" name="Shape 179"/>
+          <p:cNvSpPr/>
+          <p:nvPr/>
+        </p:nvSpPr>
+        <p:spPr>
+          <a:xfrm>
+            <a:off x="2166938" y="2043113"/>
+            <a:ext cx="4810125" cy="2771775"/>
           </a:xfrm>
           <a:prstGeom prst="rect">
             <a:avLst/>
@@ -19694,14 +23115,14 @@
       </p:sp>
       <p:sp>
         <p:nvSpPr>
-          <p:cNvPr id="179" name="Shape 179"/>
+          <p:cNvPr id="178" name="Shape 178"/>
           <p:cNvSpPr/>
           <p:nvPr/>
         </p:nvSpPr>
         <p:spPr>
           <a:xfrm>
-            <a:off x="-4276725" y="1523132"/>
-            <a:ext cx="4810125" cy="2771775"/>
+            <a:off x="1414463" y="2052638"/>
+            <a:ext cx="6315075" cy="2752725"/>
           </a:xfrm>
           <a:prstGeom prst="rect">
             <a:avLst/>
@@ -19725,6 +23146,499 @@
   <p:transition xmlns:p14="http://schemas.microsoft.com/office/powerpoint/2010/main" spd="slow">
     <p:cut/>
   </p:transition>
+  <p:timing>
+    <p:tnLst>
+      <p:par>
+        <p:cTn xmlns:p14="http://schemas.microsoft.com/office/powerpoint/2010/main" id="1" dur="indefinite" restart="never" nodeType="tmRoot">
+          <p:childTnLst>
+            <p:seq concurrent="1" nextAc="seek">
+              <p:cTn id="2" dur="indefinite" nodeType="mainSeq">
+                <p:childTnLst>
+                  <p:par>
+                    <p:cTn id="3" fill="hold">
+                      <p:stCondLst>
+                        <p:cond delay="indefinite"/>
+                      </p:stCondLst>
+                      <p:childTnLst>
+                        <p:par>
+                          <p:cTn id="4" fill="hold">
+                            <p:stCondLst>
+                              <p:cond delay="0"/>
+                            </p:stCondLst>
+                            <p:childTnLst>
+                              <p:par>
+                                <p:cTn id="5" presetID="1" presetClass="entr" presetSubtype="0" fill="hold" grpId="0" nodeType="clickEffect">
+                                  <p:stCondLst>
+                                    <p:cond delay="0"/>
+                                  </p:stCondLst>
+                                  <p:childTnLst>
+                                    <p:set>
+                                      <p:cBhvr>
+                                        <p:cTn id="6" dur="1" fill="hold">
+                                          <p:stCondLst>
+                                            <p:cond delay="0"/>
+                                          </p:stCondLst>
+                                        </p:cTn>
+                                        <p:tgtEl>
+                                          <p:spTgt spid="14"/>
+                                        </p:tgtEl>
+                                        <p:attrNameLst>
+                                          <p:attrName>style.visibility</p:attrName>
+                                        </p:attrNameLst>
+                                      </p:cBhvr>
+                                      <p:to>
+                                        <p:strVal val="visible"/>
+                                      </p:to>
+                                    </p:set>
+                                  </p:childTnLst>
+                                </p:cTn>
+                              </p:par>
+                            </p:childTnLst>
+                          </p:cTn>
+                        </p:par>
+                        <p:par>
+                          <p:cTn id="7" fill="hold">
+                            <p:stCondLst>
+                              <p:cond delay="0"/>
+                            </p:stCondLst>
+                            <p:childTnLst>
+                              <p:par>
+                                <p:cTn id="8" presetID="53" presetClass="entr" presetSubtype="16" fill="hold" nodeType="afterEffect">
+                                  <p:stCondLst>
+                                    <p:cond delay="0"/>
+                                  </p:stCondLst>
+                                  <p:childTnLst>
+                                    <p:set>
+                                      <p:cBhvr>
+                                        <p:cTn id="9" dur="1" fill="hold">
+                                          <p:stCondLst>
+                                            <p:cond delay="0"/>
+                                          </p:stCondLst>
+                                        </p:cTn>
+                                        <p:tgtEl>
+                                          <p:spTgt spid="179"/>
+                                        </p:tgtEl>
+                                        <p:attrNameLst>
+                                          <p:attrName>style.visibility</p:attrName>
+                                        </p:attrNameLst>
+                                      </p:cBhvr>
+                                      <p:to>
+                                        <p:strVal val="visible"/>
+                                      </p:to>
+                                    </p:set>
+                                    <p:anim calcmode="lin" valueType="num">
+                                      <p:cBhvr>
+                                        <p:cTn id="10" dur="500" fill="hold"/>
+                                        <p:tgtEl>
+                                          <p:spTgt spid="179"/>
+                                        </p:tgtEl>
+                                        <p:attrNameLst>
+                                          <p:attrName>ppt_w</p:attrName>
+                                        </p:attrNameLst>
+                                      </p:cBhvr>
+                                      <p:tavLst>
+                                        <p:tav tm="0">
+                                          <p:val>
+                                            <p:fltVal val="0"/>
+                                          </p:val>
+                                        </p:tav>
+                                        <p:tav tm="100000">
+                                          <p:val>
+                                            <p:strVal val="#ppt_w"/>
+                                          </p:val>
+                                        </p:tav>
+                                      </p:tavLst>
+                                    </p:anim>
+                                    <p:anim calcmode="lin" valueType="num">
+                                      <p:cBhvr>
+                                        <p:cTn id="11" dur="500" fill="hold"/>
+                                        <p:tgtEl>
+                                          <p:spTgt spid="179"/>
+                                        </p:tgtEl>
+                                        <p:attrNameLst>
+                                          <p:attrName>ppt_h</p:attrName>
+                                        </p:attrNameLst>
+                                      </p:cBhvr>
+                                      <p:tavLst>
+                                        <p:tav tm="0">
+                                          <p:val>
+                                            <p:fltVal val="0"/>
+                                          </p:val>
+                                        </p:tav>
+                                        <p:tav tm="100000">
+                                          <p:val>
+                                            <p:strVal val="#ppt_h"/>
+                                          </p:val>
+                                        </p:tav>
+                                      </p:tavLst>
+                                    </p:anim>
+                                    <p:animEffect transition="in" filter="fade">
+                                      <p:cBhvr>
+                                        <p:cTn id="12" dur="500"/>
+                                        <p:tgtEl>
+                                          <p:spTgt spid="179"/>
+                                        </p:tgtEl>
+                                      </p:cBhvr>
+                                    </p:animEffect>
+                                  </p:childTnLst>
+                                </p:cTn>
+                              </p:par>
+                            </p:childTnLst>
+                          </p:cTn>
+                        </p:par>
+                      </p:childTnLst>
+                    </p:cTn>
+                  </p:par>
+                  <p:par>
+                    <p:cTn id="13" fill="hold">
+                      <p:stCondLst>
+                        <p:cond delay="indefinite"/>
+                      </p:stCondLst>
+                      <p:childTnLst>
+                        <p:par>
+                          <p:cTn id="14" fill="hold">
+                            <p:stCondLst>
+                              <p:cond delay="0"/>
+                            </p:stCondLst>
+                            <p:childTnLst>
+                              <p:par>
+                                <p:cTn id="15" presetID="53" presetClass="exit" presetSubtype="32" fill="hold" nodeType="clickEffect">
+                                  <p:stCondLst>
+                                    <p:cond delay="0"/>
+                                  </p:stCondLst>
+                                  <p:childTnLst>
+                                    <p:anim calcmode="lin" valueType="num">
+                                      <p:cBhvr>
+                                        <p:cTn id="16" dur="500"/>
+                                        <p:tgtEl>
+                                          <p:spTgt spid="179"/>
+                                        </p:tgtEl>
+                                        <p:attrNameLst>
+                                          <p:attrName>ppt_w</p:attrName>
+                                        </p:attrNameLst>
+                                      </p:cBhvr>
+                                      <p:tavLst>
+                                        <p:tav tm="0">
+                                          <p:val>
+                                            <p:strVal val="ppt_w"/>
+                                          </p:val>
+                                        </p:tav>
+                                        <p:tav tm="100000">
+                                          <p:val>
+                                            <p:fltVal val="0"/>
+                                          </p:val>
+                                        </p:tav>
+                                      </p:tavLst>
+                                    </p:anim>
+                                    <p:anim calcmode="lin" valueType="num">
+                                      <p:cBhvr>
+                                        <p:cTn id="17" dur="500"/>
+                                        <p:tgtEl>
+                                          <p:spTgt spid="179"/>
+                                        </p:tgtEl>
+                                        <p:attrNameLst>
+                                          <p:attrName>ppt_h</p:attrName>
+                                        </p:attrNameLst>
+                                      </p:cBhvr>
+                                      <p:tavLst>
+                                        <p:tav tm="0">
+                                          <p:val>
+                                            <p:strVal val="ppt_h"/>
+                                          </p:val>
+                                        </p:tav>
+                                        <p:tav tm="100000">
+                                          <p:val>
+                                            <p:fltVal val="0"/>
+                                          </p:val>
+                                        </p:tav>
+                                      </p:tavLst>
+                                    </p:anim>
+                                    <p:animEffect transition="out" filter="fade">
+                                      <p:cBhvr>
+                                        <p:cTn id="18" dur="500"/>
+                                        <p:tgtEl>
+                                          <p:spTgt spid="179"/>
+                                        </p:tgtEl>
+                                      </p:cBhvr>
+                                    </p:animEffect>
+                                    <p:set>
+                                      <p:cBhvr>
+                                        <p:cTn id="19" dur="1" fill="hold">
+                                          <p:stCondLst>
+                                            <p:cond delay="499"/>
+                                          </p:stCondLst>
+                                        </p:cTn>
+                                        <p:tgtEl>
+                                          <p:spTgt spid="179"/>
+                                        </p:tgtEl>
+                                        <p:attrNameLst>
+                                          <p:attrName>style.visibility</p:attrName>
+                                        </p:attrNameLst>
+                                      </p:cBhvr>
+                                      <p:to>
+                                        <p:strVal val="hidden"/>
+                                      </p:to>
+                                    </p:set>
+                                  </p:childTnLst>
+                                </p:cTn>
+                              </p:par>
+                            </p:childTnLst>
+                          </p:cTn>
+                        </p:par>
+                        <p:par>
+                          <p:cTn id="20" fill="hold">
+                            <p:stCondLst>
+                              <p:cond delay="500"/>
+                            </p:stCondLst>
+                            <p:childTnLst>
+                              <p:par>
+                                <p:cTn id="21" presetID="53" presetClass="entr" presetSubtype="16" fill="hold" nodeType="afterEffect">
+                                  <p:stCondLst>
+                                    <p:cond delay="0"/>
+                                  </p:stCondLst>
+                                  <p:childTnLst>
+                                    <p:set>
+                                      <p:cBhvr>
+                                        <p:cTn id="22" dur="1" fill="hold">
+                                          <p:stCondLst>
+                                            <p:cond delay="0"/>
+                                          </p:stCondLst>
+                                        </p:cTn>
+                                        <p:tgtEl>
+                                          <p:spTgt spid="178"/>
+                                        </p:tgtEl>
+                                        <p:attrNameLst>
+                                          <p:attrName>style.visibility</p:attrName>
+                                        </p:attrNameLst>
+                                      </p:cBhvr>
+                                      <p:to>
+                                        <p:strVal val="visible"/>
+                                      </p:to>
+                                    </p:set>
+                                    <p:anim calcmode="lin" valueType="num">
+                                      <p:cBhvr>
+                                        <p:cTn id="23" dur="500" fill="hold"/>
+                                        <p:tgtEl>
+                                          <p:spTgt spid="178"/>
+                                        </p:tgtEl>
+                                        <p:attrNameLst>
+                                          <p:attrName>ppt_w</p:attrName>
+                                        </p:attrNameLst>
+                                      </p:cBhvr>
+                                      <p:tavLst>
+                                        <p:tav tm="0">
+                                          <p:val>
+                                            <p:fltVal val="0"/>
+                                          </p:val>
+                                        </p:tav>
+                                        <p:tav tm="100000">
+                                          <p:val>
+                                            <p:strVal val="#ppt_w"/>
+                                          </p:val>
+                                        </p:tav>
+                                      </p:tavLst>
+                                    </p:anim>
+                                    <p:anim calcmode="lin" valueType="num">
+                                      <p:cBhvr>
+                                        <p:cTn id="24" dur="500" fill="hold"/>
+                                        <p:tgtEl>
+                                          <p:spTgt spid="178"/>
+                                        </p:tgtEl>
+                                        <p:attrNameLst>
+                                          <p:attrName>ppt_h</p:attrName>
+                                        </p:attrNameLst>
+                                      </p:cBhvr>
+                                      <p:tavLst>
+                                        <p:tav tm="0">
+                                          <p:val>
+                                            <p:fltVal val="0"/>
+                                          </p:val>
+                                        </p:tav>
+                                        <p:tav tm="100000">
+                                          <p:val>
+                                            <p:strVal val="#ppt_h"/>
+                                          </p:val>
+                                        </p:tav>
+                                      </p:tavLst>
+                                    </p:anim>
+                                    <p:animEffect transition="in" filter="fade">
+                                      <p:cBhvr>
+                                        <p:cTn id="25" dur="500"/>
+                                        <p:tgtEl>
+                                          <p:spTgt spid="178"/>
+                                        </p:tgtEl>
+                                      </p:cBhvr>
+                                    </p:animEffect>
+                                  </p:childTnLst>
+                                </p:cTn>
+                              </p:par>
+                            </p:childTnLst>
+                          </p:cTn>
+                        </p:par>
+                      </p:childTnLst>
+                    </p:cTn>
+                  </p:par>
+                  <p:par>
+                    <p:cTn id="26" fill="hold">
+                      <p:stCondLst>
+                        <p:cond delay="indefinite"/>
+                      </p:stCondLst>
+                      <p:childTnLst>
+                        <p:par>
+                          <p:cTn id="27" fill="hold">
+                            <p:stCondLst>
+                              <p:cond delay="0"/>
+                            </p:stCondLst>
+                            <p:childTnLst>
+                              <p:par>
+                                <p:cTn id="28" presetID="53" presetClass="exit" presetSubtype="32" fill="hold" nodeType="clickEffect">
+                                  <p:stCondLst>
+                                    <p:cond delay="0"/>
+                                  </p:stCondLst>
+                                  <p:childTnLst>
+                                    <p:anim calcmode="lin" valueType="num">
+                                      <p:cBhvr>
+                                        <p:cTn id="29" dur="500"/>
+                                        <p:tgtEl>
+                                          <p:spTgt spid="178"/>
+                                        </p:tgtEl>
+                                        <p:attrNameLst>
+                                          <p:attrName>ppt_w</p:attrName>
+                                        </p:attrNameLst>
+                                      </p:cBhvr>
+                                      <p:tavLst>
+                                        <p:tav tm="0">
+                                          <p:val>
+                                            <p:strVal val="ppt_w"/>
+                                          </p:val>
+                                        </p:tav>
+                                        <p:tav tm="100000">
+                                          <p:val>
+                                            <p:fltVal val="0"/>
+                                          </p:val>
+                                        </p:tav>
+                                      </p:tavLst>
+                                    </p:anim>
+                                    <p:anim calcmode="lin" valueType="num">
+                                      <p:cBhvr>
+                                        <p:cTn id="30" dur="500"/>
+                                        <p:tgtEl>
+                                          <p:spTgt spid="178"/>
+                                        </p:tgtEl>
+                                        <p:attrNameLst>
+                                          <p:attrName>ppt_h</p:attrName>
+                                        </p:attrNameLst>
+                                      </p:cBhvr>
+                                      <p:tavLst>
+                                        <p:tav tm="0">
+                                          <p:val>
+                                            <p:strVal val="ppt_h"/>
+                                          </p:val>
+                                        </p:tav>
+                                        <p:tav tm="100000">
+                                          <p:val>
+                                            <p:fltVal val="0"/>
+                                          </p:val>
+                                        </p:tav>
+                                      </p:tavLst>
+                                    </p:anim>
+                                    <p:animEffect transition="out" filter="fade">
+                                      <p:cBhvr>
+                                        <p:cTn id="31" dur="500"/>
+                                        <p:tgtEl>
+                                          <p:spTgt spid="178"/>
+                                        </p:tgtEl>
+                                      </p:cBhvr>
+                                    </p:animEffect>
+                                    <p:set>
+                                      <p:cBhvr>
+                                        <p:cTn id="32" dur="1" fill="hold">
+                                          <p:stCondLst>
+                                            <p:cond delay="499"/>
+                                          </p:stCondLst>
+                                        </p:cTn>
+                                        <p:tgtEl>
+                                          <p:spTgt spid="178"/>
+                                        </p:tgtEl>
+                                        <p:attrNameLst>
+                                          <p:attrName>style.visibility</p:attrName>
+                                        </p:attrNameLst>
+                                      </p:cBhvr>
+                                      <p:to>
+                                        <p:strVal val="hidden"/>
+                                      </p:to>
+                                    </p:set>
+                                  </p:childTnLst>
+                                </p:cTn>
+                              </p:par>
+                            </p:childTnLst>
+                          </p:cTn>
+                        </p:par>
+                        <p:par>
+                          <p:cTn id="33" fill="hold">
+                            <p:stCondLst>
+                              <p:cond delay="500"/>
+                            </p:stCondLst>
+                            <p:childTnLst>
+                              <p:par>
+                                <p:cTn id="34" presetID="1" presetClass="exit" presetSubtype="0" fill="hold" grpId="1" nodeType="afterEffect">
+                                  <p:stCondLst>
+                                    <p:cond delay="0"/>
+                                  </p:stCondLst>
+                                  <p:childTnLst>
+                                    <p:set>
+                                      <p:cBhvr>
+                                        <p:cTn id="35" dur="1" fill="hold">
+                                          <p:stCondLst>
+                                            <p:cond delay="0"/>
+                                          </p:stCondLst>
+                                        </p:cTn>
+                                        <p:tgtEl>
+                                          <p:spTgt spid="14"/>
+                                        </p:tgtEl>
+                                        <p:attrNameLst>
+                                          <p:attrName>style.visibility</p:attrName>
+                                        </p:attrNameLst>
+                                      </p:cBhvr>
+                                      <p:to>
+                                        <p:strVal val="hidden"/>
+                                      </p:to>
+                                    </p:set>
+                                  </p:childTnLst>
+                                </p:cTn>
+                              </p:par>
+                            </p:childTnLst>
+                          </p:cTn>
+                        </p:par>
+                      </p:childTnLst>
+                    </p:cTn>
+                  </p:par>
+                </p:childTnLst>
+              </p:cTn>
+              <p:prevCondLst>
+                <p:cond evt="onPrev" delay="0">
+                  <p:tgtEl>
+                    <p:sldTgt/>
+                  </p:tgtEl>
+                </p:cond>
+              </p:prevCondLst>
+              <p:nextCondLst>
+                <p:cond evt="onNext" delay="0">
+                  <p:tgtEl>
+                    <p:sldTgt/>
+                  </p:tgtEl>
+                </p:cond>
+              </p:nextCondLst>
+            </p:seq>
+          </p:childTnLst>
+        </p:cTn>
+      </p:par>
+    </p:tnLst>
+    <p:bldLst>
+      <p:bldP spid="14" grpId="0" animBg="1"/>
+      <p:bldP spid="14" grpId="1" animBg="1"/>
+    </p:bldLst>
+  </p:timing>
 </p:sld>
 </file>
 
@@ -19785,9 +23699,10 @@
               <a:buNone/>
             </a:pPr>
             <a:r>
-              <a:rPr lang="fr-FR"/>
-              <a:t>Site</a:t>
+              <a:rPr lang="fr-FR" dirty="0" smtClean="0"/>
+              <a:t>Site web</a:t>
             </a:r>
+            <a:endParaRPr lang="fr-FR" dirty="0"/>
           </a:p>
         </p:txBody>
       </p:sp>
@@ -19975,7 +23890,7 @@
               <a:buChar char="•"/>
             </a:pPr>
             <a:r>
-              <a:rPr lang="fr-FR" sz="1800" b="0" i="0" u="none" strike="noStrike" cap="none" baseline="0">
+              <a:rPr lang="fr-FR" sz="1800" b="0" i="0" u="none" strike="noStrike" cap="none" baseline="0" dirty="0">
                 <a:solidFill>
                   <a:schemeClr val="dk1"/>
                 </a:solidFill>
@@ -19987,7 +23902,7 @@
               <a:t>  </a:t>
             </a:r>
             <a:r>
-              <a:rPr lang="fr-FR" sz="2000">
+              <a:rPr lang="fr-FR" sz="2000" dirty="0">
                 <a:solidFill>
                   <a:schemeClr val="dk1"/>
                 </a:solidFill>
@@ -20005,7 +23920,7 @@
         </p:nvSpPr>
         <p:spPr>
           <a:xfrm>
-            <a:off x="1475655" y="2708919"/>
+            <a:off x="1475655" y="2742048"/>
             <a:ext cx="5976600" cy="400199"/>
           </a:xfrm>
           <a:prstGeom prst="rect">
@@ -20154,6 +24069,13 @@
   <p:transition xmlns:p14="http://schemas.microsoft.com/office/powerpoint/2010/main" spd="slow">
     <p:cut/>
   </p:transition>
+  <p:timing>
+    <p:tnLst>
+      <p:par>
+        <p:cTn xmlns:p14="http://schemas.microsoft.com/office/powerpoint/2010/main" id="1" dur="indefinite" restart="never" nodeType="tmRoot"/>
+      </p:par>
+    </p:tnLst>
+  </p:timing>
 </p:sld>
 </file>
 
